--- a/Brain Pain powerpoint.pptx
+++ b/Brain Pain powerpoint.pptx
@@ -114,6 +114,11 @@
       </a:defRPr>
     </a:lvl9pPr>
   </p:defaultTextStyle>
+  <p:extLst>
+    <p:ext uri="{EFAFB233-063F-42B5-8137-9DF3F51BA10A}">
+      <p15:sldGuideLst xmlns:p15="http://schemas.microsoft.com/office/powerpoint/2012/main"/>
+    </p:ext>
+  </p:extLst>
 </p:presentation>
 </file>
 

--- a/Brain Pain powerpoint.pptx
+++ b/Brain Pain powerpoint.pptx
@@ -6,16 +6,15 @@
   </p:sldMasterIdLst>
   <p:sldIdLst>
     <p:sldId id="256" r:id="rId2"/>
-    <p:sldId id="257" r:id="rId3"/>
-    <p:sldId id="258" r:id="rId4"/>
-    <p:sldId id="259" r:id="rId5"/>
-    <p:sldId id="260" r:id="rId6"/>
-    <p:sldId id="261" r:id="rId7"/>
-    <p:sldId id="265" r:id="rId8"/>
-    <p:sldId id="262" r:id="rId9"/>
-    <p:sldId id="263" r:id="rId10"/>
-    <p:sldId id="264" r:id="rId11"/>
-    <p:sldId id="266" r:id="rId12"/>
+    <p:sldId id="258" r:id="rId3"/>
+    <p:sldId id="259" r:id="rId4"/>
+    <p:sldId id="260" r:id="rId5"/>
+    <p:sldId id="261" r:id="rId6"/>
+    <p:sldId id="265" r:id="rId7"/>
+    <p:sldId id="262" r:id="rId8"/>
+    <p:sldId id="263" r:id="rId9"/>
+    <p:sldId id="264" r:id="rId10"/>
+    <p:sldId id="266" r:id="rId11"/>
   </p:sldIdLst>
   <p:sldSz cx="12192000" cy="6858000"/>
   <p:notesSz cx="6858000" cy="9144000"/>
@@ -768,7 +767,7 @@
           <a:p>
             <a:fld id="{762CEC22-7E63-4875-B7E5-EFE6F76FF188}" type="datetimeFigureOut">
               <a:rPr lang="es-ES" smtClean="0"/>
-              <a:t>22/01/2020</a:t>
+              <a:t>24/01/2020</a:t>
             </a:fld>
             <a:endParaRPr lang="es-ES"/>
           </a:p>
@@ -1888,7 +1887,7 @@
           <a:p>
             <a:fld id="{762CEC22-7E63-4875-B7E5-EFE6F76FF188}" type="datetimeFigureOut">
               <a:rPr lang="es-ES" smtClean="0"/>
-              <a:t>22/01/2020</a:t>
+              <a:t>24/01/2020</a:t>
             </a:fld>
             <a:endParaRPr lang="es-ES"/>
           </a:p>
@@ -2899,7 +2898,7 @@
           <a:p>
             <a:fld id="{762CEC22-7E63-4875-B7E5-EFE6F76FF188}" type="datetimeFigureOut">
               <a:rPr lang="es-ES" smtClean="0"/>
-              <a:t>22/01/2020</a:t>
+              <a:t>24/01/2020</a:t>
             </a:fld>
             <a:endParaRPr lang="es-ES"/>
           </a:p>
@@ -4069,7 +4068,7 @@
           <a:p>
             <a:fld id="{762CEC22-7E63-4875-B7E5-EFE6F76FF188}" type="datetimeFigureOut">
               <a:rPr lang="es-ES" smtClean="0"/>
-              <a:t>22/01/2020</a:t>
+              <a:t>24/01/2020</a:t>
             </a:fld>
             <a:endParaRPr lang="es-ES"/>
           </a:p>
@@ -5130,7 +5129,7 @@
           <a:p>
             <a:fld id="{762CEC22-7E63-4875-B7E5-EFE6F76FF188}" type="datetimeFigureOut">
               <a:rPr lang="es-ES" smtClean="0"/>
-              <a:t>22/01/2020</a:t>
+              <a:t>24/01/2020</a:t>
             </a:fld>
             <a:endParaRPr lang="es-ES"/>
           </a:p>
@@ -5776,7 +5775,7 @@
           <a:p>
             <a:fld id="{762CEC22-7E63-4875-B7E5-EFE6F76FF188}" type="datetimeFigureOut">
               <a:rPr lang="es-ES" smtClean="0"/>
-              <a:t>22/01/2020</a:t>
+              <a:t>24/01/2020</a:t>
             </a:fld>
             <a:endParaRPr lang="es-ES"/>
           </a:p>
@@ -6623,7 +6622,7 @@
           <a:p>
             <a:fld id="{762CEC22-7E63-4875-B7E5-EFE6F76FF188}" type="datetimeFigureOut">
               <a:rPr lang="es-ES" smtClean="0"/>
-              <a:t>22/01/2020</a:t>
+              <a:t>24/01/2020</a:t>
             </a:fld>
             <a:endParaRPr lang="es-ES"/>
           </a:p>
@@ -6798,7 +6797,7 @@
           <a:p>
             <a:fld id="{762CEC22-7E63-4875-B7E5-EFE6F76FF188}" type="datetimeFigureOut">
               <a:rPr lang="es-ES" smtClean="0"/>
-              <a:t>22/01/2020</a:t>
+              <a:t>24/01/2020</a:t>
             </a:fld>
             <a:endParaRPr lang="es-ES"/>
           </a:p>
@@ -7796,7 +7795,7 @@
           <a:p>
             <a:fld id="{762CEC22-7E63-4875-B7E5-EFE6F76FF188}" type="datetimeFigureOut">
               <a:rPr lang="es-ES" smtClean="0"/>
-              <a:t>22/01/2020</a:t>
+              <a:t>24/01/2020</a:t>
             </a:fld>
             <a:endParaRPr lang="es-ES"/>
           </a:p>
@@ -8002,7 +8001,7 @@
           <a:p>
             <a:fld id="{762CEC22-7E63-4875-B7E5-EFE6F76FF188}" type="datetimeFigureOut">
               <a:rPr lang="es-ES" smtClean="0"/>
-              <a:t>22/01/2020</a:t>
+              <a:t>24/01/2020</a:t>
             </a:fld>
             <a:endParaRPr lang="es-ES"/>
           </a:p>
@@ -9064,7 +9063,7 @@
           <a:p>
             <a:fld id="{762CEC22-7E63-4875-B7E5-EFE6F76FF188}" type="datetimeFigureOut">
               <a:rPr lang="es-ES" smtClean="0"/>
-              <a:t>22/01/2020</a:t>
+              <a:t>24/01/2020</a:t>
             </a:fld>
             <a:endParaRPr lang="es-ES"/>
           </a:p>
@@ -9336,7 +9335,7 @@
           <a:p>
             <a:fld id="{762CEC22-7E63-4875-B7E5-EFE6F76FF188}" type="datetimeFigureOut">
               <a:rPr lang="es-ES" smtClean="0"/>
-              <a:t>22/01/2020</a:t>
+              <a:t>24/01/2020</a:t>
             </a:fld>
             <a:endParaRPr lang="es-ES"/>
           </a:p>
@@ -9718,7 +9717,7 @@
           <a:p>
             <a:fld id="{762CEC22-7E63-4875-B7E5-EFE6F76FF188}" type="datetimeFigureOut">
               <a:rPr lang="es-ES" smtClean="0"/>
-              <a:t>22/01/2020</a:t>
+              <a:t>24/01/2020</a:t>
             </a:fld>
             <a:endParaRPr lang="es-ES"/>
           </a:p>
@@ -9836,7 +9835,7 @@
           <a:p>
             <a:fld id="{762CEC22-7E63-4875-B7E5-EFE6F76FF188}" type="datetimeFigureOut">
               <a:rPr lang="es-ES" smtClean="0"/>
-              <a:t>22/01/2020</a:t>
+              <a:t>24/01/2020</a:t>
             </a:fld>
             <a:endParaRPr lang="es-ES"/>
           </a:p>
@@ -9931,7 +9930,7 @@
           <a:p>
             <a:fld id="{762CEC22-7E63-4875-B7E5-EFE6F76FF188}" type="datetimeFigureOut">
               <a:rPr lang="es-ES" smtClean="0"/>
-              <a:t>22/01/2020</a:t>
+              <a:t>24/01/2020</a:t>
             </a:fld>
             <a:endParaRPr lang="es-ES"/>
           </a:p>
@@ -11040,7 +11039,7 @@
           <a:p>
             <a:fld id="{762CEC22-7E63-4875-B7E5-EFE6F76FF188}" type="datetimeFigureOut">
               <a:rPr lang="es-ES" smtClean="0"/>
-              <a:t>22/01/2020</a:t>
+              <a:t>24/01/2020</a:t>
             </a:fld>
             <a:endParaRPr lang="es-ES"/>
           </a:p>
@@ -12173,7 +12172,7 @@
           <a:p>
             <a:fld id="{762CEC22-7E63-4875-B7E5-EFE6F76FF188}" type="datetimeFigureOut">
               <a:rPr lang="es-ES" smtClean="0"/>
-              <a:t>22/01/2020</a:t>
+              <a:t>24/01/2020</a:t>
             </a:fld>
             <a:endParaRPr lang="es-ES"/>
           </a:p>
@@ -13201,7 +13200,7 @@
           <a:p>
             <a:fld id="{762CEC22-7E63-4875-B7E5-EFE6F76FF188}" type="datetimeFigureOut">
               <a:rPr lang="es-ES" smtClean="0"/>
-              <a:t>22/01/2020</a:t>
+              <a:t>24/01/2020</a:t>
             </a:fld>
             <a:endParaRPr lang="es-ES"/>
           </a:p>
@@ -13883,291 +13882,7 @@
             <a:pPr algn="ctr"/>
             <a:r>
               <a:rPr lang="es-ES" dirty="0" err="1" smtClean="0"/>
-              <a:t>Logoa</a:t>
-            </a:r>
-            <a:endParaRPr lang="es-ES" dirty="0"/>
-          </a:p>
-        </p:txBody>
-      </p:sp>
-      <p:pic>
-        <p:nvPicPr>
-          <p:cNvPr id="4" name="Irudia 3"/>
-          <p:cNvPicPr>
-            <a:picLocks noChangeAspect="1"/>
-          </p:cNvPicPr>
-          <p:nvPr/>
-        </p:nvPicPr>
-        <p:blipFill>
-          <a:blip r:embed="rId2">
-            <a:extLst>
-              <a:ext uri="{28A0092B-C50C-407E-A947-70E740481C1C}">
-                <a14:useLocalDpi xmlns:a14="http://schemas.microsoft.com/office/drawing/2010/main" val="0"/>
-              </a:ext>
-            </a:extLst>
-          </a:blip>
-          <a:stretch>
-            <a:fillRect/>
-          </a:stretch>
-        </p:blipFill>
-        <p:spPr>
-          <a:xfrm>
-            <a:off x="2915390" y="4498889"/>
-            <a:ext cx="1573484" cy="2001908"/>
-          </a:xfrm>
-          <a:prstGeom prst="rect">
-            <a:avLst/>
-          </a:prstGeom>
-        </p:spPr>
-      </p:pic>
-      <p:pic>
-        <p:nvPicPr>
-          <p:cNvPr id="5" name="Irudia 4"/>
-          <p:cNvPicPr>
-            <a:picLocks noChangeAspect="1"/>
-          </p:cNvPicPr>
-          <p:nvPr/>
-        </p:nvPicPr>
-        <p:blipFill>
-          <a:blip r:embed="rId3">
-            <a:extLst>
-              <a:ext uri="{28A0092B-C50C-407E-A947-70E740481C1C}">
-                <a14:useLocalDpi xmlns:a14="http://schemas.microsoft.com/office/drawing/2010/main" val="0"/>
-              </a:ext>
-            </a:extLst>
-          </a:blip>
-          <a:stretch>
-            <a:fillRect/>
-          </a:stretch>
-        </p:blipFill>
-        <p:spPr>
-          <a:xfrm>
-            <a:off x="2915390" y="2323746"/>
-            <a:ext cx="1481678" cy="1818129"/>
-          </a:xfrm>
-          <a:prstGeom prst="rect">
-            <a:avLst/>
-          </a:prstGeom>
-        </p:spPr>
-      </p:pic>
-      <p:sp>
-        <p:nvSpPr>
-          <p:cNvPr id="9" name="TestuKoadroa 8"/>
-          <p:cNvSpPr txBox="1"/>
-          <p:nvPr/>
-        </p:nvSpPr>
-        <p:spPr>
-          <a:xfrm>
-            <a:off x="6761017" y="2909644"/>
-            <a:ext cx="4100946" cy="646331"/>
-          </a:xfrm>
-          <a:prstGeom prst="rect">
-            <a:avLst/>
-          </a:prstGeom>
-          <a:noFill/>
-        </p:spPr>
-        <p:txBody>
-          <a:bodyPr wrap="square" rtlCol="0">
-            <a:spAutoFit/>
-          </a:bodyPr>
-          <a:lstStyle/>
-          <a:p>
-            <a:r>
-              <a:rPr lang="es-ES" dirty="0" err="1" smtClean="0"/>
-              <a:t>Hasieran</a:t>
-            </a:r>
-            <a:r>
-              <a:rPr lang="es-ES" dirty="0" smtClean="0"/>
-              <a:t> </a:t>
-            </a:r>
-            <a:r>
-              <a:rPr lang="es-ES" dirty="0" err="1" smtClean="0"/>
-              <a:t>honako</a:t>
-            </a:r>
-            <a:r>
-              <a:rPr lang="es-ES" dirty="0" smtClean="0"/>
-              <a:t> logo </a:t>
-            </a:r>
-            <a:r>
-              <a:rPr lang="es-ES" dirty="0" err="1" smtClean="0"/>
-              <a:t>hau</a:t>
-            </a:r>
-            <a:r>
-              <a:rPr lang="es-ES" dirty="0" smtClean="0"/>
-              <a:t> </a:t>
-            </a:r>
-            <a:r>
-              <a:rPr lang="es-ES" dirty="0" err="1" smtClean="0"/>
-              <a:t>diseinatu</a:t>
-            </a:r>
-            <a:r>
-              <a:rPr lang="es-ES" dirty="0" smtClean="0"/>
-              <a:t> </a:t>
-            </a:r>
-            <a:r>
-              <a:rPr lang="es-ES" dirty="0" err="1" smtClean="0"/>
-              <a:t>genuen</a:t>
-            </a:r>
-            <a:r>
-              <a:rPr lang="es-ES" dirty="0"/>
-              <a:t>.</a:t>
-            </a:r>
-          </a:p>
-        </p:txBody>
-      </p:sp>
-      <p:sp>
-        <p:nvSpPr>
-          <p:cNvPr id="10" name="TestuKoadroa 9"/>
-          <p:cNvSpPr txBox="1"/>
-          <p:nvPr/>
-        </p:nvSpPr>
-        <p:spPr>
-          <a:xfrm>
-            <a:off x="6761017" y="5176677"/>
-            <a:ext cx="4100946" cy="923330"/>
-          </a:xfrm>
-          <a:prstGeom prst="rect">
-            <a:avLst/>
-          </a:prstGeom>
-          <a:noFill/>
-        </p:spPr>
-        <p:txBody>
-          <a:bodyPr wrap="square" rtlCol="0">
-            <a:spAutoFit/>
-          </a:bodyPr>
-          <a:lstStyle/>
-          <a:p>
-            <a:r>
-              <a:rPr lang="es-ES" dirty="0" err="1" smtClean="0"/>
-              <a:t>Aurreko</a:t>
-            </a:r>
-            <a:r>
-              <a:rPr lang="es-ES" dirty="0" smtClean="0"/>
-              <a:t> </a:t>
-            </a:r>
-            <a:r>
-              <a:rPr lang="es-ES" dirty="0" err="1" smtClean="0"/>
-              <a:t>logoa</a:t>
-            </a:r>
-            <a:r>
-              <a:rPr lang="es-ES" dirty="0" smtClean="0"/>
-              <a:t> oso </a:t>
-            </a:r>
-            <a:r>
-              <a:rPr lang="es-ES" dirty="0" err="1" smtClean="0"/>
-              <a:t>ondo</a:t>
-            </a:r>
-            <a:r>
-              <a:rPr lang="es-ES" dirty="0" smtClean="0"/>
-              <a:t> </a:t>
-            </a:r>
-            <a:r>
-              <a:rPr lang="es-ES" dirty="0" err="1" smtClean="0"/>
-              <a:t>gelditzen</a:t>
-            </a:r>
-            <a:r>
-              <a:rPr lang="es-ES" dirty="0" smtClean="0"/>
-              <a:t> </a:t>
-            </a:r>
-            <a:r>
-              <a:rPr lang="es-ES" dirty="0" err="1" smtClean="0"/>
-              <a:t>ez</a:t>
-            </a:r>
-            <a:r>
-              <a:rPr lang="es-ES" dirty="0" smtClean="0"/>
-              <a:t> </a:t>
-            </a:r>
-            <a:r>
-              <a:rPr lang="es-ES" dirty="0" err="1" smtClean="0"/>
-              <a:t>zenez</a:t>
-            </a:r>
-            <a:r>
-              <a:rPr lang="es-ES" dirty="0" smtClean="0"/>
-              <a:t> logo </a:t>
-            </a:r>
-            <a:r>
-              <a:rPr lang="es-ES" dirty="0" err="1" smtClean="0"/>
-              <a:t>berria</a:t>
-            </a:r>
-            <a:r>
-              <a:rPr lang="es-ES" dirty="0" smtClean="0"/>
-              <a:t> </a:t>
-            </a:r>
-            <a:r>
-              <a:rPr lang="es-ES" dirty="0" err="1" smtClean="0"/>
-              <a:t>diseinatu</a:t>
-            </a:r>
-            <a:r>
-              <a:rPr lang="es-ES" dirty="0" smtClean="0"/>
-              <a:t> </a:t>
-            </a:r>
-            <a:r>
-              <a:rPr lang="es-ES" dirty="0" err="1" smtClean="0"/>
-              <a:t>genuen</a:t>
-            </a:r>
-            <a:r>
-              <a:rPr lang="es-ES" dirty="0" smtClean="0"/>
-              <a:t>.</a:t>
-            </a:r>
-            <a:endParaRPr lang="es-ES" dirty="0"/>
-          </a:p>
-        </p:txBody>
-      </p:sp>
-    </p:spTree>
-    <p:extLst>
-      <p:ext uri="{BB962C8B-B14F-4D97-AF65-F5344CB8AC3E}">
-        <p14:creationId xmlns:p14="http://schemas.microsoft.com/office/powerpoint/2010/main" val="2208554266"/>
-      </p:ext>
-    </p:extLst>
-  </p:cSld>
-  <p:clrMapOvr>
-    <a:masterClrMapping/>
-  </p:clrMapOvr>
-  <p:timing>
-    <p:tnLst>
-      <p:par>
-        <p:cTn id="1" dur="indefinite" restart="never" nodeType="tmRoot"/>
-      </p:par>
-    </p:tnLst>
-  </p:timing>
-</p:sld>
-</file>
-
-<file path=ppt/slides/slide11.xml><?xml version="1.0" encoding="utf-8"?>
-<p:sld xmlns:a="http://schemas.openxmlformats.org/drawingml/2006/main" xmlns:r="http://schemas.openxmlformats.org/officeDocument/2006/relationships" xmlns:p="http://schemas.openxmlformats.org/presentationml/2006/main">
-  <p:cSld>
-    <p:spTree>
-      <p:nvGrpSpPr>
-        <p:cNvPr id="1" name=""/>
-        <p:cNvGrpSpPr/>
-        <p:nvPr/>
-      </p:nvGrpSpPr>
-      <p:grpSpPr>
-        <a:xfrm>
-          <a:off x="0" y="0"/>
-          <a:ext cx="0" cy="0"/>
-          <a:chOff x="0" y="0"/>
-          <a:chExt cx="0" cy="0"/>
-        </a:xfrm>
-      </p:grpSpPr>
-      <p:sp>
-        <p:nvSpPr>
-          <p:cNvPr id="2" name="Titulua 1"/>
-          <p:cNvSpPr>
-            <a:spLocks noGrp="1"/>
-          </p:cNvSpPr>
-          <p:nvPr>
-            <p:ph type="title"/>
-          </p:nvPr>
-        </p:nvSpPr>
-        <p:spPr/>
-        <p:txBody>
-          <a:bodyPr/>
-          <a:lstStyle/>
-          <a:p>
-            <a:pPr algn="ctr"/>
-            <a:r>
-              <a:rPr lang="es-ES" dirty="0" err="1" smtClean="0"/>
-              <a:t>Gohiburuko</a:t>
+              <a:t>Goiburuko</a:t>
             </a:r>
             <a:r>
               <a:rPr lang="es-ES" dirty="0" smtClean="0"/>
@@ -14512,218 +14227,6 @@
             <a:pPr algn="ctr"/>
             <a:r>
               <a:rPr lang="es-ES" dirty="0" err="1" smtClean="0"/>
-              <a:t>Hasierako</a:t>
-            </a:r>
-            <a:r>
-              <a:rPr lang="es-ES" dirty="0" smtClean="0"/>
-              <a:t> </a:t>
-            </a:r>
-            <a:r>
-              <a:rPr lang="es-ES" dirty="0" err="1" smtClean="0"/>
-              <a:t>Bozetoa</a:t>
-            </a:r>
-            <a:endParaRPr lang="es-ES" dirty="0"/>
-          </a:p>
-        </p:txBody>
-      </p:sp>
-      <p:pic>
-        <p:nvPicPr>
-          <p:cNvPr id="6" name="Edukiaren leku-marka 5"/>
-          <p:cNvPicPr>
-            <a:picLocks noGrp="1" noChangeAspect="1"/>
-          </p:cNvPicPr>
-          <p:nvPr>
-            <p:ph idx="1"/>
-          </p:nvPr>
-        </p:nvPicPr>
-        <p:blipFill>
-          <a:blip r:embed="rId2" cstate="print">
-            <a:extLst>
-              <a:ext uri="{28A0092B-C50C-407E-A947-70E740481C1C}">
-                <a14:useLocalDpi xmlns:a14="http://schemas.microsoft.com/office/drawing/2010/main" val="0"/>
-              </a:ext>
-            </a:extLst>
-          </a:blip>
-          <a:stretch>
-            <a:fillRect/>
-          </a:stretch>
-        </p:blipFill>
-        <p:spPr>
-          <a:xfrm rot="16200000">
-            <a:off x="2813347" y="794186"/>
-            <a:ext cx="4264439" cy="7581227"/>
-          </a:xfrm>
-        </p:spPr>
-      </p:pic>
-      <p:sp>
-        <p:nvSpPr>
-          <p:cNvPr id="8" name="TestuKoadroa 7"/>
-          <p:cNvSpPr txBox="1"/>
-          <p:nvPr/>
-        </p:nvSpPr>
-        <p:spPr>
-          <a:xfrm>
-            <a:off x="9421091" y="3713018"/>
-            <a:ext cx="2618509" cy="1754326"/>
-          </a:xfrm>
-          <a:prstGeom prst="rect">
-            <a:avLst/>
-          </a:prstGeom>
-          <a:noFill/>
-        </p:spPr>
-        <p:txBody>
-          <a:bodyPr wrap="square" rtlCol="0">
-            <a:spAutoFit/>
-          </a:bodyPr>
-          <a:lstStyle/>
-          <a:p>
-            <a:r>
-              <a:rPr lang="es-ES" dirty="0" err="1" smtClean="0"/>
-              <a:t>Hasieran</a:t>
-            </a:r>
-            <a:r>
-              <a:rPr lang="es-ES" dirty="0" smtClean="0"/>
-              <a:t> </a:t>
-            </a:r>
-            <a:r>
-              <a:rPr lang="es-ES" dirty="0" err="1" smtClean="0"/>
-              <a:t>geneukagun</a:t>
-            </a:r>
-            <a:r>
-              <a:rPr lang="es-ES" dirty="0" smtClean="0"/>
-              <a:t> </a:t>
-            </a:r>
-            <a:r>
-              <a:rPr lang="es-ES" dirty="0" err="1" smtClean="0"/>
-              <a:t>ideiaren</a:t>
-            </a:r>
-            <a:r>
-              <a:rPr lang="es-ES" dirty="0" smtClean="0"/>
-              <a:t> </a:t>
-            </a:r>
-            <a:r>
-              <a:rPr lang="es-ES" dirty="0" err="1" smtClean="0"/>
-              <a:t>maketazioa</a:t>
-            </a:r>
-            <a:r>
-              <a:rPr lang="es-ES" dirty="0" smtClean="0"/>
-              <a:t> </a:t>
-            </a:r>
-            <a:r>
-              <a:rPr lang="es-ES" dirty="0" err="1" smtClean="0"/>
-              <a:t>egin</a:t>
-            </a:r>
-            <a:r>
-              <a:rPr lang="es-ES" dirty="0" smtClean="0"/>
-              <a:t> </a:t>
-            </a:r>
-            <a:r>
-              <a:rPr lang="es-ES" dirty="0" err="1" smtClean="0"/>
-              <a:t>genuen</a:t>
-            </a:r>
-            <a:r>
-              <a:rPr lang="es-ES" dirty="0" smtClean="0"/>
-              <a:t> </a:t>
-            </a:r>
-            <a:r>
-              <a:rPr lang="es-ES" dirty="0" err="1" smtClean="0"/>
-              <a:t>gutxi</a:t>
-            </a:r>
-            <a:r>
-              <a:rPr lang="es-ES" dirty="0" smtClean="0"/>
-              <a:t> </a:t>
-            </a:r>
-            <a:r>
-              <a:rPr lang="es-ES" dirty="0" err="1" smtClean="0"/>
-              <a:t>gora</a:t>
-            </a:r>
-            <a:r>
-              <a:rPr lang="es-ES" dirty="0" smtClean="0"/>
-              <a:t> </a:t>
-            </a:r>
-            <a:r>
-              <a:rPr lang="es-ES" dirty="0" err="1" smtClean="0"/>
-              <a:t>nolakoa</a:t>
-            </a:r>
-            <a:r>
-              <a:rPr lang="es-ES" dirty="0" smtClean="0"/>
-              <a:t> </a:t>
-            </a:r>
-            <a:r>
-              <a:rPr lang="es-ES" dirty="0" err="1" smtClean="0"/>
-              <a:t>izango</a:t>
-            </a:r>
-            <a:r>
-              <a:rPr lang="es-ES" dirty="0" smtClean="0"/>
-              <a:t> zen </a:t>
-            </a:r>
-            <a:r>
-              <a:rPr lang="es-ES" dirty="0" err="1" smtClean="0"/>
-              <a:t>jakiteko</a:t>
-            </a:r>
-            <a:r>
-              <a:rPr lang="es-ES" dirty="0" smtClean="0"/>
-              <a:t>.</a:t>
-            </a:r>
-            <a:endParaRPr lang="es-ES" dirty="0"/>
-          </a:p>
-        </p:txBody>
-      </p:sp>
-    </p:spTree>
-    <p:extLst>
-      <p:ext uri="{BB962C8B-B14F-4D97-AF65-F5344CB8AC3E}">
-        <p14:creationId xmlns:p14="http://schemas.microsoft.com/office/powerpoint/2010/main" val="4128808435"/>
-      </p:ext>
-    </p:extLst>
-  </p:cSld>
-  <p:clrMapOvr>
-    <a:masterClrMapping/>
-  </p:clrMapOvr>
-  <p:timing>
-    <p:tnLst>
-      <p:par>
-        <p:cTn id="1" dur="indefinite" restart="never" nodeType="tmRoot"/>
-      </p:par>
-    </p:tnLst>
-  </p:timing>
-</p:sld>
-</file>
-
-<file path=ppt/slides/slide3.xml><?xml version="1.0" encoding="utf-8"?>
-<p:sld xmlns:a="http://schemas.openxmlformats.org/drawingml/2006/main" xmlns:r="http://schemas.openxmlformats.org/officeDocument/2006/relationships" xmlns:p="http://schemas.openxmlformats.org/presentationml/2006/main">
-  <p:cSld>
-    <p:spTree>
-      <p:nvGrpSpPr>
-        <p:cNvPr id="1" name=""/>
-        <p:cNvGrpSpPr/>
-        <p:nvPr/>
-      </p:nvGrpSpPr>
-      <p:grpSpPr>
-        <a:xfrm>
-          <a:off x="0" y="0"/>
-          <a:ext cx="0" cy="0"/>
-          <a:chOff x="0" y="0"/>
-          <a:chExt cx="0" cy="0"/>
-        </a:xfrm>
-      </p:grpSpPr>
-      <p:sp>
-        <p:nvSpPr>
-          <p:cNvPr id="2" name="Titulua 1"/>
-          <p:cNvSpPr>
-            <a:spLocks noGrp="1"/>
-          </p:cNvSpPr>
-          <p:nvPr>
-            <p:ph type="title"/>
-          </p:nvPr>
-        </p:nvSpPr>
-        <p:spPr/>
-        <p:txBody>
-          <a:bodyPr/>
-          <a:lstStyle/>
-          <a:p>
-            <a:pPr algn="ctr"/>
-            <a:r>
-              <a:rPr lang="es-ES" dirty="0" err="1" smtClean="0"/>
               <a:t>Maketazioa</a:t>
             </a:r>
             <a:endParaRPr lang="es-ES" dirty="0"/>
@@ -14964,7 +14467,7 @@
 </p:sld>
 </file>
 
-<file path=ppt/slides/slide4.xml><?xml version="1.0" encoding="utf-8"?>
+<file path=ppt/slides/slide3.xml><?xml version="1.0" encoding="utf-8"?>
 <p:sld xmlns:a="http://schemas.openxmlformats.org/drawingml/2006/main" xmlns:r="http://schemas.openxmlformats.org/officeDocument/2006/relationships" xmlns:p="http://schemas.openxmlformats.org/presentationml/2006/main">
   <p:cSld>
     <p:spTree>
@@ -15195,7 +14698,7 @@
 </p:sld>
 </file>
 
-<file path=ppt/slides/slide5.xml><?xml version="1.0" encoding="utf-8"?>
+<file path=ppt/slides/slide4.xml><?xml version="1.0" encoding="utf-8"?>
 <p:sld xmlns:a="http://schemas.openxmlformats.org/drawingml/2006/main" xmlns:r="http://schemas.openxmlformats.org/officeDocument/2006/relationships" xmlns:p="http://schemas.openxmlformats.org/presentationml/2006/main">
   <p:cSld>
     <p:spTree>
@@ -15428,7 +14931,7 @@
 </p:sld>
 </file>
 
-<file path=ppt/slides/slide6.xml><?xml version="1.0" encoding="utf-8"?>
+<file path=ppt/slides/slide5.xml><?xml version="1.0" encoding="utf-8"?>
 <p:sld xmlns:a="http://schemas.openxmlformats.org/drawingml/2006/main" xmlns:r="http://schemas.openxmlformats.org/officeDocument/2006/relationships" xmlns:p="http://schemas.openxmlformats.org/presentationml/2006/main">
   <p:cSld>
     <p:spTree>
@@ -15647,7 +15150,7 @@
 </p:sld>
 </file>
 
-<file path=ppt/slides/slide7.xml><?xml version="1.0" encoding="utf-8"?>
+<file path=ppt/slides/slide6.xml><?xml version="1.0" encoding="utf-8"?>
 <p:sld xmlns:a="http://schemas.openxmlformats.org/drawingml/2006/main" xmlns:r="http://schemas.openxmlformats.org/officeDocument/2006/relationships" xmlns:p="http://schemas.openxmlformats.org/presentationml/2006/main">
   <p:cSld>
     <p:spTree>
@@ -16040,7 +15543,7 @@
 </p:sld>
 </file>
 
-<file path=ppt/slides/slide8.xml><?xml version="1.0" encoding="utf-8"?>
+<file path=ppt/slides/slide7.xml><?xml version="1.0" encoding="utf-8"?>
 <p:sld xmlns:a="http://schemas.openxmlformats.org/drawingml/2006/main" xmlns:r="http://schemas.openxmlformats.org/officeDocument/2006/relationships" xmlns:p="http://schemas.openxmlformats.org/presentationml/2006/main">
   <p:cSld>
     <p:spTree>
@@ -16276,7 +15779,7 @@
 </p:sld>
 </file>
 
-<file path=ppt/slides/slide9.xml><?xml version="1.0" encoding="utf-8"?>
+<file path=ppt/slides/slide8.xml><?xml version="1.0" encoding="utf-8"?>
 <p:sld xmlns:a="http://schemas.openxmlformats.org/drawingml/2006/main" xmlns:r="http://schemas.openxmlformats.org/officeDocument/2006/relationships" xmlns:p="http://schemas.openxmlformats.org/presentationml/2006/main">
   <p:cSld>
     <p:spTree>
@@ -16502,6 +16005,290 @@
     <p:extLst>
       <p:ext uri="{BB962C8B-B14F-4D97-AF65-F5344CB8AC3E}">
         <p14:creationId xmlns:p14="http://schemas.microsoft.com/office/powerpoint/2010/main" val="1451992564"/>
+      </p:ext>
+    </p:extLst>
+  </p:cSld>
+  <p:clrMapOvr>
+    <a:masterClrMapping/>
+  </p:clrMapOvr>
+  <p:timing>
+    <p:tnLst>
+      <p:par>
+        <p:cTn id="1" dur="indefinite" restart="never" nodeType="tmRoot"/>
+      </p:par>
+    </p:tnLst>
+  </p:timing>
+</p:sld>
+</file>
+
+<file path=ppt/slides/slide9.xml><?xml version="1.0" encoding="utf-8"?>
+<p:sld xmlns:a="http://schemas.openxmlformats.org/drawingml/2006/main" xmlns:r="http://schemas.openxmlformats.org/officeDocument/2006/relationships" xmlns:p="http://schemas.openxmlformats.org/presentationml/2006/main">
+  <p:cSld>
+    <p:spTree>
+      <p:nvGrpSpPr>
+        <p:cNvPr id="1" name=""/>
+        <p:cNvGrpSpPr/>
+        <p:nvPr/>
+      </p:nvGrpSpPr>
+      <p:grpSpPr>
+        <a:xfrm>
+          <a:off x="0" y="0"/>
+          <a:ext cx="0" cy="0"/>
+          <a:chOff x="0" y="0"/>
+          <a:chExt cx="0" cy="0"/>
+        </a:xfrm>
+      </p:grpSpPr>
+      <p:sp>
+        <p:nvSpPr>
+          <p:cNvPr id="2" name="Titulua 1"/>
+          <p:cNvSpPr>
+            <a:spLocks noGrp="1"/>
+          </p:cNvSpPr>
+          <p:nvPr>
+            <p:ph type="title"/>
+          </p:nvPr>
+        </p:nvSpPr>
+        <p:spPr/>
+        <p:txBody>
+          <a:bodyPr/>
+          <a:lstStyle/>
+          <a:p>
+            <a:pPr algn="ctr"/>
+            <a:r>
+              <a:rPr lang="es-ES" dirty="0" err="1" smtClean="0"/>
+              <a:t>Logoa</a:t>
+            </a:r>
+            <a:endParaRPr lang="es-ES" dirty="0"/>
+          </a:p>
+        </p:txBody>
+      </p:sp>
+      <p:pic>
+        <p:nvPicPr>
+          <p:cNvPr id="4" name="Irudia 3"/>
+          <p:cNvPicPr>
+            <a:picLocks noChangeAspect="1"/>
+          </p:cNvPicPr>
+          <p:nvPr/>
+        </p:nvPicPr>
+        <p:blipFill>
+          <a:blip r:embed="rId2">
+            <a:extLst>
+              <a:ext uri="{28A0092B-C50C-407E-A947-70E740481C1C}">
+                <a14:useLocalDpi xmlns:a14="http://schemas.microsoft.com/office/drawing/2010/main" val="0"/>
+              </a:ext>
+            </a:extLst>
+          </a:blip>
+          <a:stretch>
+            <a:fillRect/>
+          </a:stretch>
+        </p:blipFill>
+        <p:spPr>
+          <a:xfrm>
+            <a:off x="2915390" y="4498889"/>
+            <a:ext cx="1573484" cy="2001908"/>
+          </a:xfrm>
+          <a:prstGeom prst="rect">
+            <a:avLst/>
+          </a:prstGeom>
+        </p:spPr>
+      </p:pic>
+      <p:pic>
+        <p:nvPicPr>
+          <p:cNvPr id="5" name="Irudia 4"/>
+          <p:cNvPicPr>
+            <a:picLocks noChangeAspect="1"/>
+          </p:cNvPicPr>
+          <p:nvPr/>
+        </p:nvPicPr>
+        <p:blipFill>
+          <a:blip r:embed="rId3">
+            <a:extLst>
+              <a:ext uri="{28A0092B-C50C-407E-A947-70E740481C1C}">
+                <a14:useLocalDpi xmlns:a14="http://schemas.microsoft.com/office/drawing/2010/main" val="0"/>
+              </a:ext>
+            </a:extLst>
+          </a:blip>
+          <a:stretch>
+            <a:fillRect/>
+          </a:stretch>
+        </p:blipFill>
+        <p:spPr>
+          <a:xfrm>
+            <a:off x="2915390" y="2323746"/>
+            <a:ext cx="1481678" cy="1818129"/>
+          </a:xfrm>
+          <a:prstGeom prst="rect">
+            <a:avLst/>
+          </a:prstGeom>
+        </p:spPr>
+      </p:pic>
+      <p:sp>
+        <p:nvSpPr>
+          <p:cNvPr id="9" name="TestuKoadroa 8"/>
+          <p:cNvSpPr txBox="1"/>
+          <p:nvPr/>
+        </p:nvSpPr>
+        <p:spPr>
+          <a:xfrm>
+            <a:off x="6761017" y="2909644"/>
+            <a:ext cx="4100946" cy="646331"/>
+          </a:xfrm>
+          <a:prstGeom prst="rect">
+            <a:avLst/>
+          </a:prstGeom>
+          <a:noFill/>
+        </p:spPr>
+        <p:txBody>
+          <a:bodyPr wrap="square" rtlCol="0">
+            <a:spAutoFit/>
+          </a:bodyPr>
+          <a:lstStyle/>
+          <a:p>
+            <a:r>
+              <a:rPr lang="es-ES" dirty="0" err="1" smtClean="0"/>
+              <a:t>Hasieran</a:t>
+            </a:r>
+            <a:r>
+              <a:rPr lang="es-ES" dirty="0" smtClean="0"/>
+              <a:t> </a:t>
+            </a:r>
+            <a:r>
+              <a:rPr lang="es-ES" dirty="0" err="1" smtClean="0"/>
+              <a:t>honako</a:t>
+            </a:r>
+            <a:r>
+              <a:rPr lang="es-ES" dirty="0" smtClean="0"/>
+              <a:t> logo </a:t>
+            </a:r>
+            <a:r>
+              <a:rPr lang="es-ES" dirty="0" err="1" smtClean="0"/>
+              <a:t>hau</a:t>
+            </a:r>
+            <a:r>
+              <a:rPr lang="es-ES" dirty="0" smtClean="0"/>
+              <a:t> </a:t>
+            </a:r>
+            <a:r>
+              <a:rPr lang="es-ES" dirty="0" err="1" smtClean="0"/>
+              <a:t>diseinatu</a:t>
+            </a:r>
+            <a:r>
+              <a:rPr lang="es-ES" dirty="0" smtClean="0"/>
+              <a:t> </a:t>
+            </a:r>
+            <a:r>
+              <a:rPr lang="es-ES" dirty="0" err="1" smtClean="0"/>
+              <a:t>genuen</a:t>
+            </a:r>
+            <a:r>
+              <a:rPr lang="es-ES" dirty="0"/>
+              <a:t>.</a:t>
+            </a:r>
+          </a:p>
+        </p:txBody>
+      </p:sp>
+      <p:sp>
+        <p:nvSpPr>
+          <p:cNvPr id="10" name="TestuKoadroa 9"/>
+          <p:cNvSpPr txBox="1"/>
+          <p:nvPr/>
+        </p:nvSpPr>
+        <p:spPr>
+          <a:xfrm>
+            <a:off x="6761017" y="5176677"/>
+            <a:ext cx="4100946" cy="923330"/>
+          </a:xfrm>
+          <a:prstGeom prst="rect">
+            <a:avLst/>
+          </a:prstGeom>
+          <a:noFill/>
+        </p:spPr>
+        <p:txBody>
+          <a:bodyPr wrap="square" rtlCol="0">
+            <a:spAutoFit/>
+          </a:bodyPr>
+          <a:lstStyle/>
+          <a:p>
+            <a:r>
+              <a:rPr lang="es-ES" dirty="0" err="1" smtClean="0"/>
+              <a:t>Aurreko</a:t>
+            </a:r>
+            <a:r>
+              <a:rPr lang="es-ES" dirty="0" smtClean="0"/>
+              <a:t> </a:t>
+            </a:r>
+            <a:r>
+              <a:rPr lang="es-ES" dirty="0" err="1" smtClean="0"/>
+              <a:t>logoa</a:t>
+            </a:r>
+            <a:r>
+              <a:rPr lang="es-ES" dirty="0" smtClean="0"/>
+              <a:t> oso </a:t>
+            </a:r>
+            <a:r>
+              <a:rPr lang="es-ES" dirty="0" err="1" smtClean="0"/>
+              <a:t>ondo</a:t>
+            </a:r>
+            <a:r>
+              <a:rPr lang="es-ES" dirty="0" smtClean="0"/>
+              <a:t> </a:t>
+            </a:r>
+            <a:r>
+              <a:rPr lang="es-ES" dirty="0" err="1" smtClean="0"/>
+              <a:t>gelditzen</a:t>
+            </a:r>
+            <a:r>
+              <a:rPr lang="es-ES" dirty="0" smtClean="0"/>
+              <a:t> </a:t>
+            </a:r>
+            <a:r>
+              <a:rPr lang="es-ES" dirty="0" err="1" smtClean="0"/>
+              <a:t>ez</a:t>
+            </a:r>
+            <a:r>
+              <a:rPr lang="es-ES" dirty="0" smtClean="0"/>
+              <a:t> </a:t>
+            </a:r>
+            <a:r>
+              <a:rPr lang="es-ES" dirty="0" err="1" smtClean="0"/>
+              <a:t>zenez</a:t>
+            </a:r>
+            <a:r>
+              <a:rPr lang="es-ES" dirty="0" smtClean="0"/>
+              <a:t> logo </a:t>
+            </a:r>
+            <a:r>
+              <a:rPr lang="es-ES" dirty="0" err="1" smtClean="0"/>
+              <a:t>berria</a:t>
+            </a:r>
+            <a:r>
+              <a:rPr lang="es-ES" dirty="0" smtClean="0"/>
+              <a:t> </a:t>
+            </a:r>
+            <a:r>
+              <a:rPr lang="es-ES" dirty="0" err="1" smtClean="0"/>
+              <a:t>diseinatu</a:t>
+            </a:r>
+            <a:r>
+              <a:rPr lang="es-ES" dirty="0" smtClean="0"/>
+              <a:t> </a:t>
+            </a:r>
+            <a:r>
+              <a:rPr lang="es-ES" dirty="0" err="1" smtClean="0"/>
+              <a:t>genuen</a:t>
+            </a:r>
+            <a:r>
+              <a:rPr lang="es-ES" dirty="0" smtClean="0"/>
+              <a:t>.</a:t>
+            </a:r>
+            <a:endParaRPr lang="es-ES" dirty="0"/>
+          </a:p>
+        </p:txBody>
+      </p:sp>
+    </p:spTree>
+    <p:extLst>
+      <p:ext uri="{BB962C8B-B14F-4D97-AF65-F5344CB8AC3E}">
+        <p14:creationId xmlns:p14="http://schemas.microsoft.com/office/powerpoint/2010/main" val="2208554266"/>
       </p:ext>
     </p:extLst>
   </p:cSld>

--- a/Brain Pain powerpoint.pptx
+++ b/Brain Pain powerpoint.pptx
@@ -7,14 +7,20 @@
   <p:sldIdLst>
     <p:sldId id="256" r:id="rId2"/>
     <p:sldId id="258" r:id="rId3"/>
-    <p:sldId id="259" r:id="rId4"/>
-    <p:sldId id="260" r:id="rId5"/>
-    <p:sldId id="261" r:id="rId6"/>
-    <p:sldId id="265" r:id="rId7"/>
-    <p:sldId id="262" r:id="rId8"/>
-    <p:sldId id="263" r:id="rId9"/>
-    <p:sldId id="264" r:id="rId10"/>
-    <p:sldId id="266" r:id="rId11"/>
+    <p:sldId id="268" r:id="rId4"/>
+    <p:sldId id="269" r:id="rId5"/>
+    <p:sldId id="270" r:id="rId6"/>
+    <p:sldId id="271" r:id="rId7"/>
+    <p:sldId id="259" r:id="rId8"/>
+    <p:sldId id="260" r:id="rId9"/>
+    <p:sldId id="261" r:id="rId10"/>
+    <p:sldId id="265" r:id="rId11"/>
+    <p:sldId id="262" r:id="rId12"/>
+    <p:sldId id="263" r:id="rId13"/>
+    <p:sldId id="264" r:id="rId14"/>
+    <p:sldId id="266" r:id="rId15"/>
+    <p:sldId id="272" r:id="rId16"/>
+    <p:sldId id="273" r:id="rId17"/>
   </p:sldIdLst>
   <p:sldSz cx="12192000" cy="6858000"/>
   <p:notesSz cx="6858000" cy="9144000"/>
@@ -767,7 +773,7 @@
           <a:p>
             <a:fld id="{762CEC22-7E63-4875-B7E5-EFE6F76FF188}" type="datetimeFigureOut">
               <a:rPr lang="es-ES" smtClean="0"/>
-              <a:t>24/01/2020</a:t>
+              <a:t>29/01/2020</a:t>
             </a:fld>
             <a:endParaRPr lang="es-ES"/>
           </a:p>
@@ -1887,7 +1893,7 @@
           <a:p>
             <a:fld id="{762CEC22-7E63-4875-B7E5-EFE6F76FF188}" type="datetimeFigureOut">
               <a:rPr lang="es-ES" smtClean="0"/>
-              <a:t>24/01/2020</a:t>
+              <a:t>29/01/2020</a:t>
             </a:fld>
             <a:endParaRPr lang="es-ES"/>
           </a:p>
@@ -2898,7 +2904,7 @@
           <a:p>
             <a:fld id="{762CEC22-7E63-4875-B7E5-EFE6F76FF188}" type="datetimeFigureOut">
               <a:rPr lang="es-ES" smtClean="0"/>
-              <a:t>24/01/2020</a:t>
+              <a:t>29/01/2020</a:t>
             </a:fld>
             <a:endParaRPr lang="es-ES"/>
           </a:p>
@@ -4068,7 +4074,7 @@
           <a:p>
             <a:fld id="{762CEC22-7E63-4875-B7E5-EFE6F76FF188}" type="datetimeFigureOut">
               <a:rPr lang="es-ES" smtClean="0"/>
-              <a:t>24/01/2020</a:t>
+              <a:t>29/01/2020</a:t>
             </a:fld>
             <a:endParaRPr lang="es-ES"/>
           </a:p>
@@ -5129,7 +5135,7 @@
           <a:p>
             <a:fld id="{762CEC22-7E63-4875-B7E5-EFE6F76FF188}" type="datetimeFigureOut">
               <a:rPr lang="es-ES" smtClean="0"/>
-              <a:t>24/01/2020</a:t>
+              <a:t>29/01/2020</a:t>
             </a:fld>
             <a:endParaRPr lang="es-ES"/>
           </a:p>
@@ -5775,7 +5781,7 @@
           <a:p>
             <a:fld id="{762CEC22-7E63-4875-B7E5-EFE6F76FF188}" type="datetimeFigureOut">
               <a:rPr lang="es-ES" smtClean="0"/>
-              <a:t>24/01/2020</a:t>
+              <a:t>29/01/2020</a:t>
             </a:fld>
             <a:endParaRPr lang="es-ES"/>
           </a:p>
@@ -6622,7 +6628,7 @@
           <a:p>
             <a:fld id="{762CEC22-7E63-4875-B7E5-EFE6F76FF188}" type="datetimeFigureOut">
               <a:rPr lang="es-ES" smtClean="0"/>
-              <a:t>24/01/2020</a:t>
+              <a:t>29/01/2020</a:t>
             </a:fld>
             <a:endParaRPr lang="es-ES"/>
           </a:p>
@@ -6797,7 +6803,7 @@
           <a:p>
             <a:fld id="{762CEC22-7E63-4875-B7E5-EFE6F76FF188}" type="datetimeFigureOut">
               <a:rPr lang="es-ES" smtClean="0"/>
-              <a:t>24/01/2020</a:t>
+              <a:t>29/01/2020</a:t>
             </a:fld>
             <a:endParaRPr lang="es-ES"/>
           </a:p>
@@ -7795,7 +7801,7 @@
           <a:p>
             <a:fld id="{762CEC22-7E63-4875-B7E5-EFE6F76FF188}" type="datetimeFigureOut">
               <a:rPr lang="es-ES" smtClean="0"/>
-              <a:t>24/01/2020</a:t>
+              <a:t>29/01/2020</a:t>
             </a:fld>
             <a:endParaRPr lang="es-ES"/>
           </a:p>
@@ -8001,7 +8007,7 @@
           <a:p>
             <a:fld id="{762CEC22-7E63-4875-B7E5-EFE6F76FF188}" type="datetimeFigureOut">
               <a:rPr lang="es-ES" smtClean="0"/>
-              <a:t>24/01/2020</a:t>
+              <a:t>29/01/2020</a:t>
             </a:fld>
             <a:endParaRPr lang="es-ES"/>
           </a:p>
@@ -9063,7 +9069,7 @@
           <a:p>
             <a:fld id="{762CEC22-7E63-4875-B7E5-EFE6F76FF188}" type="datetimeFigureOut">
               <a:rPr lang="es-ES" smtClean="0"/>
-              <a:t>24/01/2020</a:t>
+              <a:t>29/01/2020</a:t>
             </a:fld>
             <a:endParaRPr lang="es-ES"/>
           </a:p>
@@ -9335,7 +9341,7 @@
           <a:p>
             <a:fld id="{762CEC22-7E63-4875-B7E5-EFE6F76FF188}" type="datetimeFigureOut">
               <a:rPr lang="es-ES" smtClean="0"/>
-              <a:t>24/01/2020</a:t>
+              <a:t>29/01/2020</a:t>
             </a:fld>
             <a:endParaRPr lang="es-ES"/>
           </a:p>
@@ -9717,7 +9723,7 @@
           <a:p>
             <a:fld id="{762CEC22-7E63-4875-B7E5-EFE6F76FF188}" type="datetimeFigureOut">
               <a:rPr lang="es-ES" smtClean="0"/>
-              <a:t>24/01/2020</a:t>
+              <a:t>29/01/2020</a:t>
             </a:fld>
             <a:endParaRPr lang="es-ES"/>
           </a:p>
@@ -9835,7 +9841,7 @@
           <a:p>
             <a:fld id="{762CEC22-7E63-4875-B7E5-EFE6F76FF188}" type="datetimeFigureOut">
               <a:rPr lang="es-ES" smtClean="0"/>
-              <a:t>24/01/2020</a:t>
+              <a:t>29/01/2020</a:t>
             </a:fld>
             <a:endParaRPr lang="es-ES"/>
           </a:p>
@@ -9930,7 +9936,7 @@
           <a:p>
             <a:fld id="{762CEC22-7E63-4875-B7E5-EFE6F76FF188}" type="datetimeFigureOut">
               <a:rPr lang="es-ES" smtClean="0"/>
-              <a:t>24/01/2020</a:t>
+              <a:t>29/01/2020</a:t>
             </a:fld>
             <a:endParaRPr lang="es-ES"/>
           </a:p>
@@ -11039,7 +11045,7 @@
           <a:p>
             <a:fld id="{762CEC22-7E63-4875-B7E5-EFE6F76FF188}" type="datetimeFigureOut">
               <a:rPr lang="es-ES" smtClean="0"/>
-              <a:t>24/01/2020</a:t>
+              <a:t>29/01/2020</a:t>
             </a:fld>
             <a:endParaRPr lang="es-ES"/>
           </a:p>
@@ -12172,7 +12178,7 @@
           <a:p>
             <a:fld id="{762CEC22-7E63-4875-B7E5-EFE6F76FF188}" type="datetimeFigureOut">
               <a:rPr lang="es-ES" smtClean="0"/>
-              <a:t>24/01/2020</a:t>
+              <a:t>29/01/2020</a:t>
             </a:fld>
             <a:endParaRPr lang="es-ES"/>
           </a:p>
@@ -13200,7 +13206,7 @@
           <a:p>
             <a:fld id="{762CEC22-7E63-4875-B7E5-EFE6F76FF188}" type="datetimeFigureOut">
               <a:rPr lang="es-ES" smtClean="0"/>
-              <a:t>24/01/2020</a:t>
+              <a:t>29/01/2020</a:t>
             </a:fld>
             <a:endParaRPr lang="es-ES"/>
           </a:p>
@@ -13781,6 +13787,7 @@
           <a:bodyPr/>
           <a:lstStyle/>
           <a:p>
+            <a:pPr algn="ctr"/>
             <a:r>
               <a:rPr lang="es-ES" dirty="0" err="1" smtClean="0"/>
               <a:t>Brain</a:t>
@@ -13848,1309 +13855,6 @@
 </file>
 
 <file path=ppt/slides/slide10.xml><?xml version="1.0" encoding="utf-8"?>
-<p:sld xmlns:a="http://schemas.openxmlformats.org/drawingml/2006/main" xmlns:r="http://schemas.openxmlformats.org/officeDocument/2006/relationships" xmlns:p="http://schemas.openxmlformats.org/presentationml/2006/main">
-  <p:cSld>
-    <p:spTree>
-      <p:nvGrpSpPr>
-        <p:cNvPr id="1" name=""/>
-        <p:cNvGrpSpPr/>
-        <p:nvPr/>
-      </p:nvGrpSpPr>
-      <p:grpSpPr>
-        <a:xfrm>
-          <a:off x="0" y="0"/>
-          <a:ext cx="0" cy="0"/>
-          <a:chOff x="0" y="0"/>
-          <a:chExt cx="0" cy="0"/>
-        </a:xfrm>
-      </p:grpSpPr>
-      <p:sp>
-        <p:nvSpPr>
-          <p:cNvPr id="2" name="Titulua 1"/>
-          <p:cNvSpPr>
-            <a:spLocks noGrp="1"/>
-          </p:cNvSpPr>
-          <p:nvPr>
-            <p:ph type="title"/>
-          </p:nvPr>
-        </p:nvSpPr>
-        <p:spPr/>
-        <p:txBody>
-          <a:bodyPr/>
-          <a:lstStyle/>
-          <a:p>
-            <a:pPr algn="ctr"/>
-            <a:r>
-              <a:rPr lang="es-ES" dirty="0" err="1" smtClean="0"/>
-              <a:t>Goiburuko</a:t>
-            </a:r>
-            <a:r>
-              <a:rPr lang="es-ES" dirty="0" smtClean="0"/>
-              <a:t> </a:t>
-            </a:r>
-            <a:r>
-              <a:rPr lang="es-ES" dirty="0" err="1" smtClean="0"/>
-              <a:t>Ikonoa</a:t>
-            </a:r>
-            <a:endParaRPr lang="es-ES" dirty="0"/>
-          </a:p>
-        </p:txBody>
-      </p:sp>
-      <p:pic>
-        <p:nvPicPr>
-          <p:cNvPr id="4" name="Irudia 3"/>
-          <p:cNvPicPr>
-            <a:picLocks noChangeAspect="1"/>
-          </p:cNvPicPr>
-          <p:nvPr/>
-        </p:nvPicPr>
-        <p:blipFill>
-          <a:blip r:embed="rId2">
-            <a:extLst>
-              <a:ext uri="{28A0092B-C50C-407E-A947-70E740481C1C}">
-                <a14:useLocalDpi xmlns:a14="http://schemas.microsoft.com/office/drawing/2010/main" val="0"/>
-              </a:ext>
-            </a:extLst>
-          </a:blip>
-          <a:stretch>
-            <a:fillRect/>
-          </a:stretch>
-        </p:blipFill>
-        <p:spPr>
-          <a:xfrm>
-            <a:off x="8165276" y="2660029"/>
-            <a:ext cx="2222222" cy="1663492"/>
-          </a:xfrm>
-          <a:prstGeom prst="rect">
-            <a:avLst/>
-          </a:prstGeom>
-        </p:spPr>
-      </p:pic>
-      <p:pic>
-        <p:nvPicPr>
-          <p:cNvPr id="5" name="Irudia 4"/>
-          <p:cNvPicPr>
-            <a:picLocks noChangeAspect="1"/>
-          </p:cNvPicPr>
-          <p:nvPr/>
-        </p:nvPicPr>
-        <p:blipFill>
-          <a:blip r:embed="rId3">
-            <a:extLst>
-              <a:ext uri="{28A0092B-C50C-407E-A947-70E740481C1C}">
-                <a14:useLocalDpi xmlns:a14="http://schemas.microsoft.com/office/drawing/2010/main" val="0"/>
-              </a:ext>
-            </a:extLst>
-          </a:blip>
-          <a:stretch>
-            <a:fillRect/>
-          </a:stretch>
-        </p:blipFill>
-        <p:spPr>
-          <a:xfrm>
-            <a:off x="2021313" y="2582710"/>
-            <a:ext cx="1481678" cy="1818129"/>
-          </a:xfrm>
-          <a:prstGeom prst="rect">
-            <a:avLst/>
-          </a:prstGeom>
-        </p:spPr>
-      </p:pic>
-      <p:pic>
-        <p:nvPicPr>
-          <p:cNvPr id="6" name="Irudia 5"/>
-          <p:cNvPicPr>
-            <a:picLocks noChangeAspect="1"/>
-          </p:cNvPicPr>
-          <p:nvPr/>
-        </p:nvPicPr>
-        <p:blipFill>
-          <a:blip r:embed="rId4">
-            <a:extLst>
-              <a:ext uri="{28A0092B-C50C-407E-A947-70E740481C1C}">
-                <a14:useLocalDpi xmlns:a14="http://schemas.microsoft.com/office/drawing/2010/main" val="0"/>
-              </a:ext>
-            </a:extLst>
-          </a:blip>
-          <a:stretch>
-            <a:fillRect/>
-          </a:stretch>
-        </p:blipFill>
-        <p:spPr>
-          <a:xfrm>
-            <a:off x="5317174" y="2490821"/>
-            <a:ext cx="1573484" cy="2001908"/>
-          </a:xfrm>
-          <a:prstGeom prst="rect">
-            <a:avLst/>
-          </a:prstGeom>
-        </p:spPr>
-      </p:pic>
-      <p:sp>
-        <p:nvSpPr>
-          <p:cNvPr id="7" name="TestuKoadroa 6"/>
-          <p:cNvSpPr txBox="1"/>
-          <p:nvPr/>
-        </p:nvSpPr>
-        <p:spPr>
-          <a:xfrm>
-            <a:off x="3021279" y="4856314"/>
-            <a:ext cx="6165273" cy="646331"/>
-          </a:xfrm>
-          <a:prstGeom prst="rect">
-            <a:avLst/>
-          </a:prstGeom>
-          <a:noFill/>
-        </p:spPr>
-        <p:txBody>
-          <a:bodyPr wrap="square" rtlCol="0">
-            <a:spAutoFit/>
-          </a:bodyPr>
-          <a:lstStyle/>
-          <a:p>
-            <a:r>
-              <a:rPr lang="es-ES" dirty="0" err="1" smtClean="0"/>
-              <a:t>Hemen</a:t>
-            </a:r>
-            <a:r>
-              <a:rPr lang="es-ES" dirty="0" smtClean="0"/>
-              <a:t> </a:t>
-            </a:r>
-            <a:r>
-              <a:rPr lang="es-ES" dirty="0" err="1" smtClean="0"/>
-              <a:t>gohiburuko</a:t>
-            </a:r>
-            <a:r>
-              <a:rPr lang="es-ES" dirty="0" smtClean="0"/>
-              <a:t> </a:t>
-            </a:r>
-            <a:r>
-              <a:rPr lang="es-ES" dirty="0" err="1" smtClean="0"/>
-              <a:t>ikonoaren</a:t>
-            </a:r>
-            <a:r>
-              <a:rPr lang="es-ES" dirty="0" smtClean="0"/>
-              <a:t> </a:t>
-            </a:r>
-            <a:r>
-              <a:rPr lang="es-ES" dirty="0" err="1" smtClean="0"/>
-              <a:t>transizioa</a:t>
-            </a:r>
-            <a:r>
-              <a:rPr lang="es-ES" dirty="0" smtClean="0"/>
-              <a:t> </a:t>
-            </a:r>
-            <a:r>
-              <a:rPr lang="es-ES" dirty="0" err="1" smtClean="0"/>
-              <a:t>daukagu</a:t>
-            </a:r>
-            <a:r>
-              <a:rPr lang="es-ES" dirty="0" smtClean="0"/>
-              <a:t>, </a:t>
-            </a:r>
-            <a:r>
-              <a:rPr lang="es-ES" dirty="0" err="1" smtClean="0"/>
-              <a:t>hasieratik</a:t>
-            </a:r>
-            <a:r>
-              <a:rPr lang="es-ES" dirty="0" smtClean="0"/>
-              <a:t> </a:t>
-            </a:r>
-            <a:r>
-              <a:rPr lang="es-ES" dirty="0" err="1" smtClean="0"/>
-              <a:t>bukaerara</a:t>
-            </a:r>
-            <a:r>
-              <a:rPr lang="es-ES" dirty="0" smtClean="0"/>
-              <a:t>.</a:t>
-            </a:r>
-          </a:p>
-        </p:txBody>
-      </p:sp>
-      <p:sp>
-        <p:nvSpPr>
-          <p:cNvPr id="8" name="TestuKoadroa 7"/>
-          <p:cNvSpPr txBox="1"/>
-          <p:nvPr/>
-        </p:nvSpPr>
-        <p:spPr>
-          <a:xfrm>
-            <a:off x="3021279" y="5866230"/>
-            <a:ext cx="6165273" cy="646331"/>
-          </a:xfrm>
-          <a:prstGeom prst="rect">
-            <a:avLst/>
-          </a:prstGeom>
-          <a:noFill/>
-        </p:spPr>
-        <p:txBody>
-          <a:bodyPr wrap="square" rtlCol="0">
-            <a:spAutoFit/>
-          </a:bodyPr>
-          <a:lstStyle/>
-          <a:p>
-            <a:r>
-              <a:rPr lang="es-ES" dirty="0" err="1" smtClean="0"/>
-              <a:t>Azkenik</a:t>
-            </a:r>
-            <a:r>
-              <a:rPr lang="es-ES" dirty="0" smtClean="0"/>
-              <a:t> </a:t>
-            </a:r>
-            <a:r>
-              <a:rPr lang="es-ES" dirty="0" err="1" smtClean="0"/>
-              <a:t>gohiburuko</a:t>
-            </a:r>
-            <a:r>
-              <a:rPr lang="es-ES" dirty="0" smtClean="0"/>
-              <a:t> </a:t>
-            </a:r>
-            <a:r>
-              <a:rPr lang="es-ES" dirty="0" err="1" smtClean="0"/>
-              <a:t>ikonoa</a:t>
-            </a:r>
-            <a:r>
-              <a:rPr lang="es-ES" dirty="0" smtClean="0"/>
-              <a:t> </a:t>
-            </a:r>
-            <a:r>
-              <a:rPr lang="es-ES" dirty="0" err="1" smtClean="0"/>
-              <a:t>honela</a:t>
-            </a:r>
-            <a:r>
-              <a:rPr lang="es-ES" dirty="0" smtClean="0"/>
-              <a:t> </a:t>
-            </a:r>
-            <a:r>
-              <a:rPr lang="es-ES" dirty="0" err="1" smtClean="0"/>
-              <a:t>jartzea</a:t>
-            </a:r>
-            <a:r>
-              <a:rPr lang="es-ES" dirty="0" smtClean="0"/>
-              <a:t> </a:t>
-            </a:r>
-            <a:r>
-              <a:rPr lang="es-ES" dirty="0" err="1" smtClean="0"/>
-              <a:t>erabaki</a:t>
-            </a:r>
-            <a:r>
-              <a:rPr lang="es-ES" dirty="0" smtClean="0"/>
-              <a:t> </a:t>
-            </a:r>
-            <a:r>
-              <a:rPr lang="es-ES" dirty="0" err="1" smtClean="0"/>
-              <a:t>genuen</a:t>
-            </a:r>
-            <a:r>
-              <a:rPr lang="es-ES" dirty="0" smtClean="0"/>
-              <a:t> </a:t>
-            </a:r>
-            <a:r>
-              <a:rPr lang="es-ES" dirty="0" err="1" smtClean="0"/>
-              <a:t>ikuzteko</a:t>
-            </a:r>
-            <a:r>
-              <a:rPr lang="es-ES" dirty="0" smtClean="0"/>
-              <a:t> </a:t>
-            </a:r>
-            <a:r>
-              <a:rPr lang="es-ES" dirty="0" err="1" smtClean="0"/>
-              <a:t>errazagoa</a:t>
-            </a:r>
-            <a:r>
-              <a:rPr lang="es-ES" dirty="0" smtClean="0"/>
-              <a:t> </a:t>
-            </a:r>
-            <a:r>
-              <a:rPr lang="es-ES" dirty="0" err="1" smtClean="0"/>
-              <a:t>delako</a:t>
-            </a:r>
-            <a:r>
-              <a:rPr lang="es-ES" dirty="0" smtClean="0"/>
-              <a:t>.</a:t>
-            </a:r>
-          </a:p>
-        </p:txBody>
-      </p:sp>
-    </p:spTree>
-    <p:extLst>
-      <p:ext uri="{BB962C8B-B14F-4D97-AF65-F5344CB8AC3E}">
-        <p14:creationId xmlns:p14="http://schemas.microsoft.com/office/powerpoint/2010/main" val="122496716"/>
-      </p:ext>
-    </p:extLst>
-  </p:cSld>
-  <p:clrMapOvr>
-    <a:masterClrMapping/>
-  </p:clrMapOvr>
-  <p:timing>
-    <p:tnLst>
-      <p:par>
-        <p:cTn id="1" dur="indefinite" restart="never" nodeType="tmRoot"/>
-      </p:par>
-    </p:tnLst>
-  </p:timing>
-</p:sld>
-</file>
-
-<file path=ppt/slides/slide2.xml><?xml version="1.0" encoding="utf-8"?>
-<p:sld xmlns:a="http://schemas.openxmlformats.org/drawingml/2006/main" xmlns:r="http://schemas.openxmlformats.org/officeDocument/2006/relationships" xmlns:p="http://schemas.openxmlformats.org/presentationml/2006/main">
-  <p:cSld>
-    <p:spTree>
-      <p:nvGrpSpPr>
-        <p:cNvPr id="1" name=""/>
-        <p:cNvGrpSpPr/>
-        <p:nvPr/>
-      </p:nvGrpSpPr>
-      <p:grpSpPr>
-        <a:xfrm>
-          <a:off x="0" y="0"/>
-          <a:ext cx="0" cy="0"/>
-          <a:chOff x="0" y="0"/>
-          <a:chExt cx="0" cy="0"/>
-        </a:xfrm>
-      </p:grpSpPr>
-      <p:sp>
-        <p:nvSpPr>
-          <p:cNvPr id="2" name="Titulua 1"/>
-          <p:cNvSpPr>
-            <a:spLocks noGrp="1"/>
-          </p:cNvSpPr>
-          <p:nvPr>
-            <p:ph type="title"/>
-          </p:nvPr>
-        </p:nvSpPr>
-        <p:spPr/>
-        <p:txBody>
-          <a:bodyPr/>
-          <a:lstStyle/>
-          <a:p>
-            <a:pPr algn="ctr"/>
-            <a:r>
-              <a:rPr lang="es-ES" dirty="0" err="1" smtClean="0"/>
-              <a:t>Maketazioa</a:t>
-            </a:r>
-            <a:endParaRPr lang="es-ES" dirty="0"/>
-          </a:p>
-        </p:txBody>
-      </p:sp>
-      <p:pic>
-        <p:nvPicPr>
-          <p:cNvPr id="5" name="Irudia 4"/>
-          <p:cNvPicPr>
-            <a:picLocks noChangeAspect="1"/>
-          </p:cNvPicPr>
-          <p:nvPr/>
-        </p:nvPicPr>
-        <p:blipFill>
-          <a:blip r:embed="rId2"/>
-          <a:stretch>
-            <a:fillRect/>
-          </a:stretch>
-        </p:blipFill>
-        <p:spPr>
-          <a:xfrm>
-            <a:off x="1154953" y="2412606"/>
-            <a:ext cx="2701636" cy="4099032"/>
-          </a:xfrm>
-          <a:prstGeom prst="rect">
-            <a:avLst/>
-          </a:prstGeom>
-        </p:spPr>
-      </p:pic>
-      <p:pic>
-        <p:nvPicPr>
-          <p:cNvPr id="6" name="Irudia 5"/>
-          <p:cNvPicPr>
-            <a:picLocks noChangeAspect="1"/>
-          </p:cNvPicPr>
-          <p:nvPr/>
-        </p:nvPicPr>
-        <p:blipFill>
-          <a:blip r:embed="rId3"/>
-          <a:stretch>
-            <a:fillRect/>
-          </a:stretch>
-        </p:blipFill>
-        <p:spPr>
-          <a:xfrm>
-            <a:off x="3856589" y="2758968"/>
-            <a:ext cx="2797752" cy="4099032"/>
-          </a:xfrm>
-          <a:prstGeom prst="rect">
-            <a:avLst/>
-          </a:prstGeom>
-        </p:spPr>
-      </p:pic>
-      <p:sp>
-        <p:nvSpPr>
-          <p:cNvPr id="7" name="TestuKoadroa 6"/>
-          <p:cNvSpPr txBox="1"/>
-          <p:nvPr/>
-        </p:nvSpPr>
-        <p:spPr>
-          <a:xfrm>
-            <a:off x="7444050" y="3695795"/>
-            <a:ext cx="3823854" cy="1754326"/>
-          </a:xfrm>
-          <a:prstGeom prst="rect">
-            <a:avLst/>
-          </a:prstGeom>
-          <a:noFill/>
-        </p:spPr>
-        <p:txBody>
-          <a:bodyPr wrap="square" rtlCol="0">
-            <a:spAutoFit/>
-          </a:bodyPr>
-          <a:lstStyle/>
-          <a:p>
-            <a:r>
-              <a:rPr lang="es-ES" dirty="0" err="1" smtClean="0"/>
-              <a:t>Behin</a:t>
-            </a:r>
-            <a:r>
-              <a:rPr lang="es-ES" dirty="0" smtClean="0"/>
-              <a:t> </a:t>
-            </a:r>
-            <a:r>
-              <a:rPr lang="es-ES" dirty="0" err="1" smtClean="0"/>
-              <a:t>bozetoa</a:t>
-            </a:r>
-            <a:r>
-              <a:rPr lang="es-ES" dirty="0" smtClean="0"/>
-              <a:t> </a:t>
-            </a:r>
-            <a:r>
-              <a:rPr lang="es-ES" dirty="0" err="1" smtClean="0"/>
-              <a:t>edukita</a:t>
-            </a:r>
-            <a:r>
-              <a:rPr lang="es-ES" dirty="0" smtClean="0"/>
-              <a:t> </a:t>
-            </a:r>
-            <a:r>
-              <a:rPr lang="es-ES" dirty="0" err="1" smtClean="0"/>
-              <a:t>garatzen</a:t>
-            </a:r>
-            <a:r>
-              <a:rPr lang="es-ES" dirty="0" smtClean="0"/>
-              <a:t> </a:t>
-            </a:r>
-            <a:r>
-              <a:rPr lang="es-ES" dirty="0" err="1" smtClean="0"/>
-              <a:t>hasi</a:t>
-            </a:r>
-            <a:r>
-              <a:rPr lang="es-ES" dirty="0" smtClean="0"/>
-              <a:t> </a:t>
-            </a:r>
-            <a:r>
-              <a:rPr lang="es-ES" dirty="0" err="1" smtClean="0"/>
-              <a:t>ginen</a:t>
-            </a:r>
-            <a:r>
-              <a:rPr lang="es-ES" dirty="0" smtClean="0"/>
-              <a:t> eta </a:t>
-            </a:r>
-            <a:r>
-              <a:rPr lang="es-ES" dirty="0" err="1" smtClean="0"/>
-              <a:t>estruktura</a:t>
-            </a:r>
-            <a:r>
-              <a:rPr lang="es-ES" dirty="0" smtClean="0"/>
-              <a:t> </a:t>
-            </a:r>
-            <a:r>
-              <a:rPr lang="es-ES" dirty="0" err="1" smtClean="0"/>
-              <a:t>aldaketak</a:t>
-            </a:r>
-            <a:r>
-              <a:rPr lang="es-ES" dirty="0" smtClean="0"/>
-              <a:t> </a:t>
-            </a:r>
-            <a:r>
-              <a:rPr lang="es-ES" dirty="0" err="1" smtClean="0"/>
-              <a:t>behar</a:t>
-            </a:r>
-            <a:r>
-              <a:rPr lang="es-ES" dirty="0" smtClean="0"/>
-              <a:t> </a:t>
-            </a:r>
-            <a:r>
-              <a:rPr lang="es-ES" dirty="0" err="1" smtClean="0"/>
-              <a:t>zituela</a:t>
-            </a:r>
-            <a:r>
-              <a:rPr lang="es-ES" dirty="0" smtClean="0"/>
-              <a:t> </a:t>
-            </a:r>
-            <a:r>
-              <a:rPr lang="es-ES" dirty="0" err="1" smtClean="0"/>
-              <a:t>ikusi</a:t>
-            </a:r>
-            <a:r>
-              <a:rPr lang="es-ES" dirty="0" smtClean="0"/>
-              <a:t> </a:t>
-            </a:r>
-            <a:r>
-              <a:rPr lang="es-ES" dirty="0" err="1" smtClean="0"/>
-              <a:t>genuenez</a:t>
-            </a:r>
-            <a:r>
-              <a:rPr lang="es-ES" dirty="0" smtClean="0"/>
-              <a:t> </a:t>
-            </a:r>
-            <a:r>
-              <a:rPr lang="es-ES" dirty="0" err="1" smtClean="0"/>
-              <a:t>maketazioa</a:t>
-            </a:r>
-            <a:r>
-              <a:rPr lang="es-ES" dirty="0" smtClean="0"/>
-              <a:t> </a:t>
-            </a:r>
-            <a:r>
-              <a:rPr lang="es-ES" dirty="0" err="1" smtClean="0"/>
-              <a:t>egin</a:t>
-            </a:r>
-            <a:r>
-              <a:rPr lang="es-ES" dirty="0" smtClean="0"/>
-              <a:t> </a:t>
-            </a:r>
-            <a:r>
-              <a:rPr lang="es-ES" dirty="0" err="1" smtClean="0"/>
-              <a:t>genuen</a:t>
-            </a:r>
-            <a:r>
-              <a:rPr lang="es-ES" dirty="0" smtClean="0"/>
-              <a:t> </a:t>
-            </a:r>
-            <a:r>
-              <a:rPr lang="es-ES" dirty="0" err="1" smtClean="0"/>
-              <a:t>lehioak</a:t>
-            </a:r>
-            <a:r>
-              <a:rPr lang="es-ES" dirty="0" smtClean="0"/>
-              <a:t> </a:t>
-            </a:r>
-            <a:r>
-              <a:rPr lang="es-ES" dirty="0" err="1" smtClean="0"/>
-              <a:t>gehiago</a:t>
-            </a:r>
-            <a:r>
-              <a:rPr lang="es-ES" dirty="0" smtClean="0"/>
-              <a:t> </a:t>
-            </a:r>
-            <a:r>
-              <a:rPr lang="es-ES" dirty="0" err="1" smtClean="0"/>
-              <a:t>zehaztuz</a:t>
-            </a:r>
-            <a:endParaRPr lang="es-ES" dirty="0"/>
-          </a:p>
-        </p:txBody>
-      </p:sp>
-    </p:spTree>
-    <p:extLst>
-      <p:ext uri="{BB962C8B-B14F-4D97-AF65-F5344CB8AC3E}">
-        <p14:creationId xmlns:p14="http://schemas.microsoft.com/office/powerpoint/2010/main" val="1501447824"/>
-      </p:ext>
-    </p:extLst>
-  </p:cSld>
-  <p:clrMapOvr>
-    <a:masterClrMapping/>
-  </p:clrMapOvr>
-  <p:timing>
-    <p:tnLst>
-      <p:par>
-        <p:cTn id="1" dur="indefinite" restart="never" nodeType="tmRoot"/>
-      </p:par>
-    </p:tnLst>
-  </p:timing>
-</p:sld>
-</file>
-
-<file path=ppt/slides/slide3.xml><?xml version="1.0" encoding="utf-8"?>
-<p:sld xmlns:a="http://schemas.openxmlformats.org/drawingml/2006/main" xmlns:r="http://schemas.openxmlformats.org/officeDocument/2006/relationships" xmlns:p="http://schemas.openxmlformats.org/presentationml/2006/main">
-  <p:cSld>
-    <p:spTree>
-      <p:nvGrpSpPr>
-        <p:cNvPr id="1" name=""/>
-        <p:cNvGrpSpPr/>
-        <p:nvPr/>
-      </p:nvGrpSpPr>
-      <p:grpSpPr>
-        <a:xfrm>
-          <a:off x="0" y="0"/>
-          <a:ext cx="0" cy="0"/>
-          <a:chOff x="0" y="0"/>
-          <a:chExt cx="0" cy="0"/>
-        </a:xfrm>
-      </p:grpSpPr>
-      <p:sp>
-        <p:nvSpPr>
-          <p:cNvPr id="2" name="Titulua 1"/>
-          <p:cNvSpPr>
-            <a:spLocks noGrp="1"/>
-          </p:cNvSpPr>
-          <p:nvPr>
-            <p:ph type="title"/>
-          </p:nvPr>
-        </p:nvSpPr>
-        <p:spPr/>
-        <p:txBody>
-          <a:bodyPr/>
-          <a:lstStyle/>
-          <a:p>
-            <a:pPr algn="ctr"/>
-            <a:r>
-              <a:rPr lang="es-ES" dirty="0" err="1" smtClean="0"/>
-              <a:t>Garapena</a:t>
-            </a:r>
-            <a:endParaRPr lang="es-ES" dirty="0"/>
-          </a:p>
-        </p:txBody>
-      </p:sp>
-      <p:sp>
-        <p:nvSpPr>
-          <p:cNvPr id="4" name="TestuKoadroa 3"/>
-          <p:cNvSpPr txBox="1"/>
-          <p:nvPr/>
-        </p:nvSpPr>
-        <p:spPr>
-          <a:xfrm>
-            <a:off x="6680998" y="2567623"/>
-            <a:ext cx="4779818" cy="923330"/>
-          </a:xfrm>
-          <a:prstGeom prst="rect">
-            <a:avLst/>
-          </a:prstGeom>
-          <a:noFill/>
-        </p:spPr>
-        <p:txBody>
-          <a:bodyPr wrap="square" rtlCol="0">
-            <a:spAutoFit/>
-          </a:bodyPr>
-          <a:lstStyle/>
-          <a:p>
-            <a:r>
-              <a:rPr lang="es-ES" dirty="0" err="1" smtClean="0"/>
-              <a:t>Aplikazioaren</a:t>
-            </a:r>
-            <a:r>
-              <a:rPr lang="es-ES" dirty="0" smtClean="0"/>
-              <a:t> </a:t>
-            </a:r>
-            <a:r>
-              <a:rPr lang="es-ES" dirty="0" err="1" smtClean="0"/>
-              <a:t>estetika</a:t>
-            </a:r>
-            <a:r>
-              <a:rPr lang="es-ES" dirty="0" smtClean="0"/>
-              <a:t> </a:t>
-            </a:r>
-            <a:r>
-              <a:rPr lang="es-ES" dirty="0" err="1" smtClean="0"/>
-              <a:t>modan</a:t>
-            </a:r>
-            <a:r>
-              <a:rPr lang="es-ES" dirty="0" smtClean="0"/>
-              <a:t> </a:t>
-            </a:r>
-            <a:r>
-              <a:rPr lang="es-ES" dirty="0" err="1" smtClean="0"/>
-              <a:t>dagoen</a:t>
-            </a:r>
-            <a:r>
-              <a:rPr lang="es-ES" dirty="0" smtClean="0"/>
-              <a:t> </a:t>
-            </a:r>
-            <a:r>
-              <a:rPr lang="es-ES" dirty="0" err="1" smtClean="0"/>
-              <a:t>beste</a:t>
-            </a:r>
-            <a:r>
-              <a:rPr lang="es-ES" dirty="0" smtClean="0"/>
-              <a:t> </a:t>
-            </a:r>
-            <a:r>
-              <a:rPr lang="es-ES" dirty="0" err="1" smtClean="0"/>
-              <a:t>aplikazioetan</a:t>
-            </a:r>
-            <a:r>
-              <a:rPr lang="es-ES" dirty="0" smtClean="0"/>
-              <a:t> </a:t>
-            </a:r>
-            <a:r>
-              <a:rPr lang="es-ES" dirty="0" err="1" smtClean="0"/>
-              <a:t>inspiratuz</a:t>
-            </a:r>
-            <a:r>
-              <a:rPr lang="es-ES" dirty="0" smtClean="0"/>
-              <a:t> </a:t>
-            </a:r>
-            <a:r>
-              <a:rPr lang="es-ES" dirty="0" err="1" smtClean="0"/>
-              <a:t>egin</a:t>
-            </a:r>
-            <a:r>
-              <a:rPr lang="es-ES" dirty="0" smtClean="0"/>
-              <a:t> </a:t>
-            </a:r>
-            <a:r>
-              <a:rPr lang="es-ES" dirty="0" err="1" smtClean="0"/>
-              <a:t>genuen</a:t>
-            </a:r>
-            <a:r>
-              <a:rPr lang="es-ES" dirty="0" smtClean="0"/>
-              <a:t>.</a:t>
-            </a:r>
-            <a:endParaRPr lang="es-ES" dirty="0"/>
-          </a:p>
-        </p:txBody>
-      </p:sp>
-      <p:pic>
-        <p:nvPicPr>
-          <p:cNvPr id="5" name="Irudia 4"/>
-          <p:cNvPicPr>
-            <a:picLocks noChangeAspect="1"/>
-          </p:cNvPicPr>
-          <p:nvPr/>
-        </p:nvPicPr>
-        <p:blipFill>
-          <a:blip r:embed="rId2"/>
-          <a:stretch>
-            <a:fillRect/>
-          </a:stretch>
-        </p:blipFill>
-        <p:spPr>
-          <a:xfrm>
-            <a:off x="6928041" y="4100946"/>
-            <a:ext cx="4285732" cy="1981200"/>
-          </a:xfrm>
-          <a:prstGeom prst="rect">
-            <a:avLst/>
-          </a:prstGeom>
-        </p:spPr>
-      </p:pic>
-      <p:pic>
-        <p:nvPicPr>
-          <p:cNvPr id="9" name="Irudia 8"/>
-          <p:cNvPicPr>
-            <a:picLocks noChangeAspect="1"/>
-          </p:cNvPicPr>
-          <p:nvPr/>
-        </p:nvPicPr>
-        <p:blipFill>
-          <a:blip r:embed="rId3"/>
-          <a:stretch>
-            <a:fillRect/>
-          </a:stretch>
-        </p:blipFill>
-        <p:spPr>
-          <a:xfrm>
-            <a:off x="915699" y="2823936"/>
-            <a:ext cx="1853254" cy="3653368"/>
-          </a:xfrm>
-          <a:prstGeom prst="rect">
-            <a:avLst/>
-          </a:prstGeom>
-        </p:spPr>
-      </p:pic>
-      <p:pic>
-        <p:nvPicPr>
-          <p:cNvPr id="10" name="Irudia 9"/>
-          <p:cNvPicPr>
-            <a:picLocks noChangeAspect="1"/>
-          </p:cNvPicPr>
-          <p:nvPr/>
-        </p:nvPicPr>
-        <p:blipFill>
-          <a:blip r:embed="rId4"/>
-          <a:stretch>
-            <a:fillRect/>
-          </a:stretch>
-        </p:blipFill>
-        <p:spPr>
-          <a:xfrm>
-            <a:off x="4085357" y="2823936"/>
-            <a:ext cx="1780187" cy="3653368"/>
-          </a:xfrm>
-          <a:prstGeom prst="rect">
-            <a:avLst/>
-          </a:prstGeom>
-        </p:spPr>
-      </p:pic>
-    </p:spTree>
-    <p:extLst>
-      <p:ext uri="{BB962C8B-B14F-4D97-AF65-F5344CB8AC3E}">
-        <p14:creationId xmlns:p14="http://schemas.microsoft.com/office/powerpoint/2010/main" val="685269588"/>
-      </p:ext>
-    </p:extLst>
-  </p:cSld>
-  <p:clrMapOvr>
-    <a:masterClrMapping/>
-  </p:clrMapOvr>
-  <p:timing>
-    <p:tnLst>
-      <p:par>
-        <p:cTn id="1" dur="indefinite" restart="never" nodeType="tmRoot"/>
-      </p:par>
-    </p:tnLst>
-  </p:timing>
-</p:sld>
-</file>
-
-<file path=ppt/slides/slide4.xml><?xml version="1.0" encoding="utf-8"?>
-<p:sld xmlns:a="http://schemas.openxmlformats.org/drawingml/2006/main" xmlns:r="http://schemas.openxmlformats.org/officeDocument/2006/relationships" xmlns:p="http://schemas.openxmlformats.org/presentationml/2006/main">
-  <p:cSld>
-    <p:spTree>
-      <p:nvGrpSpPr>
-        <p:cNvPr id="1" name=""/>
-        <p:cNvGrpSpPr/>
-        <p:nvPr/>
-      </p:nvGrpSpPr>
-      <p:grpSpPr>
-        <a:xfrm>
-          <a:off x="0" y="0"/>
-          <a:ext cx="0" cy="0"/>
-          <a:chOff x="0" y="0"/>
-          <a:chExt cx="0" cy="0"/>
-        </a:xfrm>
-      </p:grpSpPr>
-      <p:sp>
-        <p:nvSpPr>
-          <p:cNvPr id="2" name="Titulua 1"/>
-          <p:cNvSpPr>
-            <a:spLocks noGrp="1"/>
-          </p:cNvSpPr>
-          <p:nvPr>
-            <p:ph type="title"/>
-          </p:nvPr>
-        </p:nvSpPr>
-        <p:spPr/>
-        <p:txBody>
-          <a:bodyPr/>
-          <a:lstStyle/>
-          <a:p>
-            <a:pPr algn="ctr"/>
-            <a:r>
-              <a:rPr lang="es-ES" dirty="0" err="1" smtClean="0"/>
-              <a:t>Hasiera</a:t>
-            </a:r>
-            <a:endParaRPr lang="es-ES" dirty="0"/>
-          </a:p>
-        </p:txBody>
-      </p:sp>
-      <p:pic>
-        <p:nvPicPr>
-          <p:cNvPr id="4" name="Irudia 3"/>
-          <p:cNvPicPr>
-            <a:picLocks noChangeAspect="1"/>
-          </p:cNvPicPr>
-          <p:nvPr/>
-        </p:nvPicPr>
-        <p:blipFill>
-          <a:blip r:embed="rId2"/>
-          <a:stretch>
-            <a:fillRect/>
-          </a:stretch>
-        </p:blipFill>
-        <p:spPr>
-          <a:xfrm>
-            <a:off x="1819971" y="2469760"/>
-            <a:ext cx="2656458" cy="4129907"/>
-          </a:xfrm>
-          <a:prstGeom prst="rect">
-            <a:avLst/>
-          </a:prstGeom>
-        </p:spPr>
-      </p:pic>
-      <p:sp>
-        <p:nvSpPr>
-          <p:cNvPr id="5" name="TestuKoadroa 4"/>
-          <p:cNvSpPr txBox="1"/>
-          <p:nvPr/>
-        </p:nvSpPr>
-        <p:spPr>
-          <a:xfrm>
-            <a:off x="5801566" y="3519052"/>
-            <a:ext cx="4114800" cy="2031325"/>
-          </a:xfrm>
-          <a:prstGeom prst="rect">
-            <a:avLst/>
-          </a:prstGeom>
-          <a:noFill/>
-        </p:spPr>
-        <p:txBody>
-          <a:bodyPr wrap="square" rtlCol="0">
-            <a:spAutoFit/>
-          </a:bodyPr>
-          <a:lstStyle/>
-          <a:p>
-            <a:pPr marL="285750" indent="-285750">
-              <a:buFont typeface="Arial" panose="020B0604020202020204" pitchFamily="34" charset="0"/>
-              <a:buChar char="•"/>
-            </a:pPr>
-            <a:r>
-              <a:rPr lang="es-ES" dirty="0" err="1" smtClean="0"/>
-              <a:t>Jokatu</a:t>
-            </a:r>
-            <a:r>
-              <a:rPr lang="es-ES" dirty="0" smtClean="0"/>
-              <a:t>, </a:t>
-            </a:r>
-            <a:r>
-              <a:rPr lang="es-ES" dirty="0" err="1" smtClean="0"/>
-              <a:t>logeatu</a:t>
-            </a:r>
-            <a:r>
-              <a:rPr lang="es-ES" dirty="0" smtClean="0"/>
-              <a:t> eta </a:t>
-            </a:r>
-            <a:r>
-              <a:rPr lang="es-ES" dirty="0" err="1" smtClean="0"/>
-              <a:t>erregistratu</a:t>
-            </a:r>
-            <a:r>
-              <a:rPr lang="es-ES" dirty="0"/>
-              <a:t>  </a:t>
-            </a:r>
-            <a:r>
-              <a:rPr lang="es-ES" dirty="0" smtClean="0"/>
-              <a:t>  </a:t>
-            </a:r>
-            <a:r>
-              <a:rPr lang="es-ES" dirty="0" err="1" smtClean="0"/>
-              <a:t>aukera</a:t>
-            </a:r>
-            <a:r>
-              <a:rPr lang="es-ES" dirty="0" smtClean="0"/>
-              <a:t> </a:t>
-            </a:r>
-            <a:r>
-              <a:rPr lang="es-ES" dirty="0" err="1" smtClean="0"/>
-              <a:t>nagusiak</a:t>
-            </a:r>
-            <a:r>
-              <a:rPr lang="es-ES" dirty="0" smtClean="0"/>
-              <a:t>.</a:t>
-            </a:r>
-          </a:p>
-          <a:p>
-            <a:endParaRPr lang="es-ES" dirty="0" smtClean="0"/>
-          </a:p>
-          <a:p>
-            <a:pPr marL="285750" indent="-285750">
-              <a:buFont typeface="Arial" panose="020B0604020202020204" pitchFamily="34" charset="0"/>
-              <a:buChar char="•"/>
-            </a:pPr>
-            <a:r>
-              <a:rPr lang="es-ES" dirty="0" err="1" smtClean="0"/>
-              <a:t>Kolore</a:t>
-            </a:r>
-            <a:r>
-              <a:rPr lang="es-ES" dirty="0" smtClean="0"/>
-              <a:t> </a:t>
-            </a:r>
-            <a:r>
-              <a:rPr lang="es-ES" dirty="0" err="1" smtClean="0"/>
-              <a:t>ilun</a:t>
-            </a:r>
-            <a:r>
-              <a:rPr lang="es-ES" dirty="0" smtClean="0"/>
-              <a:t> eta </a:t>
-            </a:r>
-            <a:r>
-              <a:rPr lang="es-ES" dirty="0" err="1" smtClean="0"/>
-              <a:t>argien</a:t>
-            </a:r>
-            <a:r>
-              <a:rPr lang="es-ES" dirty="0" smtClean="0"/>
-              <a:t> </a:t>
-            </a:r>
-            <a:r>
-              <a:rPr lang="es-ES" dirty="0" err="1" smtClean="0"/>
-              <a:t>kontraste</a:t>
-            </a:r>
-            <a:r>
-              <a:rPr lang="es-ES" dirty="0" smtClean="0"/>
-              <a:t> </a:t>
-            </a:r>
-            <a:r>
-              <a:rPr lang="es-ES" dirty="0" err="1" smtClean="0"/>
-              <a:t>aberatsa</a:t>
-            </a:r>
-            <a:r>
-              <a:rPr lang="es-ES" dirty="0" smtClean="0"/>
-              <a:t>.</a:t>
-            </a:r>
-          </a:p>
-          <a:p>
-            <a:endParaRPr lang="es-ES" dirty="0" smtClean="0"/>
-          </a:p>
-          <a:p>
-            <a:pPr marL="285750" indent="-285750">
-              <a:buFont typeface="Arial" panose="020B0604020202020204" pitchFamily="34" charset="0"/>
-              <a:buChar char="•"/>
-            </a:pPr>
-            <a:r>
-              <a:rPr lang="es-ES" dirty="0" err="1" smtClean="0"/>
-              <a:t>Estetika</a:t>
-            </a:r>
-            <a:r>
-              <a:rPr lang="es-ES" dirty="0" smtClean="0"/>
-              <a:t> </a:t>
-            </a:r>
-            <a:r>
-              <a:rPr lang="es-ES" dirty="0" err="1" smtClean="0"/>
-              <a:t>modernoa</a:t>
-            </a:r>
-            <a:r>
-              <a:rPr lang="es-ES" dirty="0" smtClean="0"/>
-              <a:t>.</a:t>
-            </a:r>
-            <a:endParaRPr lang="es-ES" dirty="0"/>
-          </a:p>
-        </p:txBody>
-      </p:sp>
-    </p:spTree>
-    <p:extLst>
-      <p:ext uri="{BB962C8B-B14F-4D97-AF65-F5344CB8AC3E}">
-        <p14:creationId xmlns:p14="http://schemas.microsoft.com/office/powerpoint/2010/main" val="781497685"/>
-      </p:ext>
-    </p:extLst>
-  </p:cSld>
-  <p:clrMapOvr>
-    <a:masterClrMapping/>
-  </p:clrMapOvr>
-  <p:timing>
-    <p:tnLst>
-      <p:par>
-        <p:cTn id="1" dur="indefinite" restart="never" nodeType="tmRoot"/>
-      </p:par>
-    </p:tnLst>
-  </p:timing>
-</p:sld>
-</file>
-
-<file path=ppt/slides/slide5.xml><?xml version="1.0" encoding="utf-8"?>
-<p:sld xmlns:a="http://schemas.openxmlformats.org/drawingml/2006/main" xmlns:r="http://schemas.openxmlformats.org/officeDocument/2006/relationships" xmlns:p="http://schemas.openxmlformats.org/presentationml/2006/main">
-  <p:cSld>
-    <p:spTree>
-      <p:nvGrpSpPr>
-        <p:cNvPr id="1" name=""/>
-        <p:cNvGrpSpPr/>
-        <p:nvPr/>
-      </p:nvGrpSpPr>
-      <p:grpSpPr>
-        <a:xfrm>
-          <a:off x="0" y="0"/>
-          <a:ext cx="0" cy="0"/>
-          <a:chOff x="0" y="0"/>
-          <a:chExt cx="0" cy="0"/>
-        </a:xfrm>
-      </p:grpSpPr>
-      <p:sp>
-        <p:nvSpPr>
-          <p:cNvPr id="2" name="Titulua 1"/>
-          <p:cNvSpPr>
-            <a:spLocks noGrp="1"/>
-          </p:cNvSpPr>
-          <p:nvPr>
-            <p:ph type="title"/>
-          </p:nvPr>
-        </p:nvSpPr>
-        <p:spPr/>
-        <p:txBody>
-          <a:bodyPr/>
-          <a:lstStyle/>
-          <a:p>
-            <a:pPr algn="ctr"/>
-            <a:r>
-              <a:rPr lang="es-ES" dirty="0" err="1" smtClean="0"/>
-              <a:t>Sailkapena</a:t>
-            </a:r>
-            <a:endParaRPr lang="es-ES" dirty="0"/>
-          </a:p>
-        </p:txBody>
-      </p:sp>
-      <p:pic>
-        <p:nvPicPr>
-          <p:cNvPr id="7" name="Irudia 6"/>
-          <p:cNvPicPr>
-            <a:picLocks noChangeAspect="1"/>
-          </p:cNvPicPr>
-          <p:nvPr/>
-        </p:nvPicPr>
-        <p:blipFill>
-          <a:blip r:embed="rId2"/>
-          <a:stretch>
-            <a:fillRect/>
-          </a:stretch>
-        </p:blipFill>
-        <p:spPr>
-          <a:xfrm>
-            <a:off x="2136774" y="2500312"/>
-            <a:ext cx="2790825" cy="4023270"/>
-          </a:xfrm>
-          <a:prstGeom prst="rect">
-            <a:avLst/>
-          </a:prstGeom>
-        </p:spPr>
-      </p:pic>
-      <p:sp>
-        <p:nvSpPr>
-          <p:cNvPr id="8" name="TestuKoadroa 7"/>
-          <p:cNvSpPr txBox="1"/>
-          <p:nvPr/>
-        </p:nvSpPr>
-        <p:spPr>
-          <a:xfrm>
-            <a:off x="6819900" y="3619500"/>
-            <a:ext cx="3924300" cy="2308324"/>
-          </a:xfrm>
-          <a:prstGeom prst="rect">
-            <a:avLst/>
-          </a:prstGeom>
-          <a:noFill/>
-        </p:spPr>
-        <p:txBody>
-          <a:bodyPr wrap="square" rtlCol="0">
-            <a:spAutoFit/>
-          </a:bodyPr>
-          <a:lstStyle/>
-          <a:p>
-            <a:pPr marL="285750" indent="-285750">
-              <a:buFont typeface="Arial" panose="020B0604020202020204" pitchFamily="34" charset="0"/>
-              <a:buChar char="•"/>
-            </a:pPr>
-            <a:r>
-              <a:rPr lang="es-ES" dirty="0" err="1" smtClean="0"/>
-              <a:t>Erabiltzaileen</a:t>
-            </a:r>
-            <a:r>
-              <a:rPr lang="es-ES" dirty="0" smtClean="0"/>
-              <a:t> lista </a:t>
-            </a:r>
-            <a:r>
-              <a:rPr lang="es-ES" dirty="0" err="1" smtClean="0"/>
-              <a:t>bakoitzak</a:t>
-            </a:r>
-            <a:r>
-              <a:rPr lang="es-ES" dirty="0" smtClean="0"/>
-              <a:t> </a:t>
-            </a:r>
-            <a:r>
-              <a:rPr lang="es-ES" dirty="0" err="1" smtClean="0"/>
-              <a:t>bere</a:t>
-            </a:r>
-            <a:r>
-              <a:rPr lang="es-ES" dirty="0" smtClean="0"/>
-              <a:t> </a:t>
-            </a:r>
-            <a:r>
-              <a:rPr lang="es-ES" dirty="0" err="1" smtClean="0"/>
-              <a:t>puntuekin</a:t>
-            </a:r>
-            <a:endParaRPr lang="es-ES" dirty="0" smtClean="0"/>
-          </a:p>
-          <a:p>
-            <a:endParaRPr lang="es-ES" dirty="0" smtClean="0"/>
-          </a:p>
-          <a:p>
-            <a:pPr marL="285750" indent="-285750">
-              <a:buFont typeface="Arial" panose="020B0604020202020204" pitchFamily="34" charset="0"/>
-              <a:buChar char="•"/>
-            </a:pPr>
-            <a:r>
-              <a:rPr lang="es-ES" dirty="0" err="1" smtClean="0"/>
-              <a:t>Puntuen</a:t>
-            </a:r>
-            <a:r>
-              <a:rPr lang="es-ES" dirty="0" smtClean="0"/>
-              <a:t> </a:t>
-            </a:r>
-            <a:r>
-              <a:rPr lang="es-ES" dirty="0" err="1" smtClean="0"/>
-              <a:t>arabera</a:t>
-            </a:r>
-            <a:r>
-              <a:rPr lang="es-ES" dirty="0" smtClean="0"/>
-              <a:t> </a:t>
-            </a:r>
-            <a:r>
-              <a:rPr lang="es-ES" dirty="0" err="1" smtClean="0"/>
-              <a:t>sailkatuta</a:t>
-            </a:r>
-            <a:endParaRPr lang="es-ES" dirty="0" smtClean="0"/>
-          </a:p>
-          <a:p>
-            <a:endParaRPr lang="es-ES" dirty="0" smtClean="0"/>
-          </a:p>
-          <a:p>
-            <a:pPr marL="285750" indent="-285750">
-              <a:buFont typeface="Arial" panose="020B0604020202020204" pitchFamily="34" charset="0"/>
-              <a:buChar char="•"/>
-            </a:pPr>
-            <a:r>
-              <a:rPr lang="es-ES" dirty="0" err="1" smtClean="0"/>
-              <a:t>Lehenengo</a:t>
-            </a:r>
-            <a:r>
-              <a:rPr lang="es-ES" dirty="0" smtClean="0"/>
-              <a:t>, </a:t>
-            </a:r>
-            <a:r>
-              <a:rPr lang="es-ES" dirty="0" err="1" smtClean="0"/>
-              <a:t>bigarren</a:t>
-            </a:r>
-            <a:r>
-              <a:rPr lang="es-ES" dirty="0" smtClean="0"/>
-              <a:t> eta </a:t>
-            </a:r>
-            <a:r>
-              <a:rPr lang="es-ES" dirty="0" err="1" smtClean="0"/>
-              <a:t>hirugarren</a:t>
-            </a:r>
-            <a:r>
-              <a:rPr lang="es-ES" dirty="0" smtClean="0"/>
-              <a:t> </a:t>
-            </a:r>
-            <a:r>
-              <a:rPr lang="es-ES" dirty="0" err="1" smtClean="0"/>
-              <a:t>postuak</a:t>
-            </a:r>
-            <a:r>
-              <a:rPr lang="es-ES" dirty="0" smtClean="0"/>
-              <a:t> </a:t>
-            </a:r>
-            <a:r>
-              <a:rPr lang="es-ES" dirty="0" err="1" smtClean="0"/>
-              <a:t>nabarmenduta</a:t>
-            </a:r>
-            <a:endParaRPr lang="es-ES" dirty="0"/>
-          </a:p>
-        </p:txBody>
-      </p:sp>
-    </p:spTree>
-    <p:extLst>
-      <p:ext uri="{BB962C8B-B14F-4D97-AF65-F5344CB8AC3E}">
-        <p14:creationId xmlns:p14="http://schemas.microsoft.com/office/powerpoint/2010/main" val="859863336"/>
-      </p:ext>
-    </p:extLst>
-  </p:cSld>
-  <p:clrMapOvr>
-    <a:masterClrMapping/>
-  </p:clrMapOvr>
-  <p:timing>
-    <p:tnLst>
-      <p:par>
-        <p:cTn id="1" dur="indefinite" restart="never" nodeType="tmRoot"/>
-      </p:par>
-    </p:tnLst>
-  </p:timing>
-</p:sld>
-</file>
-
-<file path=ppt/slides/slide6.xml><?xml version="1.0" encoding="utf-8"?>
 <p:sld xmlns:a="http://schemas.openxmlformats.org/drawingml/2006/main" xmlns:r="http://schemas.openxmlformats.org/officeDocument/2006/relationships" xmlns:p="http://schemas.openxmlformats.org/presentationml/2006/main">
   <p:cSld>
     <p:spTree>
@@ -15543,7 +14247,7 @@
 </p:sld>
 </file>
 
-<file path=ppt/slides/slide7.xml><?xml version="1.0" encoding="utf-8"?>
+<file path=ppt/slides/slide11.xml><?xml version="1.0" encoding="utf-8"?>
 <p:sld xmlns:a="http://schemas.openxmlformats.org/drawingml/2006/main" xmlns:r="http://schemas.openxmlformats.org/officeDocument/2006/relationships" xmlns:p="http://schemas.openxmlformats.org/presentationml/2006/main">
   <p:cSld>
     <p:spTree>
@@ -15589,30 +14293,6 @@
           </a:p>
         </p:txBody>
       </p:sp>
-      <p:pic>
-        <p:nvPicPr>
-          <p:cNvPr id="6" name="Irudia 5"/>
-          <p:cNvPicPr>
-            <a:picLocks noChangeAspect="1"/>
-          </p:cNvPicPr>
-          <p:nvPr/>
-        </p:nvPicPr>
-        <p:blipFill>
-          <a:blip r:embed="rId2"/>
-          <a:stretch>
-            <a:fillRect/>
-          </a:stretch>
-        </p:blipFill>
-        <p:spPr>
-          <a:xfrm>
-            <a:off x="1428317" y="2227695"/>
-            <a:ext cx="2894302" cy="4437051"/>
-          </a:xfrm>
-          <a:prstGeom prst="rect">
-            <a:avLst/>
-          </a:prstGeom>
-        </p:spPr>
-      </p:pic>
       <p:sp>
         <p:nvSpPr>
           <p:cNvPr id="7" name="TestuKoadroa 6"/>
@@ -15759,6 +14439,30 @@
           </a:p>
         </p:txBody>
       </p:sp>
+      <p:pic>
+        <p:nvPicPr>
+          <p:cNvPr id="3" name="Irudia 2"/>
+          <p:cNvPicPr>
+            <a:picLocks noChangeAspect="1"/>
+          </p:cNvPicPr>
+          <p:nvPr/>
+        </p:nvPicPr>
+        <p:blipFill>
+          <a:blip r:embed="rId2"/>
+          <a:stretch>
+            <a:fillRect/>
+          </a:stretch>
+        </p:blipFill>
+        <p:spPr>
+          <a:xfrm>
+            <a:off x="1152092" y="2256815"/>
+            <a:ext cx="2851871" cy="4436243"/>
+          </a:xfrm>
+          <a:prstGeom prst="rect">
+            <a:avLst/>
+          </a:prstGeom>
+        </p:spPr>
+      </p:pic>
     </p:spTree>
     <p:extLst>
       <p:ext uri="{BB962C8B-B14F-4D97-AF65-F5344CB8AC3E}">
@@ -15779,7 +14483,7 @@
 </p:sld>
 </file>
 
-<file path=ppt/slides/slide8.xml><?xml version="1.0" encoding="utf-8"?>
+<file path=ppt/slides/slide12.xml><?xml version="1.0" encoding="utf-8"?>
 <p:sld xmlns:a="http://schemas.openxmlformats.org/drawingml/2006/main" xmlns:r="http://schemas.openxmlformats.org/officeDocument/2006/relationships" xmlns:p="http://schemas.openxmlformats.org/presentationml/2006/main">
   <p:cSld>
     <p:spTree>
@@ -15833,30 +14537,6 @@
           </a:p>
         </p:txBody>
       </p:sp>
-      <p:pic>
-        <p:nvPicPr>
-          <p:cNvPr id="4" name="Irudia 3"/>
-          <p:cNvPicPr>
-            <a:picLocks noChangeAspect="1"/>
-          </p:cNvPicPr>
-          <p:nvPr/>
-        </p:nvPicPr>
-        <p:blipFill>
-          <a:blip r:embed="rId2"/>
-          <a:stretch>
-            <a:fillRect/>
-          </a:stretch>
-        </p:blipFill>
-        <p:spPr>
-          <a:xfrm>
-            <a:off x="1335062" y="2424113"/>
-            <a:ext cx="2696611" cy="4136763"/>
-          </a:xfrm>
-          <a:prstGeom prst="rect">
-            <a:avLst/>
-          </a:prstGeom>
-        </p:spPr>
-      </p:pic>
       <p:sp>
         <p:nvSpPr>
           <p:cNvPr id="5" name="TestuKoadroa 4"/>
@@ -16001,6 +14681,30 @@
           </a:p>
         </p:txBody>
       </p:sp>
+      <p:pic>
+        <p:nvPicPr>
+          <p:cNvPr id="3" name="Irudia 2"/>
+          <p:cNvPicPr>
+            <a:picLocks noChangeAspect="1"/>
+          </p:cNvPicPr>
+          <p:nvPr/>
+        </p:nvPicPr>
+        <p:blipFill>
+          <a:blip r:embed="rId2"/>
+          <a:stretch>
+            <a:fillRect/>
+          </a:stretch>
+        </p:blipFill>
+        <p:spPr>
+          <a:xfrm>
+            <a:off x="1128280" y="2343361"/>
+            <a:ext cx="2820266" cy="4298266"/>
+          </a:xfrm>
+          <a:prstGeom prst="rect">
+            <a:avLst/>
+          </a:prstGeom>
+        </p:spPr>
+      </p:pic>
     </p:spTree>
     <p:extLst>
       <p:ext uri="{BB962C8B-B14F-4D97-AF65-F5344CB8AC3E}">
@@ -16021,7 +14725,7 @@
 </p:sld>
 </file>
 
-<file path=ppt/slides/slide9.xml><?xml version="1.0" encoding="utf-8"?>
+<file path=ppt/slides/slide13.xml><?xml version="1.0" encoding="utf-8"?>
 <p:sld xmlns:a="http://schemas.openxmlformats.org/drawingml/2006/main" xmlns:r="http://schemas.openxmlformats.org/officeDocument/2006/relationships" xmlns:p="http://schemas.openxmlformats.org/presentationml/2006/main">
   <p:cSld>
     <p:spTree>
@@ -16289,6 +14993,2534 @@
     <p:extLst>
       <p:ext uri="{BB962C8B-B14F-4D97-AF65-F5344CB8AC3E}">
         <p14:creationId xmlns:p14="http://schemas.microsoft.com/office/powerpoint/2010/main" val="2208554266"/>
+      </p:ext>
+    </p:extLst>
+  </p:cSld>
+  <p:clrMapOvr>
+    <a:masterClrMapping/>
+  </p:clrMapOvr>
+  <p:timing>
+    <p:tnLst>
+      <p:par>
+        <p:cTn id="1" dur="indefinite" restart="never" nodeType="tmRoot"/>
+      </p:par>
+    </p:tnLst>
+  </p:timing>
+</p:sld>
+</file>
+
+<file path=ppt/slides/slide14.xml><?xml version="1.0" encoding="utf-8"?>
+<p:sld xmlns:a="http://schemas.openxmlformats.org/drawingml/2006/main" xmlns:r="http://schemas.openxmlformats.org/officeDocument/2006/relationships" xmlns:p="http://schemas.openxmlformats.org/presentationml/2006/main">
+  <p:cSld>
+    <p:spTree>
+      <p:nvGrpSpPr>
+        <p:cNvPr id="1" name=""/>
+        <p:cNvGrpSpPr/>
+        <p:nvPr/>
+      </p:nvGrpSpPr>
+      <p:grpSpPr>
+        <a:xfrm>
+          <a:off x="0" y="0"/>
+          <a:ext cx="0" cy="0"/>
+          <a:chOff x="0" y="0"/>
+          <a:chExt cx="0" cy="0"/>
+        </a:xfrm>
+      </p:grpSpPr>
+      <p:sp>
+        <p:nvSpPr>
+          <p:cNvPr id="2" name="Titulua 1"/>
+          <p:cNvSpPr>
+            <a:spLocks noGrp="1"/>
+          </p:cNvSpPr>
+          <p:nvPr>
+            <p:ph type="title"/>
+          </p:nvPr>
+        </p:nvSpPr>
+        <p:spPr/>
+        <p:txBody>
+          <a:bodyPr/>
+          <a:lstStyle/>
+          <a:p>
+            <a:pPr algn="ctr"/>
+            <a:r>
+              <a:rPr lang="es-ES" dirty="0" err="1" smtClean="0"/>
+              <a:t>Goiburuko</a:t>
+            </a:r>
+            <a:r>
+              <a:rPr lang="es-ES" dirty="0" smtClean="0"/>
+              <a:t> </a:t>
+            </a:r>
+            <a:r>
+              <a:rPr lang="es-ES" dirty="0" err="1" smtClean="0"/>
+              <a:t>Ikonoa</a:t>
+            </a:r>
+            <a:endParaRPr lang="es-ES" dirty="0"/>
+          </a:p>
+        </p:txBody>
+      </p:sp>
+      <p:pic>
+        <p:nvPicPr>
+          <p:cNvPr id="4" name="Irudia 3"/>
+          <p:cNvPicPr>
+            <a:picLocks noChangeAspect="1"/>
+          </p:cNvPicPr>
+          <p:nvPr/>
+        </p:nvPicPr>
+        <p:blipFill>
+          <a:blip r:embed="rId2">
+            <a:extLst>
+              <a:ext uri="{28A0092B-C50C-407E-A947-70E740481C1C}">
+                <a14:useLocalDpi xmlns:a14="http://schemas.microsoft.com/office/drawing/2010/main" val="0"/>
+              </a:ext>
+            </a:extLst>
+          </a:blip>
+          <a:stretch>
+            <a:fillRect/>
+          </a:stretch>
+        </p:blipFill>
+        <p:spPr>
+          <a:xfrm>
+            <a:off x="8165276" y="2660029"/>
+            <a:ext cx="2222222" cy="1663492"/>
+          </a:xfrm>
+          <a:prstGeom prst="rect">
+            <a:avLst/>
+          </a:prstGeom>
+        </p:spPr>
+      </p:pic>
+      <p:pic>
+        <p:nvPicPr>
+          <p:cNvPr id="5" name="Irudia 4"/>
+          <p:cNvPicPr>
+            <a:picLocks noChangeAspect="1"/>
+          </p:cNvPicPr>
+          <p:nvPr/>
+        </p:nvPicPr>
+        <p:blipFill>
+          <a:blip r:embed="rId3">
+            <a:extLst>
+              <a:ext uri="{28A0092B-C50C-407E-A947-70E740481C1C}">
+                <a14:useLocalDpi xmlns:a14="http://schemas.microsoft.com/office/drawing/2010/main" val="0"/>
+              </a:ext>
+            </a:extLst>
+          </a:blip>
+          <a:stretch>
+            <a:fillRect/>
+          </a:stretch>
+        </p:blipFill>
+        <p:spPr>
+          <a:xfrm>
+            <a:off x="2021313" y="2582710"/>
+            <a:ext cx="1481678" cy="1818129"/>
+          </a:xfrm>
+          <a:prstGeom prst="rect">
+            <a:avLst/>
+          </a:prstGeom>
+        </p:spPr>
+      </p:pic>
+      <p:pic>
+        <p:nvPicPr>
+          <p:cNvPr id="6" name="Irudia 5"/>
+          <p:cNvPicPr>
+            <a:picLocks noChangeAspect="1"/>
+          </p:cNvPicPr>
+          <p:nvPr/>
+        </p:nvPicPr>
+        <p:blipFill>
+          <a:blip r:embed="rId4">
+            <a:extLst>
+              <a:ext uri="{28A0092B-C50C-407E-A947-70E740481C1C}">
+                <a14:useLocalDpi xmlns:a14="http://schemas.microsoft.com/office/drawing/2010/main" val="0"/>
+              </a:ext>
+            </a:extLst>
+          </a:blip>
+          <a:stretch>
+            <a:fillRect/>
+          </a:stretch>
+        </p:blipFill>
+        <p:spPr>
+          <a:xfrm>
+            <a:off x="5317174" y="2490821"/>
+            <a:ext cx="1573484" cy="2001908"/>
+          </a:xfrm>
+          <a:prstGeom prst="rect">
+            <a:avLst/>
+          </a:prstGeom>
+        </p:spPr>
+      </p:pic>
+      <p:sp>
+        <p:nvSpPr>
+          <p:cNvPr id="7" name="TestuKoadroa 6"/>
+          <p:cNvSpPr txBox="1"/>
+          <p:nvPr/>
+        </p:nvSpPr>
+        <p:spPr>
+          <a:xfrm>
+            <a:off x="3021279" y="4856314"/>
+            <a:ext cx="6165273" cy="646331"/>
+          </a:xfrm>
+          <a:prstGeom prst="rect">
+            <a:avLst/>
+          </a:prstGeom>
+          <a:noFill/>
+        </p:spPr>
+        <p:txBody>
+          <a:bodyPr wrap="square" rtlCol="0">
+            <a:spAutoFit/>
+          </a:bodyPr>
+          <a:lstStyle/>
+          <a:p>
+            <a:r>
+              <a:rPr lang="es-ES" dirty="0" err="1" smtClean="0"/>
+              <a:t>Hemen</a:t>
+            </a:r>
+            <a:r>
+              <a:rPr lang="es-ES" dirty="0" smtClean="0"/>
+              <a:t> </a:t>
+            </a:r>
+            <a:r>
+              <a:rPr lang="es-ES" dirty="0" err="1" smtClean="0"/>
+              <a:t>gohiburuko</a:t>
+            </a:r>
+            <a:r>
+              <a:rPr lang="es-ES" dirty="0" smtClean="0"/>
+              <a:t> </a:t>
+            </a:r>
+            <a:r>
+              <a:rPr lang="es-ES" dirty="0" err="1" smtClean="0"/>
+              <a:t>ikonoaren</a:t>
+            </a:r>
+            <a:r>
+              <a:rPr lang="es-ES" dirty="0" smtClean="0"/>
+              <a:t> </a:t>
+            </a:r>
+            <a:r>
+              <a:rPr lang="es-ES" dirty="0" err="1" smtClean="0"/>
+              <a:t>transizioa</a:t>
+            </a:r>
+            <a:r>
+              <a:rPr lang="es-ES" dirty="0" smtClean="0"/>
+              <a:t> </a:t>
+            </a:r>
+            <a:r>
+              <a:rPr lang="es-ES" dirty="0" err="1" smtClean="0"/>
+              <a:t>daukagu</a:t>
+            </a:r>
+            <a:r>
+              <a:rPr lang="es-ES" dirty="0" smtClean="0"/>
+              <a:t>, </a:t>
+            </a:r>
+            <a:r>
+              <a:rPr lang="es-ES" dirty="0" err="1" smtClean="0"/>
+              <a:t>hasieratik</a:t>
+            </a:r>
+            <a:r>
+              <a:rPr lang="es-ES" dirty="0" smtClean="0"/>
+              <a:t> </a:t>
+            </a:r>
+            <a:r>
+              <a:rPr lang="es-ES" dirty="0" err="1" smtClean="0"/>
+              <a:t>bukaerara</a:t>
+            </a:r>
+            <a:r>
+              <a:rPr lang="es-ES" dirty="0" smtClean="0"/>
+              <a:t>.</a:t>
+            </a:r>
+          </a:p>
+        </p:txBody>
+      </p:sp>
+      <p:sp>
+        <p:nvSpPr>
+          <p:cNvPr id="8" name="TestuKoadroa 7"/>
+          <p:cNvSpPr txBox="1"/>
+          <p:nvPr/>
+        </p:nvSpPr>
+        <p:spPr>
+          <a:xfrm>
+            <a:off x="3021279" y="5866230"/>
+            <a:ext cx="6165273" cy="646331"/>
+          </a:xfrm>
+          <a:prstGeom prst="rect">
+            <a:avLst/>
+          </a:prstGeom>
+          <a:noFill/>
+        </p:spPr>
+        <p:txBody>
+          <a:bodyPr wrap="square" rtlCol="0">
+            <a:spAutoFit/>
+          </a:bodyPr>
+          <a:lstStyle/>
+          <a:p>
+            <a:r>
+              <a:rPr lang="es-ES" dirty="0" err="1" smtClean="0"/>
+              <a:t>Azkenik</a:t>
+            </a:r>
+            <a:r>
+              <a:rPr lang="es-ES" dirty="0" smtClean="0"/>
+              <a:t> </a:t>
+            </a:r>
+            <a:r>
+              <a:rPr lang="es-ES" dirty="0" err="1" smtClean="0"/>
+              <a:t>gohiburuko</a:t>
+            </a:r>
+            <a:r>
+              <a:rPr lang="es-ES" dirty="0" smtClean="0"/>
+              <a:t> </a:t>
+            </a:r>
+            <a:r>
+              <a:rPr lang="es-ES" dirty="0" err="1" smtClean="0"/>
+              <a:t>ikonoa</a:t>
+            </a:r>
+            <a:r>
+              <a:rPr lang="es-ES" dirty="0" smtClean="0"/>
+              <a:t> </a:t>
+            </a:r>
+            <a:r>
+              <a:rPr lang="es-ES" dirty="0" err="1" smtClean="0"/>
+              <a:t>honela</a:t>
+            </a:r>
+            <a:r>
+              <a:rPr lang="es-ES" dirty="0" smtClean="0"/>
+              <a:t> </a:t>
+            </a:r>
+            <a:r>
+              <a:rPr lang="es-ES" dirty="0" err="1" smtClean="0"/>
+              <a:t>jartzea</a:t>
+            </a:r>
+            <a:r>
+              <a:rPr lang="es-ES" dirty="0" smtClean="0"/>
+              <a:t> </a:t>
+            </a:r>
+            <a:r>
+              <a:rPr lang="es-ES" dirty="0" err="1" smtClean="0"/>
+              <a:t>erabaki</a:t>
+            </a:r>
+            <a:r>
+              <a:rPr lang="es-ES" dirty="0" smtClean="0"/>
+              <a:t> </a:t>
+            </a:r>
+            <a:r>
+              <a:rPr lang="es-ES" dirty="0" err="1" smtClean="0"/>
+              <a:t>genuen</a:t>
+            </a:r>
+            <a:r>
+              <a:rPr lang="es-ES" dirty="0" smtClean="0"/>
+              <a:t> </a:t>
+            </a:r>
+            <a:r>
+              <a:rPr lang="es-ES" dirty="0" err="1" smtClean="0"/>
+              <a:t>ikuzteko</a:t>
+            </a:r>
+            <a:r>
+              <a:rPr lang="es-ES" dirty="0" smtClean="0"/>
+              <a:t> </a:t>
+            </a:r>
+            <a:r>
+              <a:rPr lang="es-ES" dirty="0" err="1" smtClean="0"/>
+              <a:t>errazagoa</a:t>
+            </a:r>
+            <a:r>
+              <a:rPr lang="es-ES" dirty="0" smtClean="0"/>
+              <a:t> </a:t>
+            </a:r>
+            <a:r>
+              <a:rPr lang="es-ES" dirty="0" err="1" smtClean="0"/>
+              <a:t>delako</a:t>
+            </a:r>
+            <a:r>
+              <a:rPr lang="es-ES" dirty="0" smtClean="0"/>
+              <a:t>.</a:t>
+            </a:r>
+          </a:p>
+        </p:txBody>
+      </p:sp>
+    </p:spTree>
+    <p:extLst>
+      <p:ext uri="{BB962C8B-B14F-4D97-AF65-F5344CB8AC3E}">
+        <p14:creationId xmlns:p14="http://schemas.microsoft.com/office/powerpoint/2010/main" val="122496716"/>
+      </p:ext>
+    </p:extLst>
+  </p:cSld>
+  <p:clrMapOvr>
+    <a:masterClrMapping/>
+  </p:clrMapOvr>
+  <p:timing>
+    <p:tnLst>
+      <p:par>
+        <p:cTn id="1" dur="indefinite" restart="never" nodeType="tmRoot"/>
+      </p:par>
+    </p:tnLst>
+  </p:timing>
+</p:sld>
+</file>
+
+<file path=ppt/slides/slide15.xml><?xml version="1.0" encoding="utf-8"?>
+<p:sld xmlns:a="http://schemas.openxmlformats.org/drawingml/2006/main" xmlns:r="http://schemas.openxmlformats.org/officeDocument/2006/relationships" xmlns:p="http://schemas.openxmlformats.org/presentationml/2006/main">
+  <p:cSld>
+    <p:spTree>
+      <p:nvGrpSpPr>
+        <p:cNvPr id="1" name=""/>
+        <p:cNvGrpSpPr/>
+        <p:nvPr/>
+      </p:nvGrpSpPr>
+      <p:grpSpPr>
+        <a:xfrm>
+          <a:off x="0" y="0"/>
+          <a:ext cx="0" cy="0"/>
+          <a:chOff x="0" y="0"/>
+          <a:chExt cx="0" cy="0"/>
+        </a:xfrm>
+      </p:grpSpPr>
+      <p:sp>
+        <p:nvSpPr>
+          <p:cNvPr id="2" name="Titulua 1"/>
+          <p:cNvSpPr>
+            <a:spLocks noGrp="1"/>
+          </p:cNvSpPr>
+          <p:nvPr>
+            <p:ph type="title"/>
+          </p:nvPr>
+        </p:nvSpPr>
+        <p:spPr/>
+        <p:txBody>
+          <a:bodyPr/>
+          <a:lstStyle/>
+          <a:p>
+            <a:pPr algn="ctr"/>
+            <a:r>
+              <a:rPr lang="es-ES" dirty="0" err="1" smtClean="0"/>
+              <a:t>Erabilgarritasuna</a:t>
+            </a:r>
+            <a:endParaRPr lang="es-ES" dirty="0"/>
+          </a:p>
+        </p:txBody>
+      </p:sp>
+      <p:pic>
+        <p:nvPicPr>
+          <p:cNvPr id="4" name="Irudia 3"/>
+          <p:cNvPicPr>
+            <a:picLocks noChangeAspect="1"/>
+          </p:cNvPicPr>
+          <p:nvPr/>
+        </p:nvPicPr>
+        <p:blipFill>
+          <a:blip r:embed="rId2"/>
+          <a:stretch>
+            <a:fillRect/>
+          </a:stretch>
+        </p:blipFill>
+        <p:spPr>
+          <a:xfrm>
+            <a:off x="1154953" y="2361979"/>
+            <a:ext cx="2819832" cy="4355158"/>
+          </a:xfrm>
+          <a:prstGeom prst="rect">
+            <a:avLst/>
+          </a:prstGeom>
+        </p:spPr>
+      </p:pic>
+      <p:sp>
+        <p:nvSpPr>
+          <p:cNvPr id="5" name="TestuKoadroa 4"/>
+          <p:cNvSpPr txBox="1"/>
+          <p:nvPr/>
+        </p:nvSpPr>
+        <p:spPr>
+          <a:xfrm>
+            <a:off x="5535659" y="3385396"/>
+            <a:ext cx="5480988" cy="2308324"/>
+          </a:xfrm>
+          <a:prstGeom prst="rect">
+            <a:avLst/>
+          </a:prstGeom>
+          <a:noFill/>
+        </p:spPr>
+        <p:txBody>
+          <a:bodyPr wrap="none" rtlCol="0">
+            <a:spAutoFit/>
+          </a:bodyPr>
+          <a:lstStyle/>
+          <a:p>
+            <a:r>
+              <a:rPr lang="es-ES" dirty="0" smtClean="0"/>
+              <a:t>-</a:t>
+            </a:r>
+            <a:r>
+              <a:rPr lang="es-ES" dirty="0" err="1" smtClean="0"/>
+              <a:t>Kolore</a:t>
+            </a:r>
+            <a:r>
+              <a:rPr lang="es-ES" dirty="0" smtClean="0"/>
+              <a:t> </a:t>
+            </a:r>
+            <a:r>
+              <a:rPr lang="es-ES" dirty="0" err="1" smtClean="0"/>
+              <a:t>ilun</a:t>
+            </a:r>
+            <a:r>
+              <a:rPr lang="es-ES" dirty="0" smtClean="0"/>
+              <a:t> eta </a:t>
+            </a:r>
+            <a:r>
+              <a:rPr lang="es-ES" dirty="0" err="1" smtClean="0"/>
+              <a:t>argien</a:t>
+            </a:r>
+            <a:r>
+              <a:rPr lang="es-ES" dirty="0" smtClean="0"/>
+              <a:t> </a:t>
+            </a:r>
+            <a:r>
+              <a:rPr lang="es-ES" dirty="0" err="1" smtClean="0"/>
+              <a:t>artean</a:t>
+            </a:r>
+            <a:r>
+              <a:rPr lang="es-ES" dirty="0" smtClean="0"/>
+              <a:t> </a:t>
+            </a:r>
+            <a:r>
+              <a:rPr lang="es-ES" dirty="0" err="1" smtClean="0"/>
+              <a:t>kontraset</a:t>
+            </a:r>
+            <a:r>
+              <a:rPr lang="es-ES" dirty="0" smtClean="0"/>
+              <a:t> </a:t>
+            </a:r>
+            <a:r>
+              <a:rPr lang="es-ES" dirty="0" err="1" smtClean="0"/>
+              <a:t>handia</a:t>
+            </a:r>
+            <a:r>
+              <a:rPr lang="es-ES" dirty="0" smtClean="0"/>
+              <a:t>.</a:t>
+            </a:r>
+          </a:p>
+          <a:p>
+            <a:endParaRPr lang="es-ES" dirty="0" smtClean="0"/>
+          </a:p>
+          <a:p>
+            <a:r>
+              <a:rPr lang="es-ES" dirty="0" smtClean="0"/>
+              <a:t>-</a:t>
+            </a:r>
+            <a:r>
+              <a:rPr lang="es-ES" dirty="0" err="1" smtClean="0"/>
+              <a:t>Kolore</a:t>
+            </a:r>
+            <a:r>
+              <a:rPr lang="es-ES" dirty="0" smtClean="0"/>
+              <a:t> eta letra </a:t>
+            </a:r>
+            <a:r>
+              <a:rPr lang="es-ES" dirty="0" err="1" smtClean="0"/>
+              <a:t>argiak</a:t>
+            </a:r>
+            <a:r>
+              <a:rPr lang="es-ES" dirty="0" smtClean="0"/>
+              <a:t>.</a:t>
+            </a:r>
+          </a:p>
+          <a:p>
+            <a:endParaRPr lang="es-ES" dirty="0" smtClean="0"/>
+          </a:p>
+          <a:p>
+            <a:r>
+              <a:rPr lang="es-ES" dirty="0" smtClean="0"/>
+              <a:t>-</a:t>
+            </a:r>
+            <a:r>
+              <a:rPr lang="es-ES" dirty="0" err="1" smtClean="0"/>
+              <a:t>Estruktura</a:t>
+            </a:r>
+            <a:r>
+              <a:rPr lang="es-ES" dirty="0" smtClean="0"/>
+              <a:t> </a:t>
+            </a:r>
+            <a:r>
+              <a:rPr lang="es-ES" dirty="0" err="1" smtClean="0"/>
+              <a:t>estandarrak</a:t>
+            </a:r>
+            <a:r>
+              <a:rPr lang="es-ES" dirty="0" smtClean="0"/>
+              <a:t> </a:t>
+            </a:r>
+            <a:r>
+              <a:rPr lang="es-ES" dirty="0" err="1" smtClean="0"/>
+              <a:t>mantendu</a:t>
+            </a:r>
+            <a:r>
+              <a:rPr lang="es-ES" dirty="0" smtClean="0"/>
+              <a:t>.</a:t>
+            </a:r>
+          </a:p>
+          <a:p>
+            <a:endParaRPr lang="es-ES" dirty="0" smtClean="0"/>
+          </a:p>
+          <a:p>
+            <a:r>
+              <a:rPr lang="es-ES" dirty="0" smtClean="0"/>
+              <a:t>-</a:t>
+            </a:r>
+            <a:r>
+              <a:rPr lang="es-ES" dirty="0" err="1" smtClean="0"/>
+              <a:t>Bizkorra</a:t>
+            </a:r>
+            <a:r>
+              <a:rPr lang="es-ES" dirty="0" smtClean="0"/>
+              <a:t> eta </a:t>
+            </a:r>
+            <a:r>
+              <a:rPr lang="es-ES" dirty="0" err="1" smtClean="0"/>
+              <a:t>intuitiboa</a:t>
+            </a:r>
+            <a:r>
+              <a:rPr lang="es-ES" dirty="0" smtClean="0"/>
+              <a:t>.</a:t>
+            </a:r>
+          </a:p>
+          <a:p>
+            <a:endParaRPr lang="es-ES" dirty="0" smtClean="0"/>
+          </a:p>
+        </p:txBody>
+      </p:sp>
+    </p:spTree>
+    <p:extLst>
+      <p:ext uri="{BB962C8B-B14F-4D97-AF65-F5344CB8AC3E}">
+        <p14:creationId xmlns:p14="http://schemas.microsoft.com/office/powerpoint/2010/main" val="9819636"/>
+      </p:ext>
+    </p:extLst>
+  </p:cSld>
+  <p:clrMapOvr>
+    <a:masterClrMapping/>
+  </p:clrMapOvr>
+</p:sld>
+</file>
+
+<file path=ppt/slides/slide16.xml><?xml version="1.0" encoding="utf-8"?>
+<p:sld xmlns:a="http://schemas.openxmlformats.org/drawingml/2006/main" xmlns:r="http://schemas.openxmlformats.org/officeDocument/2006/relationships" xmlns:p="http://schemas.openxmlformats.org/presentationml/2006/main">
+  <p:cSld>
+    <p:spTree>
+      <p:nvGrpSpPr>
+        <p:cNvPr id="1" name=""/>
+        <p:cNvGrpSpPr/>
+        <p:nvPr/>
+      </p:nvGrpSpPr>
+      <p:grpSpPr>
+        <a:xfrm>
+          <a:off x="0" y="0"/>
+          <a:ext cx="0" cy="0"/>
+          <a:chOff x="0" y="0"/>
+          <a:chExt cx="0" cy="0"/>
+        </a:xfrm>
+      </p:grpSpPr>
+      <p:sp>
+        <p:nvSpPr>
+          <p:cNvPr id="2" name="Titulua 1"/>
+          <p:cNvSpPr>
+            <a:spLocks noGrp="1"/>
+          </p:cNvSpPr>
+          <p:nvPr>
+            <p:ph type="title"/>
+          </p:nvPr>
+        </p:nvSpPr>
+        <p:spPr/>
+        <p:txBody>
+          <a:bodyPr/>
+          <a:lstStyle/>
+          <a:p>
+            <a:pPr algn="ctr"/>
+            <a:r>
+              <a:rPr lang="es-ES" dirty="0" err="1" smtClean="0"/>
+              <a:t>Irisgarritasuna</a:t>
+            </a:r>
+            <a:endParaRPr lang="es-ES" dirty="0"/>
+          </a:p>
+        </p:txBody>
+      </p:sp>
+      <p:pic>
+        <p:nvPicPr>
+          <p:cNvPr id="4" name="Irudia 3"/>
+          <p:cNvPicPr>
+            <a:picLocks noChangeAspect="1"/>
+          </p:cNvPicPr>
+          <p:nvPr/>
+        </p:nvPicPr>
+        <p:blipFill>
+          <a:blip r:embed="rId2"/>
+          <a:stretch>
+            <a:fillRect/>
+          </a:stretch>
+        </p:blipFill>
+        <p:spPr>
+          <a:xfrm>
+            <a:off x="1154953" y="2361979"/>
+            <a:ext cx="2819832" cy="4355158"/>
+          </a:xfrm>
+          <a:prstGeom prst="rect">
+            <a:avLst/>
+          </a:prstGeom>
+        </p:spPr>
+      </p:pic>
+      <p:sp>
+        <p:nvSpPr>
+          <p:cNvPr id="5" name="TestuKoadroa 4"/>
+          <p:cNvSpPr txBox="1"/>
+          <p:nvPr/>
+        </p:nvSpPr>
+        <p:spPr>
+          <a:xfrm>
+            <a:off x="6400800" y="3699164"/>
+            <a:ext cx="3318537" cy="2031325"/>
+          </a:xfrm>
+          <a:prstGeom prst="rect">
+            <a:avLst/>
+          </a:prstGeom>
+          <a:noFill/>
+        </p:spPr>
+        <p:txBody>
+          <a:bodyPr wrap="none" rtlCol="0">
+            <a:spAutoFit/>
+          </a:bodyPr>
+          <a:lstStyle/>
+          <a:p>
+            <a:r>
+              <a:rPr lang="es-ES" dirty="0" smtClean="0"/>
+              <a:t>-</a:t>
+            </a:r>
+            <a:r>
+              <a:rPr lang="es-ES" dirty="0" err="1" smtClean="0"/>
+              <a:t>Estetika</a:t>
+            </a:r>
+            <a:r>
+              <a:rPr lang="es-ES" dirty="0" smtClean="0"/>
+              <a:t> </a:t>
+            </a:r>
+            <a:r>
+              <a:rPr lang="es-ES" dirty="0" err="1" smtClean="0"/>
+              <a:t>Modernoa</a:t>
+            </a:r>
+            <a:r>
+              <a:rPr lang="es-ES" dirty="0" smtClean="0"/>
+              <a:t>.</a:t>
+            </a:r>
+          </a:p>
+          <a:p>
+            <a:endParaRPr lang="es-ES" dirty="0"/>
+          </a:p>
+          <a:p>
+            <a:r>
+              <a:rPr lang="es-ES" dirty="0" smtClean="0"/>
+              <a:t>-</a:t>
+            </a:r>
+            <a:r>
+              <a:rPr lang="es-ES" dirty="0" err="1" smtClean="0"/>
+              <a:t>Kolore</a:t>
+            </a:r>
+            <a:r>
+              <a:rPr lang="es-ES" dirty="0" smtClean="0"/>
+              <a:t> </a:t>
+            </a:r>
+            <a:r>
+              <a:rPr lang="es-ES" dirty="0" err="1" smtClean="0"/>
+              <a:t>garbiak</a:t>
+            </a:r>
+            <a:r>
+              <a:rPr lang="es-ES" dirty="0" smtClean="0"/>
+              <a:t>.</a:t>
+            </a:r>
+          </a:p>
+          <a:p>
+            <a:endParaRPr lang="es-ES" dirty="0"/>
+          </a:p>
+          <a:p>
+            <a:r>
+              <a:rPr lang="es-ES" dirty="0" smtClean="0"/>
+              <a:t>-</a:t>
+            </a:r>
+            <a:r>
+              <a:rPr lang="es-ES" dirty="0" err="1" smtClean="0"/>
+              <a:t>Koloreen</a:t>
+            </a:r>
+            <a:r>
+              <a:rPr lang="es-ES" dirty="0" smtClean="0"/>
+              <a:t> </a:t>
+            </a:r>
+            <a:r>
+              <a:rPr lang="es-ES" dirty="0" err="1" smtClean="0"/>
+              <a:t>kontraste</a:t>
+            </a:r>
+            <a:r>
+              <a:rPr lang="es-ES" dirty="0" smtClean="0"/>
+              <a:t> </a:t>
+            </a:r>
+            <a:r>
+              <a:rPr lang="es-ES" dirty="0" err="1" smtClean="0"/>
+              <a:t>ona</a:t>
+            </a:r>
+            <a:r>
+              <a:rPr lang="es-ES" dirty="0" smtClean="0"/>
+              <a:t>.</a:t>
+            </a:r>
+          </a:p>
+          <a:p>
+            <a:endParaRPr lang="es-ES" dirty="0"/>
+          </a:p>
+          <a:p>
+            <a:r>
+              <a:rPr lang="es-ES" dirty="0" smtClean="0"/>
+              <a:t>-Letra mota </a:t>
+            </a:r>
+            <a:r>
+              <a:rPr lang="es-ES" dirty="0" err="1" smtClean="0"/>
+              <a:t>esaguratxuena</a:t>
+            </a:r>
+            <a:r>
+              <a:rPr lang="es-ES" dirty="0" smtClean="0"/>
+              <a:t>.</a:t>
+            </a:r>
+            <a:endParaRPr lang="es-ES" dirty="0"/>
+          </a:p>
+        </p:txBody>
+      </p:sp>
+    </p:spTree>
+    <p:extLst>
+      <p:ext uri="{BB962C8B-B14F-4D97-AF65-F5344CB8AC3E}">
+        <p14:creationId xmlns:p14="http://schemas.microsoft.com/office/powerpoint/2010/main" val="3578690980"/>
+      </p:ext>
+    </p:extLst>
+  </p:cSld>
+  <p:clrMapOvr>
+    <a:masterClrMapping/>
+  </p:clrMapOvr>
+</p:sld>
+</file>
+
+<file path=ppt/slides/slide2.xml><?xml version="1.0" encoding="utf-8"?>
+<p:sld xmlns:a="http://schemas.openxmlformats.org/drawingml/2006/main" xmlns:r="http://schemas.openxmlformats.org/officeDocument/2006/relationships" xmlns:p="http://schemas.openxmlformats.org/presentationml/2006/main">
+  <p:cSld>
+    <p:spTree>
+      <p:nvGrpSpPr>
+        <p:cNvPr id="1" name=""/>
+        <p:cNvGrpSpPr/>
+        <p:nvPr/>
+      </p:nvGrpSpPr>
+      <p:grpSpPr>
+        <a:xfrm>
+          <a:off x="0" y="0"/>
+          <a:ext cx="0" cy="0"/>
+          <a:chOff x="0" y="0"/>
+          <a:chExt cx="0" cy="0"/>
+        </a:xfrm>
+      </p:grpSpPr>
+      <p:sp>
+        <p:nvSpPr>
+          <p:cNvPr id="2" name="Titulua 1"/>
+          <p:cNvSpPr>
+            <a:spLocks noGrp="1"/>
+          </p:cNvSpPr>
+          <p:nvPr>
+            <p:ph type="title"/>
+          </p:nvPr>
+        </p:nvSpPr>
+        <p:spPr/>
+        <p:txBody>
+          <a:bodyPr/>
+          <a:lstStyle/>
+          <a:p>
+            <a:pPr algn="ctr"/>
+            <a:r>
+              <a:rPr lang="es-ES" dirty="0" err="1" smtClean="0"/>
+              <a:t>Maketazioa</a:t>
+            </a:r>
+            <a:r>
+              <a:rPr lang="es-ES" dirty="0" smtClean="0"/>
+              <a:t>: </a:t>
+            </a:r>
+            <a:r>
+              <a:rPr lang="es-ES" dirty="0" err="1" smtClean="0"/>
+              <a:t>Hasiera</a:t>
+            </a:r>
+            <a:endParaRPr lang="es-ES" dirty="0"/>
+          </a:p>
+        </p:txBody>
+      </p:sp>
+      <p:pic>
+        <p:nvPicPr>
+          <p:cNvPr id="9" name="Irudia 8"/>
+          <p:cNvPicPr>
+            <a:picLocks noChangeAspect="1"/>
+          </p:cNvPicPr>
+          <p:nvPr/>
+        </p:nvPicPr>
+        <p:blipFill>
+          <a:blip r:embed="rId2"/>
+          <a:stretch>
+            <a:fillRect/>
+          </a:stretch>
+        </p:blipFill>
+        <p:spPr>
+          <a:xfrm>
+            <a:off x="1154953" y="2322368"/>
+            <a:ext cx="3430902" cy="4509878"/>
+          </a:xfrm>
+          <a:prstGeom prst="rect">
+            <a:avLst/>
+          </a:prstGeom>
+        </p:spPr>
+      </p:pic>
+      <p:pic>
+        <p:nvPicPr>
+          <p:cNvPr id="10" name="Irudia 9"/>
+          <p:cNvPicPr>
+            <a:picLocks noChangeAspect="1"/>
+          </p:cNvPicPr>
+          <p:nvPr/>
+        </p:nvPicPr>
+        <p:blipFill>
+          <a:blip r:embed="rId3"/>
+          <a:stretch>
+            <a:fillRect/>
+          </a:stretch>
+        </p:blipFill>
+        <p:spPr>
+          <a:xfrm>
+            <a:off x="7722177" y="2261754"/>
+            <a:ext cx="3472296" cy="4499313"/>
+          </a:xfrm>
+          <a:prstGeom prst="rect">
+            <a:avLst/>
+          </a:prstGeom>
+        </p:spPr>
+      </p:pic>
+      <p:cxnSp>
+        <p:nvCxnSpPr>
+          <p:cNvPr id="12" name="Gezidun lotura-marra zuzena 11"/>
+          <p:cNvCxnSpPr/>
+          <p:nvPr/>
+        </p:nvCxnSpPr>
+        <p:spPr>
+          <a:xfrm>
+            <a:off x="3671455" y="3685309"/>
+            <a:ext cx="3796145" cy="55418"/>
+          </a:xfrm>
+          <a:prstGeom prst="straightConnector1">
+            <a:avLst/>
+          </a:prstGeom>
+          <a:ln>
+            <a:solidFill>
+              <a:srgbClr val="FF0000"/>
+            </a:solidFill>
+            <a:tailEnd type="triangle"/>
+          </a:ln>
+        </p:spPr>
+        <p:style>
+          <a:lnRef idx="3">
+            <a:schemeClr val="accent1"/>
+          </a:lnRef>
+          <a:fillRef idx="0">
+            <a:schemeClr val="accent1"/>
+          </a:fillRef>
+          <a:effectRef idx="2">
+            <a:schemeClr val="accent1"/>
+          </a:effectRef>
+          <a:fontRef idx="minor">
+            <a:schemeClr val="tx1"/>
+          </a:fontRef>
+        </p:style>
+      </p:cxnSp>
+    </p:spTree>
+    <p:extLst>
+      <p:ext uri="{BB962C8B-B14F-4D97-AF65-F5344CB8AC3E}">
+        <p14:creationId xmlns:p14="http://schemas.microsoft.com/office/powerpoint/2010/main" val="1501447824"/>
+      </p:ext>
+    </p:extLst>
+  </p:cSld>
+  <p:clrMapOvr>
+    <a:masterClrMapping/>
+  </p:clrMapOvr>
+  <p:timing>
+    <p:tnLst>
+      <p:par>
+        <p:cTn id="1" dur="indefinite" restart="never" nodeType="tmRoot"/>
+      </p:par>
+    </p:tnLst>
+  </p:timing>
+</p:sld>
+</file>
+
+<file path=ppt/slides/slide3.xml><?xml version="1.0" encoding="utf-8"?>
+<p:sld xmlns:a="http://schemas.openxmlformats.org/drawingml/2006/main" xmlns:r="http://schemas.openxmlformats.org/officeDocument/2006/relationships" xmlns:p="http://schemas.openxmlformats.org/presentationml/2006/main">
+  <p:cSld>
+    <p:spTree>
+      <p:nvGrpSpPr>
+        <p:cNvPr id="1" name=""/>
+        <p:cNvGrpSpPr/>
+        <p:nvPr/>
+      </p:nvGrpSpPr>
+      <p:grpSpPr>
+        <a:xfrm>
+          <a:off x="0" y="0"/>
+          <a:ext cx="0" cy="0"/>
+          <a:chOff x="0" y="0"/>
+          <a:chExt cx="0" cy="0"/>
+        </a:xfrm>
+      </p:grpSpPr>
+      <p:sp>
+        <p:nvSpPr>
+          <p:cNvPr id="2" name="Titulua 1"/>
+          <p:cNvSpPr>
+            <a:spLocks noGrp="1"/>
+          </p:cNvSpPr>
+          <p:nvPr>
+            <p:ph type="title"/>
+          </p:nvPr>
+        </p:nvSpPr>
+        <p:spPr/>
+        <p:txBody>
+          <a:bodyPr/>
+          <a:lstStyle/>
+          <a:p>
+            <a:pPr algn="ctr"/>
+            <a:r>
+              <a:rPr lang="es-ES" dirty="0" err="1"/>
+              <a:t>Maketazioa</a:t>
+            </a:r>
+            <a:r>
+              <a:rPr lang="es-ES" dirty="0"/>
+              <a:t>: </a:t>
+            </a:r>
+            <a:r>
+              <a:rPr lang="es-ES" dirty="0" err="1" smtClean="0"/>
+              <a:t>Sailkapena</a:t>
+            </a:r>
+            <a:endParaRPr lang="es-ES" dirty="0"/>
+          </a:p>
+        </p:txBody>
+      </p:sp>
+      <p:pic>
+        <p:nvPicPr>
+          <p:cNvPr id="5" name="Irudia 4"/>
+          <p:cNvPicPr>
+            <a:picLocks noChangeAspect="1"/>
+          </p:cNvPicPr>
+          <p:nvPr/>
+        </p:nvPicPr>
+        <p:blipFill>
+          <a:blip r:embed="rId2"/>
+          <a:stretch>
+            <a:fillRect/>
+          </a:stretch>
+        </p:blipFill>
+        <p:spPr>
+          <a:xfrm>
+            <a:off x="614626" y="2458833"/>
+            <a:ext cx="3147370" cy="4149786"/>
+          </a:xfrm>
+          <a:prstGeom prst="rect">
+            <a:avLst/>
+          </a:prstGeom>
+        </p:spPr>
+      </p:pic>
+      <p:sp>
+        <p:nvSpPr>
+          <p:cNvPr id="6" name="TestuKoadroa 5"/>
+          <p:cNvSpPr txBox="1"/>
+          <p:nvPr/>
+        </p:nvSpPr>
+        <p:spPr>
+          <a:xfrm>
+            <a:off x="4558145" y="3103418"/>
+            <a:ext cx="7402989" cy="646331"/>
+          </a:xfrm>
+          <a:prstGeom prst="rect">
+            <a:avLst/>
+          </a:prstGeom>
+          <a:noFill/>
+        </p:spPr>
+        <p:txBody>
+          <a:bodyPr wrap="none" rtlCol="0">
+            <a:spAutoFit/>
+          </a:bodyPr>
+          <a:lstStyle/>
+          <a:p>
+            <a:r>
+              <a:rPr lang="es-ES" dirty="0" err="1" smtClean="0"/>
+              <a:t>Sailkapenean</a:t>
+            </a:r>
+            <a:r>
+              <a:rPr lang="es-ES" dirty="0" smtClean="0"/>
+              <a:t> </a:t>
+            </a:r>
+            <a:r>
+              <a:rPr lang="es-ES" dirty="0" err="1" smtClean="0"/>
+              <a:t>hasieran</a:t>
+            </a:r>
+            <a:r>
+              <a:rPr lang="es-ES" dirty="0" smtClean="0"/>
+              <a:t> </a:t>
+            </a:r>
+            <a:r>
+              <a:rPr lang="es-ES" dirty="0" err="1" smtClean="0"/>
+              <a:t>zure</a:t>
+            </a:r>
+            <a:r>
+              <a:rPr lang="es-ES" dirty="0" smtClean="0"/>
+              <a:t> </a:t>
+            </a:r>
+            <a:r>
+              <a:rPr lang="es-ES" dirty="0" err="1" smtClean="0"/>
+              <a:t>izena</a:t>
+            </a:r>
+            <a:r>
+              <a:rPr lang="es-ES" dirty="0" smtClean="0"/>
+              <a:t>, </a:t>
+            </a:r>
+            <a:r>
+              <a:rPr lang="es-ES" dirty="0" err="1" smtClean="0"/>
+              <a:t>postua</a:t>
+            </a:r>
+            <a:r>
+              <a:rPr lang="es-ES" dirty="0" smtClean="0"/>
+              <a:t> eta </a:t>
+            </a:r>
+            <a:r>
+              <a:rPr lang="es-ES" dirty="0" err="1" smtClean="0"/>
+              <a:t>puntuak</a:t>
+            </a:r>
+            <a:r>
+              <a:rPr lang="es-ES" dirty="0" smtClean="0"/>
+              <a:t> </a:t>
+            </a:r>
+            <a:r>
+              <a:rPr lang="es-ES" dirty="0" err="1" smtClean="0"/>
+              <a:t>ageri</a:t>
+            </a:r>
+            <a:r>
+              <a:rPr lang="es-ES" dirty="0" smtClean="0"/>
+              <a:t> </a:t>
+            </a:r>
+            <a:r>
+              <a:rPr lang="es-ES" dirty="0" err="1" smtClean="0"/>
+              <a:t>dira</a:t>
+            </a:r>
+            <a:r>
+              <a:rPr lang="es-ES" dirty="0" smtClean="0"/>
+              <a:t>.</a:t>
+            </a:r>
+          </a:p>
+          <a:p>
+            <a:r>
+              <a:rPr lang="es-ES" dirty="0" err="1" smtClean="0"/>
+              <a:t>Azpian</a:t>
+            </a:r>
+            <a:r>
+              <a:rPr lang="es-ES" dirty="0" smtClean="0"/>
+              <a:t> </a:t>
+            </a:r>
+            <a:r>
+              <a:rPr lang="es-ES" dirty="0" err="1" smtClean="0"/>
+              <a:t>besteen</a:t>
+            </a:r>
+            <a:r>
+              <a:rPr lang="es-ES" dirty="0" smtClean="0"/>
+              <a:t> </a:t>
+            </a:r>
+            <a:r>
+              <a:rPr lang="es-ES" dirty="0" err="1" smtClean="0"/>
+              <a:t>izena</a:t>
+            </a:r>
+            <a:r>
+              <a:rPr lang="es-ES" dirty="0" smtClean="0"/>
+              <a:t>, </a:t>
+            </a:r>
+            <a:r>
+              <a:rPr lang="es-ES" dirty="0" err="1" smtClean="0"/>
+              <a:t>postua</a:t>
+            </a:r>
+            <a:r>
+              <a:rPr lang="es-ES" dirty="0" smtClean="0"/>
+              <a:t> eta </a:t>
+            </a:r>
+            <a:r>
+              <a:rPr lang="es-ES" dirty="0" err="1" smtClean="0"/>
+              <a:t>puntuak</a:t>
+            </a:r>
+            <a:r>
+              <a:rPr lang="es-ES" dirty="0" smtClean="0"/>
+              <a:t> </a:t>
+            </a:r>
+            <a:r>
+              <a:rPr lang="es-ES" dirty="0" err="1" smtClean="0"/>
+              <a:t>ageri</a:t>
+            </a:r>
+            <a:r>
+              <a:rPr lang="es-ES" dirty="0" smtClean="0"/>
+              <a:t> </a:t>
+            </a:r>
+            <a:r>
+              <a:rPr lang="es-ES" dirty="0" err="1" smtClean="0"/>
+              <a:t>dira</a:t>
+            </a:r>
+            <a:endParaRPr lang="es-ES" dirty="0"/>
+          </a:p>
+        </p:txBody>
+      </p:sp>
+      <p:sp>
+        <p:nvSpPr>
+          <p:cNvPr id="7" name="TestuKoadroa 6"/>
+          <p:cNvSpPr txBox="1"/>
+          <p:nvPr/>
+        </p:nvSpPr>
+        <p:spPr>
+          <a:xfrm>
+            <a:off x="4558145" y="4630708"/>
+            <a:ext cx="6510115" cy="369332"/>
+          </a:xfrm>
+          <a:prstGeom prst="rect">
+            <a:avLst/>
+          </a:prstGeom>
+          <a:noFill/>
+        </p:spPr>
+        <p:txBody>
+          <a:bodyPr wrap="none" rtlCol="0">
+            <a:spAutoFit/>
+          </a:bodyPr>
+          <a:lstStyle/>
+          <a:p>
+            <a:r>
+              <a:rPr lang="es-ES" dirty="0" err="1" smtClean="0"/>
+              <a:t>Lehenengo</a:t>
+            </a:r>
+            <a:r>
+              <a:rPr lang="es-ES" dirty="0" smtClean="0"/>
+              <a:t> </a:t>
+            </a:r>
+            <a:r>
+              <a:rPr lang="es-ES" dirty="0" err="1" smtClean="0"/>
+              <a:t>hirurak</a:t>
+            </a:r>
+            <a:r>
+              <a:rPr lang="es-ES" dirty="0" smtClean="0"/>
+              <a:t> </a:t>
+            </a:r>
+            <a:r>
+              <a:rPr lang="es-ES" dirty="0" err="1" smtClean="0"/>
+              <a:t>nabarmedurik</a:t>
+            </a:r>
+            <a:r>
+              <a:rPr lang="es-ES" dirty="0" smtClean="0"/>
+              <a:t> </a:t>
+            </a:r>
+            <a:r>
+              <a:rPr lang="es-ES" dirty="0" err="1" smtClean="0"/>
+              <a:t>daude</a:t>
+            </a:r>
+            <a:r>
+              <a:rPr lang="es-ES" dirty="0" smtClean="0"/>
+              <a:t> </a:t>
+            </a:r>
+            <a:r>
+              <a:rPr lang="es-ES" dirty="0" err="1" smtClean="0"/>
+              <a:t>lauki</a:t>
+            </a:r>
+            <a:r>
+              <a:rPr lang="es-ES" dirty="0" smtClean="0"/>
+              <a:t> </a:t>
+            </a:r>
+            <a:r>
+              <a:rPr lang="es-ES" dirty="0" err="1" smtClean="0"/>
+              <a:t>bereziekin</a:t>
+            </a:r>
+            <a:endParaRPr lang="es-ES" dirty="0"/>
+          </a:p>
+        </p:txBody>
+      </p:sp>
+    </p:spTree>
+    <p:extLst>
+      <p:ext uri="{BB962C8B-B14F-4D97-AF65-F5344CB8AC3E}">
+        <p14:creationId xmlns:p14="http://schemas.microsoft.com/office/powerpoint/2010/main" val="2310722997"/>
+      </p:ext>
+    </p:extLst>
+  </p:cSld>
+  <p:clrMapOvr>
+    <a:masterClrMapping/>
+  </p:clrMapOvr>
+</p:sld>
+</file>
+
+<file path=ppt/slides/slide4.xml><?xml version="1.0" encoding="utf-8"?>
+<p:sld xmlns:a="http://schemas.openxmlformats.org/drawingml/2006/main" xmlns:r="http://schemas.openxmlformats.org/officeDocument/2006/relationships" xmlns:p="http://schemas.openxmlformats.org/presentationml/2006/main">
+  <p:cSld>
+    <p:spTree>
+      <p:nvGrpSpPr>
+        <p:cNvPr id="1" name=""/>
+        <p:cNvGrpSpPr/>
+        <p:nvPr/>
+      </p:nvGrpSpPr>
+      <p:grpSpPr>
+        <a:xfrm>
+          <a:off x="0" y="0"/>
+          <a:ext cx="0" cy="0"/>
+          <a:chOff x="0" y="0"/>
+          <a:chExt cx="0" cy="0"/>
+        </a:xfrm>
+      </p:grpSpPr>
+      <p:sp>
+        <p:nvSpPr>
+          <p:cNvPr id="2" name="Titulua 1"/>
+          <p:cNvSpPr>
+            <a:spLocks noGrp="1"/>
+          </p:cNvSpPr>
+          <p:nvPr>
+            <p:ph type="title"/>
+          </p:nvPr>
+        </p:nvSpPr>
+        <p:spPr/>
+        <p:txBody>
+          <a:bodyPr/>
+          <a:lstStyle/>
+          <a:p>
+            <a:pPr algn="ctr"/>
+            <a:r>
+              <a:rPr lang="es-ES" dirty="0" err="1"/>
+              <a:t>Maketazioa</a:t>
+            </a:r>
+            <a:r>
+              <a:rPr lang="es-ES" dirty="0"/>
+              <a:t>: </a:t>
+            </a:r>
+            <a:r>
+              <a:rPr lang="es-ES" dirty="0" err="1" smtClean="0"/>
+              <a:t>Taldeak</a:t>
+            </a:r>
+            <a:endParaRPr lang="es-ES" dirty="0"/>
+          </a:p>
+        </p:txBody>
+      </p:sp>
+      <p:pic>
+        <p:nvPicPr>
+          <p:cNvPr id="4" name="Irudia 3"/>
+          <p:cNvPicPr>
+            <a:picLocks noChangeAspect="1"/>
+          </p:cNvPicPr>
+          <p:nvPr/>
+        </p:nvPicPr>
+        <p:blipFill>
+          <a:blip r:embed="rId2"/>
+          <a:stretch>
+            <a:fillRect/>
+          </a:stretch>
+        </p:blipFill>
+        <p:spPr>
+          <a:xfrm>
+            <a:off x="1154953" y="2518930"/>
+            <a:ext cx="2847975" cy="3676650"/>
+          </a:xfrm>
+          <a:prstGeom prst="rect">
+            <a:avLst/>
+          </a:prstGeom>
+        </p:spPr>
+      </p:pic>
+      <p:pic>
+        <p:nvPicPr>
+          <p:cNvPr id="6" name="Irudia 5"/>
+          <p:cNvPicPr>
+            <a:picLocks noChangeAspect="1"/>
+          </p:cNvPicPr>
+          <p:nvPr/>
+        </p:nvPicPr>
+        <p:blipFill>
+          <a:blip r:embed="rId3"/>
+          <a:stretch>
+            <a:fillRect/>
+          </a:stretch>
+        </p:blipFill>
+        <p:spPr>
+          <a:xfrm>
+            <a:off x="7136823" y="2480830"/>
+            <a:ext cx="2933700" cy="3714750"/>
+          </a:xfrm>
+          <a:prstGeom prst="rect">
+            <a:avLst/>
+          </a:prstGeom>
+        </p:spPr>
+      </p:pic>
+      <p:cxnSp>
+        <p:nvCxnSpPr>
+          <p:cNvPr id="8" name="Gezidun lotura-marra zuzena 7"/>
+          <p:cNvCxnSpPr/>
+          <p:nvPr/>
+        </p:nvCxnSpPr>
+        <p:spPr>
+          <a:xfrm>
+            <a:off x="2978727" y="3643745"/>
+            <a:ext cx="3657600" cy="138546"/>
+          </a:xfrm>
+          <a:prstGeom prst="straightConnector1">
+            <a:avLst/>
+          </a:prstGeom>
+          <a:ln>
+            <a:solidFill>
+              <a:srgbClr val="FF0000"/>
+            </a:solidFill>
+            <a:tailEnd type="triangle"/>
+          </a:ln>
+        </p:spPr>
+        <p:style>
+          <a:lnRef idx="3">
+            <a:schemeClr val="accent1"/>
+          </a:lnRef>
+          <a:fillRef idx="0">
+            <a:schemeClr val="accent1"/>
+          </a:fillRef>
+          <a:effectRef idx="2">
+            <a:schemeClr val="accent1"/>
+          </a:effectRef>
+          <a:fontRef idx="minor">
+            <a:schemeClr val="tx1"/>
+          </a:fontRef>
+        </p:style>
+      </p:cxnSp>
+      <p:cxnSp>
+        <p:nvCxnSpPr>
+          <p:cNvPr id="9" name="Gezidun lotura-marra zuzena 8"/>
+          <p:cNvCxnSpPr/>
+          <p:nvPr/>
+        </p:nvCxnSpPr>
+        <p:spPr>
+          <a:xfrm>
+            <a:off x="2978727" y="4199659"/>
+            <a:ext cx="3657600" cy="138546"/>
+          </a:xfrm>
+          <a:prstGeom prst="straightConnector1">
+            <a:avLst/>
+          </a:prstGeom>
+          <a:ln>
+            <a:solidFill>
+              <a:srgbClr val="FF0000"/>
+            </a:solidFill>
+            <a:tailEnd type="triangle"/>
+          </a:ln>
+        </p:spPr>
+        <p:style>
+          <a:lnRef idx="3">
+            <a:schemeClr val="accent1"/>
+          </a:lnRef>
+          <a:fillRef idx="0">
+            <a:schemeClr val="accent1"/>
+          </a:fillRef>
+          <a:effectRef idx="2">
+            <a:schemeClr val="accent1"/>
+          </a:effectRef>
+          <a:fontRef idx="minor">
+            <a:schemeClr val="tx1"/>
+          </a:fontRef>
+        </p:style>
+      </p:cxnSp>
+      <p:cxnSp>
+        <p:nvCxnSpPr>
+          <p:cNvPr id="10" name="Gezidun lotura-marra zuzena 9"/>
+          <p:cNvCxnSpPr/>
+          <p:nvPr/>
+        </p:nvCxnSpPr>
+        <p:spPr>
+          <a:xfrm>
+            <a:off x="2978727" y="4830906"/>
+            <a:ext cx="3657600" cy="138546"/>
+          </a:xfrm>
+          <a:prstGeom prst="straightConnector1">
+            <a:avLst/>
+          </a:prstGeom>
+          <a:ln>
+            <a:solidFill>
+              <a:srgbClr val="FF0000"/>
+            </a:solidFill>
+            <a:tailEnd type="triangle"/>
+          </a:ln>
+        </p:spPr>
+        <p:style>
+          <a:lnRef idx="3">
+            <a:schemeClr val="accent1"/>
+          </a:lnRef>
+          <a:fillRef idx="0">
+            <a:schemeClr val="accent1"/>
+          </a:fillRef>
+          <a:effectRef idx="2">
+            <a:schemeClr val="accent1"/>
+          </a:effectRef>
+          <a:fontRef idx="minor">
+            <a:schemeClr val="tx1"/>
+          </a:fontRef>
+        </p:style>
+      </p:cxnSp>
+    </p:spTree>
+    <p:extLst>
+      <p:ext uri="{BB962C8B-B14F-4D97-AF65-F5344CB8AC3E}">
+        <p14:creationId xmlns:p14="http://schemas.microsoft.com/office/powerpoint/2010/main" val="3642360296"/>
+      </p:ext>
+    </p:extLst>
+  </p:cSld>
+  <p:clrMapOvr>
+    <a:masterClrMapping/>
+  </p:clrMapOvr>
+</p:sld>
+</file>
+
+<file path=ppt/slides/slide5.xml><?xml version="1.0" encoding="utf-8"?>
+<p:sld xmlns:a="http://schemas.openxmlformats.org/drawingml/2006/main" xmlns:r="http://schemas.openxmlformats.org/officeDocument/2006/relationships" xmlns:p="http://schemas.openxmlformats.org/presentationml/2006/main">
+  <p:cSld>
+    <p:spTree>
+      <p:nvGrpSpPr>
+        <p:cNvPr id="1" name=""/>
+        <p:cNvGrpSpPr/>
+        <p:nvPr/>
+      </p:nvGrpSpPr>
+      <p:grpSpPr>
+        <a:xfrm>
+          <a:off x="0" y="0"/>
+          <a:ext cx="0" cy="0"/>
+          <a:chOff x="0" y="0"/>
+          <a:chExt cx="0" cy="0"/>
+        </a:xfrm>
+      </p:grpSpPr>
+      <p:sp>
+        <p:nvSpPr>
+          <p:cNvPr id="2" name="Titulua 1"/>
+          <p:cNvSpPr>
+            <a:spLocks noGrp="1"/>
+          </p:cNvSpPr>
+          <p:nvPr>
+            <p:ph type="title"/>
+          </p:nvPr>
+        </p:nvSpPr>
+        <p:spPr/>
+        <p:txBody>
+          <a:bodyPr/>
+          <a:lstStyle/>
+          <a:p>
+            <a:pPr algn="ctr"/>
+            <a:r>
+              <a:rPr lang="es-ES" dirty="0" err="1"/>
+              <a:t>Maketazioa</a:t>
+            </a:r>
+            <a:r>
+              <a:rPr lang="es-ES" dirty="0"/>
+              <a:t>: </a:t>
+            </a:r>
+            <a:r>
+              <a:rPr lang="es-ES" dirty="0" err="1" smtClean="0"/>
+              <a:t>Partidak</a:t>
+            </a:r>
+            <a:endParaRPr lang="es-ES" dirty="0"/>
+          </a:p>
+        </p:txBody>
+      </p:sp>
+      <p:pic>
+        <p:nvPicPr>
+          <p:cNvPr id="4" name="Irudia 3"/>
+          <p:cNvPicPr>
+            <a:picLocks noChangeAspect="1"/>
+          </p:cNvPicPr>
+          <p:nvPr/>
+        </p:nvPicPr>
+        <p:blipFill>
+          <a:blip r:embed="rId2"/>
+          <a:stretch>
+            <a:fillRect/>
+          </a:stretch>
+        </p:blipFill>
+        <p:spPr>
+          <a:xfrm>
+            <a:off x="835168" y="2323086"/>
+            <a:ext cx="3225203" cy="4160842"/>
+          </a:xfrm>
+          <a:prstGeom prst="rect">
+            <a:avLst/>
+          </a:prstGeom>
+        </p:spPr>
+      </p:pic>
+      <p:sp>
+        <p:nvSpPr>
+          <p:cNvPr id="5" name="TestuKoadroa 4"/>
+          <p:cNvSpPr txBox="1"/>
+          <p:nvPr/>
+        </p:nvSpPr>
+        <p:spPr>
+          <a:xfrm>
+            <a:off x="5043055" y="4034175"/>
+            <a:ext cx="6452407" cy="369332"/>
+          </a:xfrm>
+          <a:prstGeom prst="rect">
+            <a:avLst/>
+          </a:prstGeom>
+          <a:noFill/>
+        </p:spPr>
+        <p:txBody>
+          <a:bodyPr wrap="none" rtlCol="0">
+            <a:spAutoFit/>
+          </a:bodyPr>
+          <a:lstStyle/>
+          <a:p>
+            <a:r>
+              <a:rPr lang="es-ES" dirty="0" err="1" smtClean="0"/>
+              <a:t>Bertan</a:t>
+            </a:r>
+            <a:r>
+              <a:rPr lang="es-ES" dirty="0" smtClean="0"/>
+              <a:t> </a:t>
+            </a:r>
+            <a:r>
+              <a:rPr lang="es-ES" dirty="0" err="1" smtClean="0"/>
+              <a:t>egindako</a:t>
+            </a:r>
+            <a:r>
+              <a:rPr lang="es-ES" dirty="0" smtClean="0"/>
+              <a:t> </a:t>
+            </a:r>
+            <a:r>
+              <a:rPr lang="es-ES" dirty="0" err="1" smtClean="0"/>
+              <a:t>partidak</a:t>
+            </a:r>
+            <a:r>
+              <a:rPr lang="es-ES" dirty="0" smtClean="0"/>
+              <a:t> </a:t>
+            </a:r>
+            <a:r>
+              <a:rPr lang="es-ES" dirty="0" err="1" smtClean="0"/>
+              <a:t>ageri</a:t>
+            </a:r>
+            <a:r>
+              <a:rPr lang="es-ES" dirty="0" smtClean="0"/>
+              <a:t> </a:t>
+            </a:r>
+            <a:r>
+              <a:rPr lang="es-ES" dirty="0" err="1" smtClean="0"/>
+              <a:t>dira</a:t>
+            </a:r>
+            <a:r>
+              <a:rPr lang="es-ES" dirty="0" smtClean="0"/>
+              <a:t>, </a:t>
+            </a:r>
+            <a:r>
+              <a:rPr lang="es-ES" dirty="0" err="1" smtClean="0"/>
+              <a:t>dagokion</a:t>
+            </a:r>
+            <a:r>
+              <a:rPr lang="es-ES" dirty="0" smtClean="0"/>
+              <a:t> </a:t>
+            </a:r>
+            <a:r>
+              <a:rPr lang="es-ES" dirty="0" err="1" smtClean="0"/>
+              <a:t>datuekin</a:t>
+            </a:r>
+            <a:endParaRPr lang="es-ES" dirty="0" smtClean="0"/>
+          </a:p>
+        </p:txBody>
+      </p:sp>
+    </p:spTree>
+    <p:extLst>
+      <p:ext uri="{BB962C8B-B14F-4D97-AF65-F5344CB8AC3E}">
+        <p14:creationId xmlns:p14="http://schemas.microsoft.com/office/powerpoint/2010/main" val="1716932192"/>
+      </p:ext>
+    </p:extLst>
+  </p:cSld>
+  <p:clrMapOvr>
+    <a:masterClrMapping/>
+  </p:clrMapOvr>
+</p:sld>
+</file>
+
+<file path=ppt/slides/slide6.xml><?xml version="1.0" encoding="utf-8"?>
+<p:sld xmlns:a="http://schemas.openxmlformats.org/drawingml/2006/main" xmlns:r="http://schemas.openxmlformats.org/officeDocument/2006/relationships" xmlns:p="http://schemas.openxmlformats.org/presentationml/2006/main">
+  <p:cSld>
+    <p:spTree>
+      <p:nvGrpSpPr>
+        <p:cNvPr id="1" name=""/>
+        <p:cNvGrpSpPr/>
+        <p:nvPr/>
+      </p:nvGrpSpPr>
+      <p:grpSpPr>
+        <a:xfrm>
+          <a:off x="0" y="0"/>
+          <a:ext cx="0" cy="0"/>
+          <a:chOff x="0" y="0"/>
+          <a:chExt cx="0" cy="0"/>
+        </a:xfrm>
+      </p:grpSpPr>
+      <p:sp>
+        <p:nvSpPr>
+          <p:cNvPr id="2" name="Titulua 1"/>
+          <p:cNvSpPr>
+            <a:spLocks noGrp="1"/>
+          </p:cNvSpPr>
+          <p:nvPr>
+            <p:ph type="title"/>
+          </p:nvPr>
+        </p:nvSpPr>
+        <p:spPr/>
+        <p:txBody>
+          <a:bodyPr/>
+          <a:lstStyle/>
+          <a:p>
+            <a:endParaRPr lang="es-ES"/>
+          </a:p>
+        </p:txBody>
+      </p:sp>
+      <p:pic>
+        <p:nvPicPr>
+          <p:cNvPr id="4" name="Irudia 3"/>
+          <p:cNvPicPr>
+            <a:picLocks noChangeAspect="1"/>
+          </p:cNvPicPr>
+          <p:nvPr/>
+        </p:nvPicPr>
+        <p:blipFill>
+          <a:blip r:embed="rId2"/>
+          <a:stretch>
+            <a:fillRect/>
+          </a:stretch>
+        </p:blipFill>
+        <p:spPr>
+          <a:xfrm>
+            <a:off x="2089871" y="2365663"/>
+            <a:ext cx="3271838" cy="4232873"/>
+          </a:xfrm>
+          <a:prstGeom prst="rect">
+            <a:avLst/>
+          </a:prstGeom>
+        </p:spPr>
+      </p:pic>
+      <p:sp>
+        <p:nvSpPr>
+          <p:cNvPr id="5" name="TestuKoadroa 4"/>
+          <p:cNvSpPr txBox="1"/>
+          <p:nvPr/>
+        </p:nvSpPr>
+        <p:spPr>
+          <a:xfrm>
+            <a:off x="6220691" y="3685308"/>
+            <a:ext cx="2029723" cy="369332"/>
+          </a:xfrm>
+          <a:prstGeom prst="rect">
+            <a:avLst/>
+          </a:prstGeom>
+          <a:noFill/>
+        </p:spPr>
+        <p:txBody>
+          <a:bodyPr wrap="none" rtlCol="0">
+            <a:spAutoFit/>
+          </a:bodyPr>
+          <a:lstStyle/>
+          <a:p>
+            <a:r>
+              <a:rPr lang="es-ES" dirty="0" err="1" smtClean="0"/>
+              <a:t>Argazkia</a:t>
+            </a:r>
+            <a:r>
+              <a:rPr lang="es-ES" dirty="0" smtClean="0"/>
+              <a:t> </a:t>
+            </a:r>
+            <a:r>
+              <a:rPr lang="es-ES" dirty="0" err="1" smtClean="0"/>
+              <a:t>editatu</a:t>
+            </a:r>
+            <a:endParaRPr lang="es-ES" dirty="0"/>
+          </a:p>
+        </p:txBody>
+      </p:sp>
+      <p:sp>
+        <p:nvSpPr>
+          <p:cNvPr id="6" name="TestuKoadroa 5"/>
+          <p:cNvSpPr txBox="1"/>
+          <p:nvPr/>
+        </p:nvSpPr>
+        <p:spPr>
+          <a:xfrm>
+            <a:off x="6441905" y="4627419"/>
+            <a:ext cx="1587294" cy="369332"/>
+          </a:xfrm>
+          <a:prstGeom prst="rect">
+            <a:avLst/>
+          </a:prstGeom>
+          <a:noFill/>
+        </p:spPr>
+        <p:txBody>
+          <a:bodyPr wrap="none" rtlCol="0">
+            <a:spAutoFit/>
+          </a:bodyPr>
+          <a:lstStyle/>
+          <a:p>
+            <a:r>
+              <a:rPr lang="es-ES" dirty="0" err="1" smtClean="0"/>
+              <a:t>Izena</a:t>
+            </a:r>
+            <a:r>
+              <a:rPr lang="es-ES" dirty="0" smtClean="0"/>
+              <a:t> </a:t>
+            </a:r>
+            <a:r>
+              <a:rPr lang="es-ES" dirty="0" err="1" smtClean="0"/>
+              <a:t>aldatu</a:t>
+            </a:r>
+            <a:endParaRPr lang="es-ES" dirty="0"/>
+          </a:p>
+        </p:txBody>
+      </p:sp>
+      <p:cxnSp>
+        <p:nvCxnSpPr>
+          <p:cNvPr id="11" name="Gezidun lotura-marra zuzena 10"/>
+          <p:cNvCxnSpPr>
+            <a:endCxn id="6" idx="1"/>
+          </p:cNvCxnSpPr>
+          <p:nvPr/>
+        </p:nvCxnSpPr>
+        <p:spPr>
+          <a:xfrm flipV="1">
+            <a:off x="4682836" y="4812085"/>
+            <a:ext cx="1759069" cy="184666"/>
+          </a:xfrm>
+          <a:prstGeom prst="straightConnector1">
+            <a:avLst/>
+          </a:prstGeom>
+          <a:ln>
+            <a:solidFill>
+              <a:srgbClr val="FF0000"/>
+            </a:solidFill>
+            <a:tailEnd type="triangle"/>
+          </a:ln>
+        </p:spPr>
+        <p:style>
+          <a:lnRef idx="3">
+            <a:schemeClr val="accent1"/>
+          </a:lnRef>
+          <a:fillRef idx="0">
+            <a:schemeClr val="accent1"/>
+          </a:fillRef>
+          <a:effectRef idx="2">
+            <a:schemeClr val="accent1"/>
+          </a:effectRef>
+          <a:fontRef idx="minor">
+            <a:schemeClr val="tx1"/>
+          </a:fontRef>
+        </p:style>
+      </p:cxnSp>
+      <p:cxnSp>
+        <p:nvCxnSpPr>
+          <p:cNvPr id="12" name="Gezidun lotura-marra zuzena 11"/>
+          <p:cNvCxnSpPr>
+            <a:endCxn id="5" idx="1"/>
+          </p:cNvCxnSpPr>
+          <p:nvPr/>
+        </p:nvCxnSpPr>
+        <p:spPr>
+          <a:xfrm flipV="1">
+            <a:off x="4682836" y="3869974"/>
+            <a:ext cx="1537855" cy="253756"/>
+          </a:xfrm>
+          <a:prstGeom prst="straightConnector1">
+            <a:avLst/>
+          </a:prstGeom>
+          <a:ln>
+            <a:solidFill>
+              <a:srgbClr val="FF0000"/>
+            </a:solidFill>
+            <a:tailEnd type="triangle"/>
+          </a:ln>
+        </p:spPr>
+        <p:style>
+          <a:lnRef idx="3">
+            <a:schemeClr val="accent1"/>
+          </a:lnRef>
+          <a:fillRef idx="0">
+            <a:schemeClr val="accent1"/>
+          </a:fillRef>
+          <a:effectRef idx="2">
+            <a:schemeClr val="accent1"/>
+          </a:effectRef>
+          <a:fontRef idx="minor">
+            <a:schemeClr val="tx1"/>
+          </a:fontRef>
+        </p:style>
+      </p:cxnSp>
+    </p:spTree>
+    <p:extLst>
+      <p:ext uri="{BB962C8B-B14F-4D97-AF65-F5344CB8AC3E}">
+        <p14:creationId xmlns:p14="http://schemas.microsoft.com/office/powerpoint/2010/main" val="3387187737"/>
+      </p:ext>
+    </p:extLst>
+  </p:cSld>
+  <p:clrMapOvr>
+    <a:masterClrMapping/>
+  </p:clrMapOvr>
+</p:sld>
+</file>
+
+<file path=ppt/slides/slide7.xml><?xml version="1.0" encoding="utf-8"?>
+<p:sld xmlns:a="http://schemas.openxmlformats.org/drawingml/2006/main" xmlns:r="http://schemas.openxmlformats.org/officeDocument/2006/relationships" xmlns:p="http://schemas.openxmlformats.org/presentationml/2006/main">
+  <p:cSld>
+    <p:spTree>
+      <p:nvGrpSpPr>
+        <p:cNvPr id="1" name=""/>
+        <p:cNvGrpSpPr/>
+        <p:nvPr/>
+      </p:nvGrpSpPr>
+      <p:grpSpPr>
+        <a:xfrm>
+          <a:off x="0" y="0"/>
+          <a:ext cx="0" cy="0"/>
+          <a:chOff x="0" y="0"/>
+          <a:chExt cx="0" cy="0"/>
+        </a:xfrm>
+      </p:grpSpPr>
+      <p:sp>
+        <p:nvSpPr>
+          <p:cNvPr id="2" name="Titulua 1"/>
+          <p:cNvSpPr>
+            <a:spLocks noGrp="1"/>
+          </p:cNvSpPr>
+          <p:nvPr>
+            <p:ph type="title"/>
+          </p:nvPr>
+        </p:nvSpPr>
+        <p:spPr/>
+        <p:txBody>
+          <a:bodyPr/>
+          <a:lstStyle/>
+          <a:p>
+            <a:pPr algn="ctr"/>
+            <a:r>
+              <a:rPr lang="es-ES" dirty="0" err="1" smtClean="0"/>
+              <a:t>Garapena</a:t>
+            </a:r>
+            <a:endParaRPr lang="es-ES" dirty="0"/>
+          </a:p>
+        </p:txBody>
+      </p:sp>
+      <p:sp>
+        <p:nvSpPr>
+          <p:cNvPr id="4" name="TestuKoadroa 3"/>
+          <p:cNvSpPr txBox="1"/>
+          <p:nvPr/>
+        </p:nvSpPr>
+        <p:spPr>
+          <a:xfrm>
+            <a:off x="6680998" y="2567623"/>
+            <a:ext cx="4779818" cy="923330"/>
+          </a:xfrm>
+          <a:prstGeom prst="rect">
+            <a:avLst/>
+          </a:prstGeom>
+          <a:noFill/>
+        </p:spPr>
+        <p:txBody>
+          <a:bodyPr wrap="square" rtlCol="0">
+            <a:spAutoFit/>
+          </a:bodyPr>
+          <a:lstStyle/>
+          <a:p>
+            <a:r>
+              <a:rPr lang="es-ES" dirty="0" err="1" smtClean="0"/>
+              <a:t>Aplikazioaren</a:t>
+            </a:r>
+            <a:r>
+              <a:rPr lang="es-ES" dirty="0" smtClean="0"/>
+              <a:t> </a:t>
+            </a:r>
+            <a:r>
+              <a:rPr lang="es-ES" dirty="0" err="1" smtClean="0"/>
+              <a:t>estetika</a:t>
+            </a:r>
+            <a:r>
+              <a:rPr lang="es-ES" dirty="0" smtClean="0"/>
+              <a:t> </a:t>
+            </a:r>
+            <a:r>
+              <a:rPr lang="es-ES" dirty="0" err="1" smtClean="0"/>
+              <a:t>modan</a:t>
+            </a:r>
+            <a:r>
+              <a:rPr lang="es-ES" dirty="0" smtClean="0"/>
+              <a:t> </a:t>
+            </a:r>
+            <a:r>
+              <a:rPr lang="es-ES" dirty="0" err="1" smtClean="0"/>
+              <a:t>dagoen</a:t>
+            </a:r>
+            <a:r>
+              <a:rPr lang="es-ES" dirty="0" smtClean="0"/>
+              <a:t> </a:t>
+            </a:r>
+            <a:r>
+              <a:rPr lang="es-ES" dirty="0" err="1" smtClean="0"/>
+              <a:t>beste</a:t>
+            </a:r>
+            <a:r>
+              <a:rPr lang="es-ES" dirty="0" smtClean="0"/>
+              <a:t> </a:t>
+            </a:r>
+            <a:r>
+              <a:rPr lang="es-ES" dirty="0" err="1" smtClean="0"/>
+              <a:t>aplikazioetan</a:t>
+            </a:r>
+            <a:r>
+              <a:rPr lang="es-ES" dirty="0" smtClean="0"/>
+              <a:t> </a:t>
+            </a:r>
+            <a:r>
+              <a:rPr lang="es-ES" dirty="0" err="1" smtClean="0"/>
+              <a:t>inspiratuz</a:t>
+            </a:r>
+            <a:r>
+              <a:rPr lang="es-ES" dirty="0" smtClean="0"/>
+              <a:t> </a:t>
+            </a:r>
+            <a:r>
+              <a:rPr lang="es-ES" dirty="0" err="1" smtClean="0"/>
+              <a:t>egin</a:t>
+            </a:r>
+            <a:r>
+              <a:rPr lang="es-ES" dirty="0" smtClean="0"/>
+              <a:t> </a:t>
+            </a:r>
+            <a:r>
+              <a:rPr lang="es-ES" dirty="0" err="1" smtClean="0"/>
+              <a:t>genuen</a:t>
+            </a:r>
+            <a:r>
+              <a:rPr lang="es-ES" dirty="0" smtClean="0"/>
+              <a:t>.</a:t>
+            </a:r>
+            <a:endParaRPr lang="es-ES" dirty="0"/>
+          </a:p>
+        </p:txBody>
+      </p:sp>
+      <p:pic>
+        <p:nvPicPr>
+          <p:cNvPr id="5" name="Irudia 4"/>
+          <p:cNvPicPr>
+            <a:picLocks noChangeAspect="1"/>
+          </p:cNvPicPr>
+          <p:nvPr/>
+        </p:nvPicPr>
+        <p:blipFill>
+          <a:blip r:embed="rId2"/>
+          <a:stretch>
+            <a:fillRect/>
+          </a:stretch>
+        </p:blipFill>
+        <p:spPr>
+          <a:xfrm>
+            <a:off x="6928041" y="4100946"/>
+            <a:ext cx="4285732" cy="1981200"/>
+          </a:xfrm>
+          <a:prstGeom prst="rect">
+            <a:avLst/>
+          </a:prstGeom>
+        </p:spPr>
+      </p:pic>
+      <p:pic>
+        <p:nvPicPr>
+          <p:cNvPr id="9" name="Irudia 8"/>
+          <p:cNvPicPr>
+            <a:picLocks noChangeAspect="1"/>
+          </p:cNvPicPr>
+          <p:nvPr/>
+        </p:nvPicPr>
+        <p:blipFill>
+          <a:blip r:embed="rId3"/>
+          <a:stretch>
+            <a:fillRect/>
+          </a:stretch>
+        </p:blipFill>
+        <p:spPr>
+          <a:xfrm>
+            <a:off x="915699" y="2823936"/>
+            <a:ext cx="1853254" cy="3653368"/>
+          </a:xfrm>
+          <a:prstGeom prst="rect">
+            <a:avLst/>
+          </a:prstGeom>
+        </p:spPr>
+      </p:pic>
+      <p:pic>
+        <p:nvPicPr>
+          <p:cNvPr id="10" name="Irudia 9"/>
+          <p:cNvPicPr>
+            <a:picLocks noChangeAspect="1"/>
+          </p:cNvPicPr>
+          <p:nvPr/>
+        </p:nvPicPr>
+        <p:blipFill>
+          <a:blip r:embed="rId4"/>
+          <a:stretch>
+            <a:fillRect/>
+          </a:stretch>
+        </p:blipFill>
+        <p:spPr>
+          <a:xfrm>
+            <a:off x="4085357" y="2823936"/>
+            <a:ext cx="1780187" cy="3653368"/>
+          </a:xfrm>
+          <a:prstGeom prst="rect">
+            <a:avLst/>
+          </a:prstGeom>
+        </p:spPr>
+      </p:pic>
+    </p:spTree>
+    <p:extLst>
+      <p:ext uri="{BB962C8B-B14F-4D97-AF65-F5344CB8AC3E}">
+        <p14:creationId xmlns:p14="http://schemas.microsoft.com/office/powerpoint/2010/main" val="685269588"/>
+      </p:ext>
+    </p:extLst>
+  </p:cSld>
+  <p:clrMapOvr>
+    <a:masterClrMapping/>
+  </p:clrMapOvr>
+  <p:timing>
+    <p:tnLst>
+      <p:par>
+        <p:cTn id="1" dur="indefinite" restart="never" nodeType="tmRoot"/>
+      </p:par>
+    </p:tnLst>
+  </p:timing>
+</p:sld>
+</file>
+
+<file path=ppt/slides/slide8.xml><?xml version="1.0" encoding="utf-8"?>
+<p:sld xmlns:a="http://schemas.openxmlformats.org/drawingml/2006/main" xmlns:r="http://schemas.openxmlformats.org/officeDocument/2006/relationships" xmlns:p="http://schemas.openxmlformats.org/presentationml/2006/main">
+  <p:cSld>
+    <p:spTree>
+      <p:nvGrpSpPr>
+        <p:cNvPr id="1" name=""/>
+        <p:cNvGrpSpPr/>
+        <p:nvPr/>
+      </p:nvGrpSpPr>
+      <p:grpSpPr>
+        <a:xfrm>
+          <a:off x="0" y="0"/>
+          <a:ext cx="0" cy="0"/>
+          <a:chOff x="0" y="0"/>
+          <a:chExt cx="0" cy="0"/>
+        </a:xfrm>
+      </p:grpSpPr>
+      <p:sp>
+        <p:nvSpPr>
+          <p:cNvPr id="2" name="Titulua 1"/>
+          <p:cNvSpPr>
+            <a:spLocks noGrp="1"/>
+          </p:cNvSpPr>
+          <p:nvPr>
+            <p:ph type="title"/>
+          </p:nvPr>
+        </p:nvSpPr>
+        <p:spPr/>
+        <p:txBody>
+          <a:bodyPr/>
+          <a:lstStyle/>
+          <a:p>
+            <a:pPr algn="ctr"/>
+            <a:r>
+              <a:rPr lang="es-ES" dirty="0" err="1" smtClean="0"/>
+              <a:t>Hasiera</a:t>
+            </a:r>
+            <a:endParaRPr lang="es-ES" dirty="0"/>
+          </a:p>
+        </p:txBody>
+      </p:sp>
+      <p:sp>
+        <p:nvSpPr>
+          <p:cNvPr id="5" name="TestuKoadroa 4"/>
+          <p:cNvSpPr txBox="1"/>
+          <p:nvPr/>
+        </p:nvSpPr>
+        <p:spPr>
+          <a:xfrm>
+            <a:off x="5801566" y="3519052"/>
+            <a:ext cx="4114800" cy="2031325"/>
+          </a:xfrm>
+          <a:prstGeom prst="rect">
+            <a:avLst/>
+          </a:prstGeom>
+          <a:noFill/>
+        </p:spPr>
+        <p:txBody>
+          <a:bodyPr wrap="square" rtlCol="0">
+            <a:spAutoFit/>
+          </a:bodyPr>
+          <a:lstStyle/>
+          <a:p>
+            <a:pPr marL="285750" indent="-285750">
+              <a:buFont typeface="Arial" panose="020B0604020202020204" pitchFamily="34" charset="0"/>
+              <a:buChar char="•"/>
+            </a:pPr>
+            <a:r>
+              <a:rPr lang="es-ES" dirty="0" err="1" smtClean="0"/>
+              <a:t>Jokatu</a:t>
+            </a:r>
+            <a:r>
+              <a:rPr lang="es-ES" dirty="0" smtClean="0"/>
+              <a:t>, </a:t>
+            </a:r>
+            <a:r>
+              <a:rPr lang="es-ES" dirty="0" err="1" smtClean="0"/>
+              <a:t>logeatu</a:t>
+            </a:r>
+            <a:r>
+              <a:rPr lang="es-ES" dirty="0" smtClean="0"/>
+              <a:t> eta </a:t>
+            </a:r>
+            <a:r>
+              <a:rPr lang="es-ES" dirty="0" err="1" smtClean="0"/>
+              <a:t>erregistratu</a:t>
+            </a:r>
+            <a:r>
+              <a:rPr lang="es-ES" dirty="0"/>
+              <a:t>  </a:t>
+            </a:r>
+            <a:r>
+              <a:rPr lang="es-ES" dirty="0" smtClean="0"/>
+              <a:t>  </a:t>
+            </a:r>
+            <a:r>
+              <a:rPr lang="es-ES" dirty="0" err="1" smtClean="0"/>
+              <a:t>aukera</a:t>
+            </a:r>
+            <a:r>
+              <a:rPr lang="es-ES" dirty="0" smtClean="0"/>
+              <a:t> </a:t>
+            </a:r>
+            <a:r>
+              <a:rPr lang="es-ES" dirty="0" err="1" smtClean="0"/>
+              <a:t>nagusiak</a:t>
+            </a:r>
+            <a:r>
+              <a:rPr lang="es-ES" dirty="0" smtClean="0"/>
+              <a:t>.</a:t>
+            </a:r>
+          </a:p>
+          <a:p>
+            <a:endParaRPr lang="es-ES" dirty="0" smtClean="0"/>
+          </a:p>
+          <a:p>
+            <a:pPr marL="285750" indent="-285750">
+              <a:buFont typeface="Arial" panose="020B0604020202020204" pitchFamily="34" charset="0"/>
+              <a:buChar char="•"/>
+            </a:pPr>
+            <a:r>
+              <a:rPr lang="es-ES" dirty="0" err="1" smtClean="0"/>
+              <a:t>Kolore</a:t>
+            </a:r>
+            <a:r>
+              <a:rPr lang="es-ES" dirty="0" smtClean="0"/>
+              <a:t> </a:t>
+            </a:r>
+            <a:r>
+              <a:rPr lang="es-ES" dirty="0" err="1" smtClean="0"/>
+              <a:t>ilun</a:t>
+            </a:r>
+            <a:r>
+              <a:rPr lang="es-ES" dirty="0" smtClean="0"/>
+              <a:t> eta </a:t>
+            </a:r>
+            <a:r>
+              <a:rPr lang="es-ES" dirty="0" err="1" smtClean="0"/>
+              <a:t>argien</a:t>
+            </a:r>
+            <a:r>
+              <a:rPr lang="es-ES" dirty="0" smtClean="0"/>
+              <a:t> </a:t>
+            </a:r>
+            <a:r>
+              <a:rPr lang="es-ES" dirty="0" err="1" smtClean="0"/>
+              <a:t>kontraste</a:t>
+            </a:r>
+            <a:r>
+              <a:rPr lang="es-ES" dirty="0" smtClean="0"/>
+              <a:t> </a:t>
+            </a:r>
+            <a:r>
+              <a:rPr lang="es-ES" dirty="0" err="1" smtClean="0"/>
+              <a:t>aberatsa</a:t>
+            </a:r>
+            <a:r>
+              <a:rPr lang="es-ES" dirty="0" smtClean="0"/>
+              <a:t>.</a:t>
+            </a:r>
+          </a:p>
+          <a:p>
+            <a:endParaRPr lang="es-ES" dirty="0" smtClean="0"/>
+          </a:p>
+          <a:p>
+            <a:pPr marL="285750" indent="-285750">
+              <a:buFont typeface="Arial" panose="020B0604020202020204" pitchFamily="34" charset="0"/>
+              <a:buChar char="•"/>
+            </a:pPr>
+            <a:r>
+              <a:rPr lang="es-ES" dirty="0" err="1" smtClean="0"/>
+              <a:t>Estetika</a:t>
+            </a:r>
+            <a:r>
+              <a:rPr lang="es-ES" dirty="0" smtClean="0"/>
+              <a:t> </a:t>
+            </a:r>
+            <a:r>
+              <a:rPr lang="es-ES" dirty="0" err="1" smtClean="0"/>
+              <a:t>modernoa</a:t>
+            </a:r>
+            <a:r>
+              <a:rPr lang="es-ES" dirty="0" smtClean="0"/>
+              <a:t>.</a:t>
+            </a:r>
+            <a:endParaRPr lang="es-ES" dirty="0"/>
+          </a:p>
+        </p:txBody>
+      </p:sp>
+      <p:pic>
+        <p:nvPicPr>
+          <p:cNvPr id="3" name="Irudia 2"/>
+          <p:cNvPicPr>
+            <a:picLocks noChangeAspect="1"/>
+          </p:cNvPicPr>
+          <p:nvPr/>
+        </p:nvPicPr>
+        <p:blipFill>
+          <a:blip r:embed="rId2"/>
+          <a:stretch>
+            <a:fillRect/>
+          </a:stretch>
+        </p:blipFill>
+        <p:spPr>
+          <a:xfrm>
+            <a:off x="1154953" y="2182957"/>
+            <a:ext cx="2860952" cy="4328680"/>
+          </a:xfrm>
+          <a:prstGeom prst="rect">
+            <a:avLst/>
+          </a:prstGeom>
+        </p:spPr>
+      </p:pic>
+    </p:spTree>
+    <p:extLst>
+      <p:ext uri="{BB962C8B-B14F-4D97-AF65-F5344CB8AC3E}">
+        <p14:creationId xmlns:p14="http://schemas.microsoft.com/office/powerpoint/2010/main" val="781497685"/>
+      </p:ext>
+    </p:extLst>
+  </p:cSld>
+  <p:clrMapOvr>
+    <a:masterClrMapping/>
+  </p:clrMapOvr>
+  <p:timing>
+    <p:tnLst>
+      <p:par>
+        <p:cTn id="1" dur="indefinite" restart="never" nodeType="tmRoot"/>
+      </p:par>
+    </p:tnLst>
+  </p:timing>
+</p:sld>
+</file>
+
+<file path=ppt/slides/slide9.xml><?xml version="1.0" encoding="utf-8"?>
+<p:sld xmlns:a="http://schemas.openxmlformats.org/drawingml/2006/main" xmlns:r="http://schemas.openxmlformats.org/officeDocument/2006/relationships" xmlns:p="http://schemas.openxmlformats.org/presentationml/2006/main">
+  <p:cSld>
+    <p:spTree>
+      <p:nvGrpSpPr>
+        <p:cNvPr id="1" name=""/>
+        <p:cNvGrpSpPr/>
+        <p:nvPr/>
+      </p:nvGrpSpPr>
+      <p:grpSpPr>
+        <a:xfrm>
+          <a:off x="0" y="0"/>
+          <a:ext cx="0" cy="0"/>
+          <a:chOff x="0" y="0"/>
+          <a:chExt cx="0" cy="0"/>
+        </a:xfrm>
+      </p:grpSpPr>
+      <p:sp>
+        <p:nvSpPr>
+          <p:cNvPr id="2" name="Titulua 1"/>
+          <p:cNvSpPr>
+            <a:spLocks noGrp="1"/>
+          </p:cNvSpPr>
+          <p:nvPr>
+            <p:ph type="title"/>
+          </p:nvPr>
+        </p:nvSpPr>
+        <p:spPr/>
+        <p:txBody>
+          <a:bodyPr/>
+          <a:lstStyle/>
+          <a:p>
+            <a:pPr algn="ctr"/>
+            <a:r>
+              <a:rPr lang="es-ES" dirty="0" err="1" smtClean="0"/>
+              <a:t>Sailkapena</a:t>
+            </a:r>
+            <a:endParaRPr lang="es-ES" dirty="0"/>
+          </a:p>
+        </p:txBody>
+      </p:sp>
+      <p:sp>
+        <p:nvSpPr>
+          <p:cNvPr id="8" name="TestuKoadroa 7"/>
+          <p:cNvSpPr txBox="1"/>
+          <p:nvPr/>
+        </p:nvSpPr>
+        <p:spPr>
+          <a:xfrm>
+            <a:off x="6819900" y="3619500"/>
+            <a:ext cx="3924300" cy="2308324"/>
+          </a:xfrm>
+          <a:prstGeom prst="rect">
+            <a:avLst/>
+          </a:prstGeom>
+          <a:noFill/>
+        </p:spPr>
+        <p:txBody>
+          <a:bodyPr wrap="square" rtlCol="0">
+            <a:spAutoFit/>
+          </a:bodyPr>
+          <a:lstStyle/>
+          <a:p>
+            <a:pPr marL="285750" indent="-285750">
+              <a:buFont typeface="Arial" panose="020B0604020202020204" pitchFamily="34" charset="0"/>
+              <a:buChar char="•"/>
+            </a:pPr>
+            <a:r>
+              <a:rPr lang="es-ES" dirty="0" err="1" smtClean="0"/>
+              <a:t>Erabiltzaileen</a:t>
+            </a:r>
+            <a:r>
+              <a:rPr lang="es-ES" dirty="0" smtClean="0"/>
+              <a:t> lista </a:t>
+            </a:r>
+            <a:r>
+              <a:rPr lang="es-ES" dirty="0" err="1" smtClean="0"/>
+              <a:t>bakoitzak</a:t>
+            </a:r>
+            <a:r>
+              <a:rPr lang="es-ES" dirty="0" smtClean="0"/>
+              <a:t> </a:t>
+            </a:r>
+            <a:r>
+              <a:rPr lang="es-ES" dirty="0" err="1" smtClean="0"/>
+              <a:t>bere</a:t>
+            </a:r>
+            <a:r>
+              <a:rPr lang="es-ES" dirty="0" smtClean="0"/>
+              <a:t> </a:t>
+            </a:r>
+            <a:r>
+              <a:rPr lang="es-ES" dirty="0" err="1" smtClean="0"/>
+              <a:t>puntuekin</a:t>
+            </a:r>
+            <a:endParaRPr lang="es-ES" dirty="0" smtClean="0"/>
+          </a:p>
+          <a:p>
+            <a:endParaRPr lang="es-ES" dirty="0" smtClean="0"/>
+          </a:p>
+          <a:p>
+            <a:pPr marL="285750" indent="-285750">
+              <a:buFont typeface="Arial" panose="020B0604020202020204" pitchFamily="34" charset="0"/>
+              <a:buChar char="•"/>
+            </a:pPr>
+            <a:r>
+              <a:rPr lang="es-ES" dirty="0" err="1" smtClean="0"/>
+              <a:t>Puntuen</a:t>
+            </a:r>
+            <a:r>
+              <a:rPr lang="es-ES" dirty="0" smtClean="0"/>
+              <a:t> </a:t>
+            </a:r>
+            <a:r>
+              <a:rPr lang="es-ES" dirty="0" err="1" smtClean="0"/>
+              <a:t>arabera</a:t>
+            </a:r>
+            <a:r>
+              <a:rPr lang="es-ES" dirty="0" smtClean="0"/>
+              <a:t> </a:t>
+            </a:r>
+            <a:r>
+              <a:rPr lang="es-ES" dirty="0" err="1" smtClean="0"/>
+              <a:t>sailkatuta</a:t>
+            </a:r>
+            <a:endParaRPr lang="es-ES" dirty="0" smtClean="0"/>
+          </a:p>
+          <a:p>
+            <a:endParaRPr lang="es-ES" dirty="0" smtClean="0"/>
+          </a:p>
+          <a:p>
+            <a:pPr marL="285750" indent="-285750">
+              <a:buFont typeface="Arial" panose="020B0604020202020204" pitchFamily="34" charset="0"/>
+              <a:buChar char="•"/>
+            </a:pPr>
+            <a:r>
+              <a:rPr lang="es-ES" dirty="0" err="1" smtClean="0"/>
+              <a:t>Lehenengo</a:t>
+            </a:r>
+            <a:r>
+              <a:rPr lang="es-ES" dirty="0" smtClean="0"/>
+              <a:t>, </a:t>
+            </a:r>
+            <a:r>
+              <a:rPr lang="es-ES" dirty="0" err="1" smtClean="0"/>
+              <a:t>bigarren</a:t>
+            </a:r>
+            <a:r>
+              <a:rPr lang="es-ES" dirty="0" smtClean="0"/>
+              <a:t> eta </a:t>
+            </a:r>
+            <a:r>
+              <a:rPr lang="es-ES" dirty="0" err="1" smtClean="0"/>
+              <a:t>hirugarren</a:t>
+            </a:r>
+            <a:r>
+              <a:rPr lang="es-ES" dirty="0" smtClean="0"/>
+              <a:t> </a:t>
+            </a:r>
+            <a:r>
+              <a:rPr lang="es-ES" dirty="0" err="1" smtClean="0"/>
+              <a:t>postuak</a:t>
+            </a:r>
+            <a:r>
+              <a:rPr lang="es-ES" dirty="0" smtClean="0"/>
+              <a:t> </a:t>
+            </a:r>
+            <a:r>
+              <a:rPr lang="es-ES" dirty="0" err="1" smtClean="0"/>
+              <a:t>nabarmenduta</a:t>
+            </a:r>
+            <a:endParaRPr lang="es-ES" dirty="0"/>
+          </a:p>
+        </p:txBody>
+      </p:sp>
+      <p:pic>
+        <p:nvPicPr>
+          <p:cNvPr id="4" name="Irudia 3"/>
+          <p:cNvPicPr>
+            <a:picLocks noChangeAspect="1"/>
+          </p:cNvPicPr>
+          <p:nvPr/>
+        </p:nvPicPr>
+        <p:blipFill>
+          <a:blip r:embed="rId2"/>
+          <a:stretch>
+            <a:fillRect/>
+          </a:stretch>
+        </p:blipFill>
+        <p:spPr>
+          <a:xfrm>
+            <a:off x="1154953" y="2269547"/>
+            <a:ext cx="2815936" cy="4328753"/>
+          </a:xfrm>
+          <a:prstGeom prst="rect">
+            <a:avLst/>
+          </a:prstGeom>
+        </p:spPr>
+      </p:pic>
+    </p:spTree>
+    <p:extLst>
+      <p:ext uri="{BB962C8B-B14F-4D97-AF65-F5344CB8AC3E}">
+        <p14:creationId xmlns:p14="http://schemas.microsoft.com/office/powerpoint/2010/main" val="859863336"/>
       </p:ext>
     </p:extLst>
   </p:cSld>

--- a/Brain Pain powerpoint.pptx
+++ b/Brain Pain powerpoint.pptx
@@ -21,6 +21,7 @@
     <p:sldId id="266" r:id="rId15"/>
     <p:sldId id="272" r:id="rId16"/>
     <p:sldId id="273" r:id="rId17"/>
+    <p:sldId id="274" r:id="rId18"/>
   </p:sldIdLst>
   <p:sldSz cx="12192000" cy="6858000"/>
   <p:notesSz cx="6858000" cy="9144000"/>
@@ -773,7 +774,7 @@
           <a:p>
             <a:fld id="{762CEC22-7E63-4875-B7E5-EFE6F76FF188}" type="datetimeFigureOut">
               <a:rPr lang="es-ES" smtClean="0"/>
-              <a:t>29/01/2020</a:t>
+              <a:t>31/01/2020</a:t>
             </a:fld>
             <a:endParaRPr lang="es-ES"/>
           </a:p>
@@ -1893,7 +1894,7 @@
           <a:p>
             <a:fld id="{762CEC22-7E63-4875-B7E5-EFE6F76FF188}" type="datetimeFigureOut">
               <a:rPr lang="es-ES" smtClean="0"/>
-              <a:t>29/01/2020</a:t>
+              <a:t>31/01/2020</a:t>
             </a:fld>
             <a:endParaRPr lang="es-ES"/>
           </a:p>
@@ -2904,7 +2905,7 @@
           <a:p>
             <a:fld id="{762CEC22-7E63-4875-B7E5-EFE6F76FF188}" type="datetimeFigureOut">
               <a:rPr lang="es-ES" smtClean="0"/>
-              <a:t>29/01/2020</a:t>
+              <a:t>31/01/2020</a:t>
             </a:fld>
             <a:endParaRPr lang="es-ES"/>
           </a:p>
@@ -4074,7 +4075,7 @@
           <a:p>
             <a:fld id="{762CEC22-7E63-4875-B7E5-EFE6F76FF188}" type="datetimeFigureOut">
               <a:rPr lang="es-ES" smtClean="0"/>
-              <a:t>29/01/2020</a:t>
+              <a:t>31/01/2020</a:t>
             </a:fld>
             <a:endParaRPr lang="es-ES"/>
           </a:p>
@@ -5135,7 +5136,7 @@
           <a:p>
             <a:fld id="{762CEC22-7E63-4875-B7E5-EFE6F76FF188}" type="datetimeFigureOut">
               <a:rPr lang="es-ES" smtClean="0"/>
-              <a:t>29/01/2020</a:t>
+              <a:t>31/01/2020</a:t>
             </a:fld>
             <a:endParaRPr lang="es-ES"/>
           </a:p>
@@ -5781,7 +5782,7 @@
           <a:p>
             <a:fld id="{762CEC22-7E63-4875-B7E5-EFE6F76FF188}" type="datetimeFigureOut">
               <a:rPr lang="es-ES" smtClean="0"/>
-              <a:t>29/01/2020</a:t>
+              <a:t>31/01/2020</a:t>
             </a:fld>
             <a:endParaRPr lang="es-ES"/>
           </a:p>
@@ -6628,7 +6629,7 @@
           <a:p>
             <a:fld id="{762CEC22-7E63-4875-B7E5-EFE6F76FF188}" type="datetimeFigureOut">
               <a:rPr lang="es-ES" smtClean="0"/>
-              <a:t>29/01/2020</a:t>
+              <a:t>31/01/2020</a:t>
             </a:fld>
             <a:endParaRPr lang="es-ES"/>
           </a:p>
@@ -6803,7 +6804,7 @@
           <a:p>
             <a:fld id="{762CEC22-7E63-4875-B7E5-EFE6F76FF188}" type="datetimeFigureOut">
               <a:rPr lang="es-ES" smtClean="0"/>
-              <a:t>29/01/2020</a:t>
+              <a:t>31/01/2020</a:t>
             </a:fld>
             <a:endParaRPr lang="es-ES"/>
           </a:p>
@@ -7801,7 +7802,7 @@
           <a:p>
             <a:fld id="{762CEC22-7E63-4875-B7E5-EFE6F76FF188}" type="datetimeFigureOut">
               <a:rPr lang="es-ES" smtClean="0"/>
-              <a:t>29/01/2020</a:t>
+              <a:t>31/01/2020</a:t>
             </a:fld>
             <a:endParaRPr lang="es-ES"/>
           </a:p>
@@ -8007,7 +8008,7 @@
           <a:p>
             <a:fld id="{762CEC22-7E63-4875-B7E5-EFE6F76FF188}" type="datetimeFigureOut">
               <a:rPr lang="es-ES" smtClean="0"/>
-              <a:t>29/01/2020</a:t>
+              <a:t>31/01/2020</a:t>
             </a:fld>
             <a:endParaRPr lang="es-ES"/>
           </a:p>
@@ -9069,7 +9070,7 @@
           <a:p>
             <a:fld id="{762CEC22-7E63-4875-B7E5-EFE6F76FF188}" type="datetimeFigureOut">
               <a:rPr lang="es-ES" smtClean="0"/>
-              <a:t>29/01/2020</a:t>
+              <a:t>31/01/2020</a:t>
             </a:fld>
             <a:endParaRPr lang="es-ES"/>
           </a:p>
@@ -9341,7 +9342,7 @@
           <a:p>
             <a:fld id="{762CEC22-7E63-4875-B7E5-EFE6F76FF188}" type="datetimeFigureOut">
               <a:rPr lang="es-ES" smtClean="0"/>
-              <a:t>29/01/2020</a:t>
+              <a:t>31/01/2020</a:t>
             </a:fld>
             <a:endParaRPr lang="es-ES"/>
           </a:p>
@@ -9723,7 +9724,7 @@
           <a:p>
             <a:fld id="{762CEC22-7E63-4875-B7E5-EFE6F76FF188}" type="datetimeFigureOut">
               <a:rPr lang="es-ES" smtClean="0"/>
-              <a:t>29/01/2020</a:t>
+              <a:t>31/01/2020</a:t>
             </a:fld>
             <a:endParaRPr lang="es-ES"/>
           </a:p>
@@ -9841,7 +9842,7 @@
           <a:p>
             <a:fld id="{762CEC22-7E63-4875-B7E5-EFE6F76FF188}" type="datetimeFigureOut">
               <a:rPr lang="es-ES" smtClean="0"/>
-              <a:t>29/01/2020</a:t>
+              <a:t>31/01/2020</a:t>
             </a:fld>
             <a:endParaRPr lang="es-ES"/>
           </a:p>
@@ -9936,7 +9937,7 @@
           <a:p>
             <a:fld id="{762CEC22-7E63-4875-B7E5-EFE6F76FF188}" type="datetimeFigureOut">
               <a:rPr lang="es-ES" smtClean="0"/>
-              <a:t>29/01/2020</a:t>
+              <a:t>31/01/2020</a:t>
             </a:fld>
             <a:endParaRPr lang="es-ES"/>
           </a:p>
@@ -11045,7 +11046,7 @@
           <a:p>
             <a:fld id="{762CEC22-7E63-4875-B7E5-EFE6F76FF188}" type="datetimeFigureOut">
               <a:rPr lang="es-ES" smtClean="0"/>
-              <a:t>29/01/2020</a:t>
+              <a:t>31/01/2020</a:t>
             </a:fld>
             <a:endParaRPr lang="es-ES"/>
           </a:p>
@@ -12178,7 +12179,7 @@
           <a:p>
             <a:fld id="{762CEC22-7E63-4875-B7E5-EFE6F76FF188}" type="datetimeFigureOut">
               <a:rPr lang="es-ES" smtClean="0"/>
-              <a:t>29/01/2020</a:t>
+              <a:t>31/01/2020</a:t>
             </a:fld>
             <a:endParaRPr lang="es-ES"/>
           </a:p>
@@ -13206,7 +13207,7 @@
           <a:p>
             <a:fld id="{762CEC22-7E63-4875-B7E5-EFE6F76FF188}" type="datetimeFigureOut">
               <a:rPr lang="es-ES" smtClean="0"/>
-              <a:t>29/01/2020</a:t>
+              <a:t>31/01/2020</a:t>
             </a:fld>
             <a:endParaRPr lang="es-ES"/>
           </a:p>
@@ -13947,7 +13948,7 @@
         </p:blipFill>
         <p:spPr>
           <a:xfrm>
-            <a:off x="4757586" y="5397683"/>
+            <a:off x="5824386" y="4966854"/>
             <a:ext cx="1511111" cy="1460317"/>
           </a:xfrm>
           <a:prstGeom prst="rect">
@@ -14047,7 +14048,7 @@
             </a:r>
             <a:r>
               <a:rPr lang="es-ES" dirty="0" err="1" smtClean="0"/>
-              <a:t>postua</a:t>
+              <a:t>postuak</a:t>
             </a:r>
             <a:r>
               <a:rPr lang="es-ES" dirty="0" smtClean="0"/>
@@ -14055,7 +14056,7 @@
             </a:r>
             <a:r>
               <a:rPr lang="es-ES" dirty="0" err="1" smtClean="0"/>
-              <a:t>obeto</a:t>
+              <a:t>hobeto</a:t>
             </a:r>
             <a:r>
               <a:rPr lang="es-ES" dirty="0" smtClean="0"/>
@@ -14137,7 +14138,7 @@
         </p:nvSpPr>
         <p:spPr>
           <a:xfrm>
-            <a:off x="7647709" y="5397683"/>
+            <a:off x="7647709" y="4779731"/>
             <a:ext cx="3643746" cy="923330"/>
           </a:xfrm>
           <a:prstGeom prst="rect">
@@ -14153,15 +14154,11 @@
           <a:p>
             <a:r>
               <a:rPr lang="es-ES" dirty="0" err="1" smtClean="0"/>
-              <a:t>Baita</a:t>
-            </a:r>
-            <a:r>
-              <a:rPr lang="es-ES" dirty="0" smtClean="0"/>
-              <a:t> ere </a:t>
+              <a:t>Puntue</a:t>
             </a:r>
             <a:r>
               <a:rPr lang="es-ES" dirty="0" err="1" smtClean="0"/>
-              <a:t>puntuen</a:t>
+              <a:t>n</a:t>
             </a:r>
             <a:r>
               <a:rPr lang="es-ES" dirty="0" smtClean="0"/>
@@ -14209,7 +14206,7 @@
             </a:r>
             <a:r>
               <a:rPr lang="es-ES" dirty="0" err="1" smtClean="0"/>
-              <a:t>obeto</a:t>
+              <a:t>hobeto</a:t>
             </a:r>
             <a:r>
               <a:rPr lang="es-ES" dirty="0" smtClean="0"/>
@@ -14302,7 +14299,7 @@
         <p:spPr>
           <a:xfrm>
             <a:off x="6470073" y="3292058"/>
-            <a:ext cx="3643745" cy="2308324"/>
+            <a:ext cx="3643745" cy="1754326"/>
           </a:xfrm>
           <a:prstGeom prst="rect">
             <a:avLst/>
@@ -14321,7 +14318,23 @@
             </a:pPr>
             <a:r>
               <a:rPr lang="es-ES" dirty="0" err="1" smtClean="0"/>
-              <a:t>Modako</a:t>
+              <a:t>Argazkia</a:t>
+            </a:r>
+            <a:r>
+              <a:rPr lang="es-ES" dirty="0" smtClean="0"/>
+              <a:t>, </a:t>
+            </a:r>
+            <a:r>
+              <a:rPr lang="es-ES" dirty="0" err="1" smtClean="0"/>
+              <a:t>izena</a:t>
+            </a:r>
+            <a:r>
+              <a:rPr lang="es-ES" dirty="0" smtClean="0"/>
+              <a:t> eta </a:t>
+            </a:r>
+            <a:r>
+              <a:rPr lang="es-ES" dirty="0" err="1" smtClean="0"/>
+              <a:t>emaila</a:t>
             </a:r>
             <a:r>
               <a:rPr lang="es-ES" dirty="0" smtClean="0"/>
@@ -14329,23 +14342,7 @@
             </a:r>
             <a:r>
               <a:rPr lang="es-ES" dirty="0" err="1" smtClean="0"/>
-              <a:t>profil</a:t>
-            </a:r>
-            <a:r>
-              <a:rPr lang="es-ES" dirty="0" smtClean="0"/>
-              <a:t> </a:t>
-            </a:r>
-            <a:r>
-              <a:rPr lang="es-ES" dirty="0" err="1" smtClean="0"/>
-              <a:t>estruktura</a:t>
-            </a:r>
-            <a:r>
-              <a:rPr lang="es-ES" dirty="0" smtClean="0"/>
-              <a:t> </a:t>
-            </a:r>
-            <a:r>
-              <a:rPr lang="es-ES" dirty="0" err="1" smtClean="0"/>
-              <a:t>edukitzea</a:t>
+              <a:t>erakustea</a:t>
             </a:r>
             <a:endParaRPr lang="es-ES" dirty="0" smtClean="0"/>
           </a:p>
@@ -14367,53 +14364,27 @@
             </a:r>
             <a:r>
               <a:rPr lang="es-ES" dirty="0" smtClean="0"/>
-              <a:t>, </a:t>
+              <a:t> </a:t>
             </a:r>
             <a:r>
               <a:rPr lang="es-ES" dirty="0" err="1" smtClean="0"/>
-              <a:t>izena</a:t>
-            </a:r>
-            <a:r>
-              <a:rPr lang="es-ES" dirty="0" smtClean="0"/>
-              <a:t> eta </a:t>
+              <a:t>i</a:t>
             </a:r>
             <a:r>
               <a:rPr lang="es-ES" dirty="0" err="1" smtClean="0"/>
-              <a:t>emaila</a:t>
+              <a:t>gotzeko</a:t>
             </a:r>
             <a:r>
               <a:rPr lang="es-ES" dirty="0" smtClean="0"/>
               <a:t> </a:t>
             </a:r>
             <a:r>
+              <a:rPr lang="es-ES" dirty="0" smtClean="0"/>
+              <a:t>eta </a:t>
+            </a:r>
+            <a:r>
               <a:rPr lang="es-ES" dirty="0" err="1" smtClean="0"/>
-              <a:t>edukitea</a:t>
-            </a:r>
-            <a:endParaRPr lang="es-ES" dirty="0" smtClean="0"/>
-          </a:p>
-          <a:p>
-            <a:pPr marL="285750" indent="-285750">
-              <a:buFont typeface="Arial" panose="020B0604020202020204" pitchFamily="34" charset="0"/>
-              <a:buChar char="•"/>
-            </a:pPr>
-            <a:endParaRPr lang="es-ES" dirty="0"/>
-          </a:p>
-          <a:p>
-            <a:pPr marL="285750" indent="-285750">
-              <a:buFont typeface="Arial" panose="020B0604020202020204" pitchFamily="34" charset="0"/>
-              <a:buChar char="•"/>
-            </a:pPr>
-            <a:r>
-              <a:rPr lang="es-ES" dirty="0" err="1" smtClean="0"/>
-              <a:t>Igotzeko</a:t>
-            </a:r>
-            <a:r>
-              <a:rPr lang="es-ES" dirty="0" smtClean="0"/>
-              <a:t> eta </a:t>
-            </a:r>
-            <a:r>
-              <a:rPr lang="es-ES" dirty="0" err="1" smtClean="0"/>
-              <a:t>editattzeko</a:t>
+              <a:t>informazioa</a:t>
             </a:r>
             <a:r>
               <a:rPr lang="es-ES" dirty="0" smtClean="0"/>
@@ -14421,7 +14392,7 @@
             </a:r>
             <a:r>
               <a:rPr lang="es-ES" dirty="0" err="1" smtClean="0"/>
-              <a:t>aukerak</a:t>
+              <a:t>editatzeko</a:t>
             </a:r>
             <a:r>
               <a:rPr lang="es-ES" dirty="0" smtClean="0"/>
@@ -14429,7 +14400,7 @@
             </a:r>
             <a:r>
               <a:rPr lang="es-ES" dirty="0" err="1" smtClean="0"/>
-              <a:t>izatea</a:t>
+              <a:t>aukerak</a:t>
             </a:r>
             <a:r>
               <a:rPr lang="es-ES" dirty="0" smtClean="0"/>
@@ -14546,7 +14517,7 @@
         <p:spPr>
           <a:xfrm>
             <a:off x="6386946" y="3753830"/>
-            <a:ext cx="4391891" cy="1477328"/>
+            <a:ext cx="4391891" cy="1754326"/>
           </a:xfrm>
           <a:prstGeom prst="rect">
             <a:avLst/>
@@ -14577,16 +14548,9 @@
             </a:r>
             <a:r>
               <a:rPr lang="es-ES" dirty="0" smtClean="0"/>
-              <a:t> </a:t>
-            </a:r>
-            <a:r>
-              <a:rPr lang="es-ES" dirty="0" err="1" smtClean="0"/>
-              <a:t>edukitzea</a:t>
-            </a:r>
-            <a:r>
-              <a:rPr lang="es-ES" dirty="0" smtClean="0"/>
               <a:t>.</a:t>
             </a:r>
+            <a:endParaRPr lang="es-ES" dirty="0" smtClean="0"/>
           </a:p>
           <a:p>
             <a:pPr marL="285750" indent="-285750">
@@ -14622,16 +14586,9 @@
             </a:r>
             <a:r>
               <a:rPr lang="es-ES" dirty="0" smtClean="0"/>
-              <a:t> </a:t>
-            </a:r>
-            <a:r>
-              <a:rPr lang="es-ES" dirty="0" err="1" smtClean="0"/>
-              <a:t>izatea</a:t>
-            </a:r>
-            <a:r>
-              <a:rPr lang="es-ES" dirty="0" smtClean="0"/>
               <a:t>.</a:t>
             </a:r>
+            <a:endParaRPr lang="es-ES" dirty="0" smtClean="0"/>
           </a:p>
           <a:p>
             <a:pPr marL="285750" indent="-285750">
@@ -14647,7 +14604,7 @@
             </a:pPr>
             <a:r>
               <a:rPr lang="es-ES" dirty="0" err="1" smtClean="0"/>
-              <a:t>Atzera</a:t>
+              <a:t>Atzerako</a:t>
             </a:r>
             <a:r>
               <a:rPr lang="es-ES" dirty="0" smtClean="0"/>
@@ -14655,7 +14612,7 @@
             </a:r>
             <a:r>
               <a:rPr lang="es-ES" dirty="0" err="1" smtClean="0"/>
-              <a:t>kontu</a:t>
+              <a:t>kontaketa</a:t>
             </a:r>
             <a:r>
               <a:rPr lang="es-ES" dirty="0" smtClean="0"/>
@@ -14667,11 +14624,19 @@
             </a:r>
             <a:r>
               <a:rPr lang="es-ES" dirty="0" smtClean="0"/>
+              <a:t> partida </a:t>
+            </a:r>
+            <a:r>
+              <a:rPr lang="es-ES" dirty="0" err="1" smtClean="0"/>
+              <a:t>hasi</a:t>
+            </a:r>
+            <a:r>
+              <a:rPr lang="es-ES" dirty="0" smtClean="0"/>
               <a:t> </a:t>
             </a:r>
             <a:r>
               <a:rPr lang="es-ES" dirty="0" err="1" smtClean="0"/>
-              <a:t>edukitzea</a:t>
+              <a:t>aurretik</a:t>
             </a:r>
             <a:r>
               <a:rPr lang="es-ES" dirty="0" smtClean="0"/>
@@ -14788,38 +14753,8 @@
         </p:blipFill>
         <p:spPr>
           <a:xfrm>
-            <a:off x="2915390" y="4498889"/>
-            <a:ext cx="1573484" cy="2001908"/>
-          </a:xfrm>
-          <a:prstGeom prst="rect">
-            <a:avLst/>
-          </a:prstGeom>
-        </p:spPr>
-      </p:pic>
-      <p:pic>
-        <p:nvPicPr>
-          <p:cNvPr id="5" name="Irudia 4"/>
-          <p:cNvPicPr>
-            <a:picLocks noChangeAspect="1"/>
-          </p:cNvPicPr>
-          <p:nvPr/>
-        </p:nvPicPr>
-        <p:blipFill>
-          <a:blip r:embed="rId3">
-            <a:extLst>
-              <a:ext uri="{28A0092B-C50C-407E-A947-70E740481C1C}">
-                <a14:useLocalDpi xmlns:a14="http://schemas.microsoft.com/office/drawing/2010/main" val="0"/>
-              </a:ext>
-            </a:extLst>
-          </a:blip>
-          <a:stretch>
-            <a:fillRect/>
-          </a:stretch>
-        </p:blipFill>
-        <p:spPr>
-          <a:xfrm>
-            <a:off x="2915390" y="2323746"/>
-            <a:ext cx="1481678" cy="1818129"/>
+            <a:off x="1502226" y="2708096"/>
+            <a:ext cx="2557156" cy="3253412"/>
           </a:xfrm>
           <a:prstGeom prst="rect">
             <a:avLst/>
@@ -14828,13 +14763,13 @@
       </p:pic>
       <p:sp>
         <p:nvSpPr>
-          <p:cNvPr id="9" name="TestuKoadroa 8"/>
+          <p:cNvPr id="10" name="TestuKoadroa 9"/>
           <p:cNvSpPr txBox="1"/>
           <p:nvPr/>
         </p:nvSpPr>
         <p:spPr>
           <a:xfrm>
-            <a:off x="6761017" y="2909644"/>
+            <a:off x="5815420" y="4011636"/>
             <a:ext cx="4100946" cy="646331"/>
           </a:xfrm>
           <a:prstGeom prst="rect">
@@ -14850,7 +14785,7 @@
           <a:p>
             <a:r>
               <a:rPr lang="es-ES" dirty="0" err="1" smtClean="0"/>
-              <a:t>Hasieran</a:t>
+              <a:t>Brain</a:t>
             </a:r>
             <a:r>
               <a:rPr lang="es-ES" dirty="0" smtClean="0"/>
@@ -14858,15 +14793,7 @@
             </a:r>
             <a:r>
               <a:rPr lang="es-ES" dirty="0" err="1" smtClean="0"/>
-              <a:t>honako</a:t>
-            </a:r>
-            <a:r>
-              <a:rPr lang="es-ES" dirty="0" smtClean="0"/>
-              <a:t> logo </a:t>
-            </a:r>
-            <a:r>
-              <a:rPr lang="es-ES" dirty="0" err="1" smtClean="0"/>
-              <a:t>hau</a:t>
+              <a:t>Pain</a:t>
             </a:r>
             <a:r>
               <a:rPr lang="es-ES" dirty="0" smtClean="0"/>
@@ -14874,7 +14801,7 @@
             </a:r>
             <a:r>
               <a:rPr lang="es-ES" dirty="0" err="1" smtClean="0"/>
-              <a:t>diseinatu</a:t>
+              <a:t>izenean</a:t>
             </a:r>
             <a:r>
               <a:rPr lang="es-ES" dirty="0" smtClean="0"/>
@@ -14882,40 +14809,7 @@
             </a:r>
             <a:r>
               <a:rPr lang="es-ES" dirty="0" err="1" smtClean="0"/>
-              <a:t>genuen</a:t>
-            </a:r>
-            <a:r>
-              <a:rPr lang="es-ES" dirty="0"/>
-              <a:t>.</a:t>
-            </a:r>
-          </a:p>
-        </p:txBody>
-      </p:sp>
-      <p:sp>
-        <p:nvSpPr>
-          <p:cNvPr id="10" name="TestuKoadroa 9"/>
-          <p:cNvSpPr txBox="1"/>
-          <p:nvPr/>
-        </p:nvSpPr>
-        <p:spPr>
-          <a:xfrm>
-            <a:off x="6761017" y="5176677"/>
-            <a:ext cx="4100946" cy="923330"/>
-          </a:xfrm>
-          <a:prstGeom prst="rect">
-            <a:avLst/>
-          </a:prstGeom>
-          <a:noFill/>
-        </p:spPr>
-        <p:txBody>
-          <a:bodyPr wrap="square" rtlCol="0">
-            <a:spAutoFit/>
-          </a:bodyPr>
-          <a:lstStyle/>
-          <a:p>
-            <a:r>
-              <a:rPr lang="es-ES" dirty="0" err="1" smtClean="0"/>
-              <a:t>Aurreko</a:t>
+              <a:t>oinarrituz</a:t>
             </a:r>
             <a:r>
               <a:rPr lang="es-ES" dirty="0" smtClean="0"/>
@@ -14923,15 +14817,7 @@
             </a:r>
             <a:r>
               <a:rPr lang="es-ES" dirty="0" err="1" smtClean="0"/>
-              <a:t>logoa</a:t>
-            </a:r>
-            <a:r>
-              <a:rPr lang="es-ES" dirty="0" smtClean="0"/>
-              <a:t> oso </a:t>
-            </a:r>
-            <a:r>
-              <a:rPr lang="es-ES" dirty="0" err="1" smtClean="0"/>
-              <a:t>ondo</a:t>
+              <a:t>sortutako</a:t>
             </a:r>
             <a:r>
               <a:rPr lang="es-ES" dirty="0" smtClean="0"/>
@@ -14939,51 +14825,7 @@
             </a:r>
             <a:r>
               <a:rPr lang="es-ES" dirty="0" err="1" smtClean="0"/>
-              <a:t>gelditzen</a:t>
-            </a:r>
-            <a:r>
-              <a:rPr lang="es-ES" dirty="0" smtClean="0"/>
-              <a:t> </a:t>
-            </a:r>
-            <a:r>
-              <a:rPr lang="es-ES" dirty="0" err="1" smtClean="0"/>
-              <a:t>ez</a:t>
-            </a:r>
-            <a:r>
-              <a:rPr lang="es-ES" dirty="0" smtClean="0"/>
-              <a:t> </a:t>
-            </a:r>
-            <a:r>
-              <a:rPr lang="es-ES" dirty="0" err="1" smtClean="0"/>
-              <a:t>zenez</a:t>
-            </a:r>
-            <a:r>
-              <a:rPr lang="es-ES" dirty="0" smtClean="0"/>
-              <a:t> logo </a:t>
-            </a:r>
-            <a:r>
-              <a:rPr lang="es-ES" dirty="0" err="1" smtClean="0"/>
-              <a:t>berria</a:t>
-            </a:r>
-            <a:r>
-              <a:rPr lang="es-ES" dirty="0" smtClean="0"/>
-              <a:t> </a:t>
-            </a:r>
-            <a:r>
-              <a:rPr lang="es-ES" dirty="0" err="1" smtClean="0"/>
-              <a:t>diseinatu</a:t>
-            </a:r>
-            <a:r>
-              <a:rPr lang="es-ES" dirty="0" smtClean="0"/>
-              <a:t> </a:t>
-            </a:r>
-            <a:r>
-              <a:rPr lang="es-ES" dirty="0" err="1" smtClean="0"/>
-              <a:t>genuen</a:t>
-            </a:r>
-            <a:r>
-              <a:rPr lang="es-ES" dirty="0" smtClean="0"/>
-              <a:t>.</a:t>
+              <a:t>logoa</a:t>
             </a:r>
             <a:endParaRPr lang="es-ES" dirty="0"/>
           </a:p>
@@ -15110,7 +14952,7 @@
         </p:blipFill>
         <p:spPr>
           <a:xfrm>
-            <a:off x="2021313" y="2582710"/>
+            <a:off x="4988784" y="2582709"/>
             <a:ext cx="1481678" cy="1818129"/>
           </a:xfrm>
           <a:prstGeom prst="rect">
@@ -15140,7 +14982,7 @@
         </p:blipFill>
         <p:spPr>
           <a:xfrm>
-            <a:off x="5317174" y="2490821"/>
+            <a:off x="1600195" y="2398930"/>
             <a:ext cx="1573484" cy="2001908"/>
           </a:xfrm>
           <a:prstGeom prst="rect">
@@ -15180,7 +15022,7 @@
             </a:r>
             <a:r>
               <a:rPr lang="es-ES" dirty="0" err="1" smtClean="0"/>
-              <a:t>gohiburuko</a:t>
+              <a:t>goiburuko</a:t>
             </a:r>
             <a:r>
               <a:rPr lang="es-ES" dirty="0" smtClean="0"/>
@@ -15261,7 +15103,7 @@
             </a:r>
             <a:r>
               <a:rPr lang="es-ES" dirty="0" err="1" smtClean="0"/>
-              <a:t>gohiburuko</a:t>
+              <a:t>goiburuko</a:t>
             </a:r>
             <a:r>
               <a:rPr lang="es-ES" dirty="0" smtClean="0"/>
@@ -15309,7 +15151,7 @@
             </a:r>
             <a:r>
               <a:rPr lang="es-ES" dirty="0" err="1" smtClean="0"/>
-              <a:t>ikuzteko</a:t>
+              <a:t>ikusteko</a:t>
             </a:r>
             <a:r>
               <a:rPr lang="es-ES" dirty="0" smtClean="0"/>
@@ -15334,6 +15176,72 @@
           </a:p>
         </p:txBody>
       </p:sp>
+      <p:cxnSp>
+        <p:nvCxnSpPr>
+          <p:cNvPr id="9" name="Gezidun lotura-marra zuzena 8"/>
+          <p:cNvCxnSpPr/>
+          <p:nvPr/>
+        </p:nvCxnSpPr>
+        <p:spPr>
+          <a:xfrm>
+            <a:off x="3588327" y="3851564"/>
+            <a:ext cx="942109" cy="0"/>
+          </a:xfrm>
+          <a:prstGeom prst="straightConnector1">
+            <a:avLst/>
+          </a:prstGeom>
+          <a:ln>
+            <a:tailEnd type="triangle"/>
+          </a:ln>
+        </p:spPr>
+        <p:style>
+          <a:lnRef idx="3">
+            <a:schemeClr val="dk1"/>
+          </a:lnRef>
+          <a:fillRef idx="0">
+            <a:schemeClr val="dk1"/>
+          </a:fillRef>
+          <a:effectRef idx="2">
+            <a:schemeClr val="dk1"/>
+          </a:effectRef>
+          <a:fontRef idx="minor">
+            <a:schemeClr val="tx1"/>
+          </a:fontRef>
+        </p:style>
+      </p:cxnSp>
+      <p:cxnSp>
+        <p:nvCxnSpPr>
+          <p:cNvPr id="10" name="Gezidun lotura-marra zuzena 9"/>
+          <p:cNvCxnSpPr/>
+          <p:nvPr/>
+        </p:nvCxnSpPr>
+        <p:spPr>
+          <a:xfrm>
+            <a:off x="6941127" y="3851564"/>
+            <a:ext cx="942109" cy="0"/>
+          </a:xfrm>
+          <a:prstGeom prst="straightConnector1">
+            <a:avLst/>
+          </a:prstGeom>
+          <a:ln>
+            <a:tailEnd type="triangle"/>
+          </a:ln>
+        </p:spPr>
+        <p:style>
+          <a:lnRef idx="3">
+            <a:schemeClr val="dk1"/>
+          </a:lnRef>
+          <a:fillRef idx="0">
+            <a:schemeClr val="dk1"/>
+          </a:fillRef>
+          <a:effectRef idx="2">
+            <a:schemeClr val="dk1"/>
+          </a:effectRef>
+          <a:fontRef idx="minor">
+            <a:schemeClr val="tx1"/>
+          </a:fontRef>
+        </p:style>
+      </p:cxnSp>
     </p:spTree>
     <p:extLst>
       <p:ext uri="{BB962C8B-B14F-4D97-AF65-F5344CB8AC3E}">
@@ -15427,8 +15335,8 @@
         </p:nvSpPr>
         <p:spPr>
           <a:xfrm>
-            <a:off x="5535659" y="3385396"/>
-            <a:ext cx="5480988" cy="2308324"/>
+            <a:off x="5535659" y="3108397"/>
+            <a:ext cx="4740400" cy="2862322"/>
           </a:xfrm>
           <a:prstGeom prst="rect">
             <a:avLst/>
@@ -15442,6 +15350,31 @@
           <a:lstStyle/>
           <a:p>
             <a:r>
+              <a:rPr lang="es-ES" dirty="0"/>
+              <a:t>-</a:t>
+            </a:r>
+            <a:r>
+              <a:rPr lang="es-ES" dirty="0" err="1"/>
+              <a:t>Estetika</a:t>
+            </a:r>
+            <a:r>
+              <a:rPr lang="es-ES" dirty="0"/>
+              <a:t> </a:t>
+            </a:r>
+            <a:r>
+              <a:rPr lang="es-ES" dirty="0" err="1"/>
+              <a:t>Modernoa</a:t>
+            </a:r>
+            <a:r>
+              <a:rPr lang="es-ES" dirty="0"/>
+              <a:t>.</a:t>
+            </a:r>
+          </a:p>
+          <a:p>
+            <a:endParaRPr lang="es-ES" dirty="0" smtClean="0"/>
+          </a:p>
+          <a:p>
+            <a:r>
               <a:rPr lang="es-ES" dirty="0" smtClean="0"/>
               <a:t>-</a:t>
             </a:r>
@@ -15471,7 +15404,7 @@
             </a:r>
             <a:r>
               <a:rPr lang="es-ES" dirty="0" err="1" smtClean="0"/>
-              <a:t>artean</a:t>
+              <a:t>arteko</a:t>
             </a:r>
             <a:r>
               <a:rPr lang="es-ES" dirty="0" smtClean="0"/>
@@ -15479,20 +15412,13 @@
             </a:r>
             <a:r>
               <a:rPr lang="es-ES" dirty="0" err="1" smtClean="0"/>
-              <a:t>kontraset</a:t>
-            </a:r>
-            <a:r>
-              <a:rPr lang="es-ES" dirty="0" smtClean="0"/>
-              <a:t> </a:t>
-            </a:r>
-            <a:r>
-              <a:rPr lang="es-ES" dirty="0" err="1" smtClean="0"/>
-              <a:t>handia</a:t>
+              <a:t>kontrastea</a:t>
             </a:r>
             <a:r>
               <a:rPr lang="es-ES" dirty="0" smtClean="0"/>
               <a:t>.</a:t>
             </a:r>
+            <a:endParaRPr lang="es-ES" dirty="0" smtClean="0"/>
           </a:p>
           <a:p>
             <a:endParaRPr lang="es-ES" dirty="0" smtClean="0"/>
@@ -15592,6 +15518,13 @@
   <p:clrMapOvr>
     <a:masterClrMapping/>
   </p:clrMapOvr>
+  <p:timing>
+    <p:tnLst>
+      <p:par>
+        <p:cTn id="1" dur="indefinite" restart="never" nodeType="tmRoot"/>
+      </p:par>
+    </p:tnLst>
+  </p:timing>
 </p:sld>
 </file>
 
@@ -15669,7 +15602,7 @@
         <p:spPr>
           <a:xfrm>
             <a:off x="6400800" y="3699164"/>
-            <a:ext cx="3318537" cy="2031325"/>
+            <a:ext cx="3839513" cy="2031325"/>
           </a:xfrm>
           <a:prstGeom prst="rect">
             <a:avLst/>
@@ -15688,7 +15621,7 @@
             </a:r>
             <a:r>
               <a:rPr lang="es-ES" dirty="0" err="1" smtClean="0"/>
-              <a:t>Estetika</a:t>
+              <a:t>Kolore</a:t>
             </a:r>
             <a:r>
               <a:rPr lang="es-ES" dirty="0" smtClean="0"/>
@@ -15696,7 +15629,7 @@
             </a:r>
             <a:r>
               <a:rPr lang="es-ES" dirty="0" err="1" smtClean="0"/>
-              <a:t>Modernoa</a:t>
+              <a:t>garbiak</a:t>
             </a:r>
             <a:r>
               <a:rPr lang="es-ES" dirty="0" smtClean="0"/>
@@ -15713,7 +15646,7 @@
             </a:r>
             <a:r>
               <a:rPr lang="es-ES" dirty="0" err="1" smtClean="0"/>
-              <a:t>Kolore</a:t>
+              <a:t>Koloreen</a:t>
             </a:r>
             <a:r>
               <a:rPr lang="es-ES" dirty="0" smtClean="0"/>
@@ -15721,7 +15654,23 @@
             </a:r>
             <a:r>
               <a:rPr lang="es-ES" dirty="0" err="1" smtClean="0"/>
-              <a:t>garbiak</a:t>
+              <a:t>arteko</a:t>
+            </a:r>
+            <a:r>
+              <a:rPr lang="es-ES" dirty="0" smtClean="0"/>
+              <a:t> </a:t>
+            </a:r>
+            <a:r>
+              <a:rPr lang="es-ES" dirty="0" err="1" smtClean="0"/>
+              <a:t>kontraste</a:t>
+            </a:r>
+            <a:r>
+              <a:rPr lang="es-ES" dirty="0" smtClean="0"/>
+              <a:t> </a:t>
+            </a:r>
+            <a:r>
+              <a:rPr lang="es-ES" dirty="0" err="1" smtClean="0"/>
+              <a:t>ona</a:t>
             </a:r>
             <a:r>
               <a:rPr lang="es-ES" dirty="0" smtClean="0"/>
@@ -15734,11 +15683,28 @@
           <a:p>
             <a:r>
               <a:rPr lang="es-ES" dirty="0" smtClean="0"/>
+              <a:t>-Letra mota </a:t>
+            </a:r>
+            <a:r>
+              <a:rPr lang="es-ES" dirty="0" err="1" smtClean="0"/>
+              <a:t>esanguratsua</a:t>
+            </a:r>
+            <a:r>
+              <a:rPr lang="es-ES" dirty="0" smtClean="0"/>
+              <a:t>.</a:t>
+            </a:r>
+          </a:p>
+          <a:p>
+            <a:endParaRPr lang="es-ES" dirty="0"/>
+          </a:p>
+          <a:p>
+            <a:r>
+              <a:rPr lang="es-ES" dirty="0" smtClean="0"/>
               <a:t>-</a:t>
             </a:r>
             <a:r>
               <a:rPr lang="es-ES" dirty="0" err="1" smtClean="0"/>
-              <a:t>Koloreen</a:t>
+              <a:t>Errez</a:t>
             </a:r>
             <a:r>
               <a:rPr lang="es-ES" dirty="0" smtClean="0"/>
@@ -15746,7 +15712,7 @@
             </a:r>
             <a:r>
               <a:rPr lang="es-ES" dirty="0" err="1" smtClean="0"/>
-              <a:t>kontraste</a:t>
+              <a:t>antzematen</a:t>
             </a:r>
             <a:r>
               <a:rPr lang="es-ES" dirty="0" smtClean="0"/>
@@ -15754,33 +15720,168 @@
             </a:r>
             <a:r>
               <a:rPr lang="es-ES" dirty="0" err="1" smtClean="0"/>
-              <a:t>ona</a:t>
+              <a:t>diren</a:t>
+            </a:r>
+            <a:r>
+              <a:rPr lang="es-ES" dirty="0" smtClean="0"/>
+              <a:t> </a:t>
+            </a:r>
+            <a:r>
+              <a:rPr lang="es-ES" dirty="0" err="1" smtClean="0"/>
+              <a:t>ikonoak</a:t>
             </a:r>
             <a:r>
               <a:rPr lang="es-ES" dirty="0" smtClean="0"/>
               <a:t>.</a:t>
             </a:r>
-          </a:p>
-          <a:p>
-            <a:endParaRPr lang="es-ES" dirty="0"/>
-          </a:p>
-          <a:p>
-            <a:r>
-              <a:rPr lang="es-ES" dirty="0" smtClean="0"/>
-              <a:t>-Letra mota </a:t>
-            </a:r>
-            <a:r>
-              <a:rPr lang="es-ES" dirty="0" err="1" smtClean="0"/>
-              <a:t>esaguratxuena</a:t>
-            </a:r>
-            <a:r>
-              <a:rPr lang="es-ES" dirty="0" smtClean="0"/>
-              <a:t>.</a:t>
-            </a:r>
             <a:endParaRPr lang="es-ES" dirty="0"/>
           </a:p>
         </p:txBody>
       </p:sp>
+      <p:cxnSp>
+        <p:nvCxnSpPr>
+          <p:cNvPr id="8" name="Gezidun lotura-marra zuzena 7"/>
+          <p:cNvCxnSpPr/>
+          <p:nvPr/>
+        </p:nvCxnSpPr>
+        <p:spPr>
+          <a:xfrm flipH="1" flipV="1">
+            <a:off x="3574473" y="3699165"/>
+            <a:ext cx="2660072" cy="207817"/>
+          </a:xfrm>
+          <a:prstGeom prst="straightConnector1">
+            <a:avLst/>
+          </a:prstGeom>
+          <a:ln>
+            <a:solidFill>
+              <a:srgbClr val="FF0000"/>
+            </a:solidFill>
+            <a:tailEnd type="triangle"/>
+          </a:ln>
+        </p:spPr>
+        <p:style>
+          <a:lnRef idx="3">
+            <a:schemeClr val="accent2"/>
+          </a:lnRef>
+          <a:fillRef idx="0">
+            <a:schemeClr val="accent2"/>
+          </a:fillRef>
+          <a:effectRef idx="2">
+            <a:schemeClr val="accent2"/>
+          </a:effectRef>
+          <a:fontRef idx="minor">
+            <a:schemeClr val="tx1"/>
+          </a:fontRef>
+        </p:style>
+      </p:cxnSp>
+      <p:cxnSp>
+        <p:nvCxnSpPr>
+          <p:cNvPr id="14" name="Gezidun lotura-marra zuzena 13"/>
+          <p:cNvCxnSpPr/>
+          <p:nvPr/>
+        </p:nvCxnSpPr>
+        <p:spPr>
+          <a:xfrm flipH="1" flipV="1">
+            <a:off x="2466109" y="4308764"/>
+            <a:ext cx="3768436" cy="69273"/>
+          </a:xfrm>
+          <a:prstGeom prst="straightConnector1">
+            <a:avLst/>
+          </a:prstGeom>
+          <a:ln>
+            <a:solidFill>
+              <a:srgbClr val="FF0000"/>
+            </a:solidFill>
+            <a:tailEnd type="triangle"/>
+          </a:ln>
+        </p:spPr>
+        <p:style>
+          <a:lnRef idx="3">
+            <a:schemeClr val="accent2"/>
+          </a:lnRef>
+          <a:fillRef idx="0">
+            <a:schemeClr val="accent2"/>
+          </a:fillRef>
+          <a:effectRef idx="2">
+            <a:schemeClr val="accent2"/>
+          </a:effectRef>
+          <a:fontRef idx="minor">
+            <a:schemeClr val="tx1"/>
+          </a:fontRef>
+        </p:style>
+      </p:cxnSp>
+      <p:cxnSp>
+        <p:nvCxnSpPr>
+          <p:cNvPr id="18" name="Gezidun lotura-marra zuzena 17"/>
+          <p:cNvCxnSpPr/>
+          <p:nvPr/>
+        </p:nvCxnSpPr>
+        <p:spPr>
+          <a:xfrm flipH="1" flipV="1">
+            <a:off x="3782291" y="2691135"/>
+            <a:ext cx="2618509" cy="2856452"/>
+          </a:xfrm>
+          <a:prstGeom prst="straightConnector1">
+            <a:avLst/>
+          </a:prstGeom>
+          <a:ln>
+            <a:solidFill>
+              <a:srgbClr val="FF0000"/>
+            </a:solidFill>
+            <a:tailEnd type="triangle"/>
+          </a:ln>
+        </p:spPr>
+        <p:style>
+          <a:lnRef idx="3">
+            <a:schemeClr val="accent2"/>
+          </a:lnRef>
+          <a:fillRef idx="0">
+            <a:schemeClr val="accent2"/>
+          </a:fillRef>
+          <a:effectRef idx="2">
+            <a:schemeClr val="accent2"/>
+          </a:effectRef>
+          <a:fontRef idx="minor">
+            <a:schemeClr val="tx1"/>
+          </a:fontRef>
+        </p:style>
+      </p:cxnSp>
+      <p:cxnSp>
+        <p:nvCxnSpPr>
+          <p:cNvPr id="20" name="Gezidun lotura-marra zuzena 19"/>
+          <p:cNvCxnSpPr/>
+          <p:nvPr/>
+        </p:nvCxnSpPr>
+        <p:spPr>
+          <a:xfrm flipH="1">
+            <a:off x="4141041" y="5575456"/>
+            <a:ext cx="2259759" cy="836380"/>
+          </a:xfrm>
+          <a:prstGeom prst="straightConnector1">
+            <a:avLst/>
+          </a:prstGeom>
+          <a:ln>
+            <a:solidFill>
+              <a:srgbClr val="FF0000"/>
+            </a:solidFill>
+            <a:tailEnd type="triangle"/>
+          </a:ln>
+        </p:spPr>
+        <p:style>
+          <a:lnRef idx="3">
+            <a:schemeClr val="accent2"/>
+          </a:lnRef>
+          <a:fillRef idx="0">
+            <a:schemeClr val="accent2"/>
+          </a:fillRef>
+          <a:effectRef idx="2">
+            <a:schemeClr val="accent2"/>
+          </a:effectRef>
+          <a:fontRef idx="minor">
+            <a:schemeClr val="tx1"/>
+          </a:fontRef>
+        </p:style>
+      </p:cxnSp>
     </p:spTree>
     <p:extLst>
       <p:ext uri="{BB962C8B-B14F-4D97-AF65-F5344CB8AC3E}">
@@ -15791,6 +15892,302 @@
   <p:clrMapOvr>
     <a:masterClrMapping/>
   </p:clrMapOvr>
+  <p:timing>
+    <p:tnLst>
+      <p:par>
+        <p:cTn id="1" dur="indefinite" restart="never" nodeType="tmRoot"/>
+      </p:par>
+    </p:tnLst>
+  </p:timing>
+</p:sld>
+</file>
+
+<file path=ppt/slides/slide17.xml><?xml version="1.0" encoding="utf-8"?>
+<p:sld xmlns:a="http://schemas.openxmlformats.org/drawingml/2006/main" xmlns:r="http://schemas.openxmlformats.org/officeDocument/2006/relationships" xmlns:p="http://schemas.openxmlformats.org/presentationml/2006/main">
+  <p:cSld>
+    <p:spTree>
+      <p:nvGrpSpPr>
+        <p:cNvPr id="1" name=""/>
+        <p:cNvGrpSpPr/>
+        <p:nvPr/>
+      </p:nvGrpSpPr>
+      <p:grpSpPr>
+        <a:xfrm>
+          <a:off x="0" y="0"/>
+          <a:ext cx="0" cy="0"/>
+          <a:chOff x="0" y="0"/>
+          <a:chExt cx="0" cy="0"/>
+        </a:xfrm>
+      </p:grpSpPr>
+      <p:sp>
+        <p:nvSpPr>
+          <p:cNvPr id="2" name="Titulua 1"/>
+          <p:cNvSpPr>
+            <a:spLocks noGrp="1"/>
+          </p:cNvSpPr>
+          <p:nvPr>
+            <p:ph type="title"/>
+          </p:nvPr>
+        </p:nvSpPr>
+        <p:spPr/>
+        <p:txBody>
+          <a:bodyPr/>
+          <a:lstStyle/>
+          <a:p>
+            <a:pPr algn="ctr"/>
+            <a:r>
+              <a:rPr lang="es-ES" dirty="0" err="1" smtClean="0"/>
+              <a:t>Responsive</a:t>
+            </a:r>
+            <a:endParaRPr lang="es-ES" dirty="0"/>
+          </a:p>
+        </p:txBody>
+      </p:sp>
+      <p:pic>
+        <p:nvPicPr>
+          <p:cNvPr id="5" name="Irudia 4"/>
+          <p:cNvPicPr>
+            <a:picLocks noChangeAspect="1"/>
+          </p:cNvPicPr>
+          <p:nvPr/>
+        </p:nvPicPr>
+        <p:blipFill>
+          <a:blip r:embed="rId2"/>
+          <a:stretch>
+            <a:fillRect/>
+          </a:stretch>
+        </p:blipFill>
+        <p:spPr>
+          <a:xfrm>
+            <a:off x="4388858" y="2618208"/>
+            <a:ext cx="2219759" cy="3972578"/>
+          </a:xfrm>
+          <a:prstGeom prst="rect">
+            <a:avLst/>
+          </a:prstGeom>
+        </p:spPr>
+      </p:pic>
+      <p:sp>
+        <p:nvSpPr>
+          <p:cNvPr id="7" name="TestuKoadroa 6"/>
+          <p:cNvSpPr txBox="1"/>
+          <p:nvPr/>
+        </p:nvSpPr>
+        <p:spPr>
+          <a:xfrm>
+            <a:off x="6608617" y="2773232"/>
+            <a:ext cx="2100255" cy="369332"/>
+          </a:xfrm>
+          <a:prstGeom prst="rect">
+            <a:avLst/>
+          </a:prstGeom>
+          <a:noFill/>
+        </p:spPr>
+        <p:txBody>
+          <a:bodyPr wrap="none" rtlCol="0">
+            <a:spAutoFit/>
+          </a:bodyPr>
+          <a:lstStyle/>
+          <a:p>
+            <a:r>
+              <a:rPr lang="es-ES" dirty="0" smtClean="0"/>
+              <a:t>iPhone 6/7/8 plus</a:t>
+            </a:r>
+            <a:endParaRPr lang="es-ES" dirty="0"/>
+          </a:p>
+        </p:txBody>
+      </p:sp>
+      <p:pic>
+        <p:nvPicPr>
+          <p:cNvPr id="8" name="Irudia 7"/>
+          <p:cNvPicPr>
+            <a:picLocks noChangeAspect="1"/>
+          </p:cNvPicPr>
+          <p:nvPr/>
+        </p:nvPicPr>
+        <p:blipFill>
+          <a:blip r:embed="rId3"/>
+          <a:stretch>
+            <a:fillRect/>
+          </a:stretch>
+        </p:blipFill>
+        <p:spPr>
+          <a:xfrm>
+            <a:off x="8813642" y="2430150"/>
+            <a:ext cx="2314766" cy="4109098"/>
+          </a:xfrm>
+          <a:prstGeom prst="rect">
+            <a:avLst/>
+          </a:prstGeom>
+        </p:spPr>
+      </p:pic>
+      <p:sp>
+        <p:nvSpPr>
+          <p:cNvPr id="9" name="TestuKoadroa 8"/>
+          <p:cNvSpPr txBox="1"/>
+          <p:nvPr/>
+        </p:nvSpPr>
+        <p:spPr>
+          <a:xfrm>
+            <a:off x="7159536" y="4604497"/>
+            <a:ext cx="1601721" cy="369332"/>
+          </a:xfrm>
+          <a:prstGeom prst="rect">
+            <a:avLst/>
+          </a:prstGeom>
+          <a:noFill/>
+        </p:spPr>
+        <p:txBody>
+          <a:bodyPr wrap="none" rtlCol="0">
+            <a:spAutoFit/>
+          </a:bodyPr>
+          <a:lstStyle/>
+          <a:p>
+            <a:r>
+              <a:rPr lang="es-ES" dirty="0" smtClean="0"/>
+              <a:t>iPhone 6/7/8</a:t>
+            </a:r>
+            <a:endParaRPr lang="es-ES" dirty="0"/>
+          </a:p>
+        </p:txBody>
+      </p:sp>
+      <p:cxnSp>
+        <p:nvCxnSpPr>
+          <p:cNvPr id="11" name="Gezidun lotura-marra zuzena 10"/>
+          <p:cNvCxnSpPr/>
+          <p:nvPr/>
+        </p:nvCxnSpPr>
+        <p:spPr>
+          <a:xfrm flipH="1">
+            <a:off x="6816436" y="3311236"/>
+            <a:ext cx="1482437" cy="0"/>
+          </a:xfrm>
+          <a:prstGeom prst="straightConnector1">
+            <a:avLst/>
+          </a:prstGeom>
+          <a:ln>
+            <a:tailEnd type="triangle"/>
+          </a:ln>
+        </p:spPr>
+        <p:style>
+          <a:lnRef idx="3">
+            <a:schemeClr val="dk1"/>
+          </a:lnRef>
+          <a:fillRef idx="0">
+            <a:schemeClr val="dk1"/>
+          </a:fillRef>
+          <a:effectRef idx="2">
+            <a:schemeClr val="dk1"/>
+          </a:effectRef>
+          <a:fontRef idx="minor">
+            <a:schemeClr val="tx1"/>
+          </a:fontRef>
+        </p:style>
+      </p:cxnSp>
+      <p:cxnSp>
+        <p:nvCxnSpPr>
+          <p:cNvPr id="14" name="Gezidun lotura-marra zuzena 13"/>
+          <p:cNvCxnSpPr/>
+          <p:nvPr/>
+        </p:nvCxnSpPr>
+        <p:spPr>
+          <a:xfrm>
+            <a:off x="7329055" y="5084618"/>
+            <a:ext cx="1375264" cy="1"/>
+          </a:xfrm>
+          <a:prstGeom prst="straightConnector1">
+            <a:avLst/>
+          </a:prstGeom>
+          <a:ln>
+            <a:tailEnd type="triangle"/>
+          </a:ln>
+        </p:spPr>
+        <p:style>
+          <a:lnRef idx="3">
+            <a:schemeClr val="dk1"/>
+          </a:lnRef>
+          <a:fillRef idx="0">
+            <a:schemeClr val="dk1"/>
+          </a:fillRef>
+          <a:effectRef idx="2">
+            <a:schemeClr val="dk1"/>
+          </a:effectRef>
+          <a:fontRef idx="minor">
+            <a:schemeClr val="tx1"/>
+          </a:fontRef>
+        </p:style>
+      </p:cxnSp>
+      <p:pic>
+        <p:nvPicPr>
+          <p:cNvPr id="22" name="Irudia 21"/>
+          <p:cNvPicPr>
+            <a:picLocks noChangeAspect="1"/>
+          </p:cNvPicPr>
+          <p:nvPr/>
+        </p:nvPicPr>
+        <p:blipFill>
+          <a:blip r:embed="rId4"/>
+          <a:stretch>
+            <a:fillRect/>
+          </a:stretch>
+        </p:blipFill>
+        <p:spPr>
+          <a:xfrm>
+            <a:off x="615443" y="2430150"/>
+            <a:ext cx="2252448" cy="3727643"/>
+          </a:xfrm>
+          <a:prstGeom prst="rect">
+            <a:avLst/>
+          </a:prstGeom>
+        </p:spPr>
+      </p:pic>
+      <p:sp>
+        <p:nvSpPr>
+          <p:cNvPr id="24" name="TestuKoadroa 23"/>
+          <p:cNvSpPr txBox="1"/>
+          <p:nvPr/>
+        </p:nvSpPr>
+        <p:spPr>
+          <a:xfrm>
+            <a:off x="940806" y="6221454"/>
+            <a:ext cx="1428596" cy="369332"/>
+          </a:xfrm>
+          <a:prstGeom prst="rect">
+            <a:avLst/>
+          </a:prstGeom>
+          <a:noFill/>
+        </p:spPr>
+        <p:txBody>
+          <a:bodyPr wrap="none" rtlCol="0">
+            <a:spAutoFit/>
+          </a:bodyPr>
+          <a:lstStyle/>
+          <a:p>
+            <a:r>
+              <a:rPr lang="es-ES" dirty="0" err="1" smtClean="0"/>
+              <a:t>Responsive</a:t>
+            </a:r>
+            <a:endParaRPr lang="es-ES" dirty="0"/>
+          </a:p>
+        </p:txBody>
+      </p:sp>
+    </p:spTree>
+    <p:extLst>
+      <p:ext uri="{BB962C8B-B14F-4D97-AF65-F5344CB8AC3E}">
+        <p14:creationId xmlns:p14="http://schemas.microsoft.com/office/powerpoint/2010/main" val="450519435"/>
+      </p:ext>
+    </p:extLst>
+  </p:cSld>
+  <p:clrMapOvr>
+    <a:masterClrMapping/>
+  </p:clrMapOvr>
+  <p:timing>
+    <p:tnLst>
+      <p:par>
+        <p:cTn id="1" dur="indefinite" restart="never" nodeType="tmRoot"/>
+      </p:par>
+    </p:tnLst>
+  </p:timing>
 </p:sld>
 </file>
 
@@ -16118,7 +16515,7 @@
             </a:r>
             <a:r>
               <a:rPr lang="es-ES" dirty="0" err="1" smtClean="0"/>
-              <a:t>besteen</a:t>
+              <a:t>sailkapenekoen</a:t>
             </a:r>
             <a:r>
               <a:rPr lang="es-ES" dirty="0" smtClean="0"/>
@@ -16150,7 +16547,7 @@
             </a:r>
             <a:r>
               <a:rPr lang="es-ES" dirty="0" err="1" smtClean="0"/>
-              <a:t>ageri</a:t>
+              <a:t>agertzen</a:t>
             </a:r>
             <a:r>
               <a:rPr lang="es-ES" dirty="0" smtClean="0"/>
@@ -16159,6 +16556,10 @@
             <a:r>
               <a:rPr lang="es-ES" dirty="0" err="1" smtClean="0"/>
               <a:t>dira</a:t>
+            </a:r>
+            <a:r>
+              <a:rPr lang="es-ES" dirty="0" smtClean="0"/>
+              <a:t>.</a:t>
             </a:r>
             <a:endParaRPr lang="es-ES" dirty="0"/>
           </a:p>
@@ -16244,6 +16645,13 @@
   <p:clrMapOvr>
     <a:masterClrMapping/>
   </p:clrMapOvr>
+  <p:timing>
+    <p:tnLst>
+      <p:par>
+        <p:cTn id="1" dur="indefinite" restart="never" nodeType="tmRoot"/>
+      </p:par>
+    </p:tnLst>
+  </p:timing>
 </p:sld>
 </file>
 
@@ -16462,6 +16870,13 @@
   <p:clrMapOvr>
     <a:masterClrMapping/>
   </p:clrMapOvr>
+  <p:timing>
+    <p:tnLst>
+      <p:par>
+        <p:cTn id="1" dur="indefinite" restart="never" nodeType="tmRoot"/>
+      </p:par>
+    </p:tnLst>
+  </p:timing>
 </p:sld>
 </file>
 
@@ -16547,7 +16962,7 @@
         <p:spPr>
           <a:xfrm>
             <a:off x="5043055" y="4034175"/>
-            <a:ext cx="6452407" cy="369332"/>
+            <a:ext cx="6614311" cy="369332"/>
           </a:xfrm>
           <a:prstGeom prst="rect">
             <a:avLst/>
@@ -16566,7 +16981,7 @@
             </a:r>
             <a:r>
               <a:rPr lang="es-ES" dirty="0" smtClean="0"/>
-              <a:t> </a:t>
+              <a:t>, </a:t>
             </a:r>
             <a:r>
               <a:rPr lang="es-ES" dirty="0" err="1" smtClean="0"/>
@@ -16602,7 +17017,7 @@
             </a:r>
             <a:r>
               <a:rPr lang="es-ES" dirty="0" err="1" smtClean="0"/>
-              <a:t>dagokion</a:t>
+              <a:t>dagozkion</a:t>
             </a:r>
             <a:r>
               <a:rPr lang="es-ES" dirty="0" smtClean="0"/>
@@ -16626,6 +17041,13 @@
   <p:clrMapOvr>
     <a:masterClrMapping/>
   </p:clrMapOvr>
+  <p:timing>
+    <p:tnLst>
+      <p:par>
+        <p:cTn id="1" dur="indefinite" restart="never" nodeType="tmRoot"/>
+      </p:par>
+    </p:tnLst>
+  </p:timing>
 </p:sld>
 </file>
 
@@ -16851,6 +17273,13 @@
   <p:clrMapOvr>
     <a:masterClrMapping/>
   </p:clrMapOvr>
+  <p:timing>
+    <p:tnLst>
+      <p:par>
+        <p:cTn id="1" dur="indefinite" restart="never" nodeType="tmRoot"/>
+      </p:par>
+    </p:tnLst>
+  </p:timing>
 </p:sld>
 </file>
 
@@ -16904,7 +17333,7 @@
         <p:spPr>
           <a:xfrm>
             <a:off x="6680998" y="2567623"/>
-            <a:ext cx="4779818" cy="923330"/>
+            <a:ext cx="4779818" cy="646331"/>
           </a:xfrm>
           <a:prstGeom prst="rect">
             <a:avLst/>
@@ -16950,8 +17379,12 @@
               <a:t> </a:t>
             </a:r>
             <a:r>
+              <a:rPr lang="es-ES" dirty="0" smtClean="0"/>
+              <a:t>‘</a:t>
+            </a:r>
+            <a:r>
               <a:rPr lang="es-ES" dirty="0" err="1" smtClean="0"/>
-              <a:t>beste</a:t>
+              <a:t>gau</a:t>
             </a:r>
             <a:r>
               <a:rPr lang="es-ES" dirty="0" smtClean="0"/>
@@ -16959,11 +17392,11 @@
             </a:r>
             <a:r>
               <a:rPr lang="es-ES" dirty="0" err="1" smtClean="0"/>
-              <a:t>aplikazioetan</a:t>
+              <a:t>moduan</a:t>
             </a:r>
             <a:r>
               <a:rPr lang="es-ES" dirty="0" smtClean="0"/>
-              <a:t> </a:t>
+              <a:t>’ </a:t>
             </a:r>
             <a:r>
               <a:rPr lang="es-ES" dirty="0" err="1" smtClean="0"/>
@@ -17367,8 +17800,8 @@
         </p:nvSpPr>
         <p:spPr>
           <a:xfrm>
-            <a:off x="6819900" y="3619500"/>
-            <a:ext cx="3924300" cy="2308324"/>
+            <a:off x="6348846" y="3141261"/>
+            <a:ext cx="3924300" cy="2031325"/>
           </a:xfrm>
           <a:prstGeom prst="rect">
             <a:avLst/>
@@ -17391,11 +17824,11 @@
             </a:r>
             <a:r>
               <a:rPr lang="es-ES" dirty="0" smtClean="0"/>
-              <a:t> lista </a:t>
+              <a:t> lista, </a:t>
             </a:r>
             <a:r>
               <a:rPr lang="es-ES" dirty="0" err="1" smtClean="0"/>
-              <a:t>bakoitzak</a:t>
+              <a:t>bakoitza</a:t>
             </a:r>
             <a:r>
               <a:rPr lang="es-ES" dirty="0" smtClean="0"/>
@@ -17411,21 +17844,7 @@
             </a:r>
             <a:r>
               <a:rPr lang="es-ES" dirty="0" err="1" smtClean="0"/>
-              <a:t>puntuekin</a:t>
-            </a:r>
-            <a:endParaRPr lang="es-ES" dirty="0" smtClean="0"/>
-          </a:p>
-          <a:p>
-            <a:endParaRPr lang="es-ES" dirty="0" smtClean="0"/>
-          </a:p>
-          <a:p>
-            <a:pPr marL="285750" indent="-285750">
-              <a:buFont typeface="Arial" panose="020B0604020202020204" pitchFamily="34" charset="0"/>
-              <a:buChar char="•"/>
-            </a:pPr>
-            <a:r>
-              <a:rPr lang="es-ES" dirty="0" err="1" smtClean="0"/>
-              <a:t>Puntuen</a:t>
+              <a:t>puntuen</a:t>
             </a:r>
             <a:r>
               <a:rPr lang="es-ES" dirty="0" smtClean="0"/>

--- a/Brain Pain powerpoint.pptx
+++ b/Brain Pain powerpoint.pptx
@@ -19,9 +19,10 @@
     <p:sldId id="263" r:id="rId13"/>
     <p:sldId id="264" r:id="rId14"/>
     <p:sldId id="266" r:id="rId15"/>
-    <p:sldId id="272" r:id="rId16"/>
-    <p:sldId id="273" r:id="rId17"/>
-    <p:sldId id="274" r:id="rId18"/>
+    <p:sldId id="275" r:id="rId16"/>
+    <p:sldId id="272" r:id="rId17"/>
+    <p:sldId id="273" r:id="rId18"/>
+    <p:sldId id="274" r:id="rId19"/>
   </p:sldIdLst>
   <p:sldSz cx="12192000" cy="6858000"/>
   <p:notesSz cx="6858000" cy="9144000"/>
@@ -14154,11 +14155,7 @@
           <a:p>
             <a:r>
               <a:rPr lang="es-ES" dirty="0" err="1" smtClean="0"/>
-              <a:t>Puntue</a:t>
-            </a:r>
-            <a:r>
-              <a:rPr lang="es-ES" dirty="0" err="1" smtClean="0"/>
-              <a:t>n</a:t>
+              <a:t>Puntuen</a:t>
             </a:r>
             <a:r>
               <a:rPr lang="es-ES" dirty="0" smtClean="0"/>
@@ -14368,19 +14365,11 @@
             </a:r>
             <a:r>
               <a:rPr lang="es-ES" dirty="0" err="1" smtClean="0"/>
-              <a:t>i</a:t>
-            </a:r>
-            <a:r>
-              <a:rPr lang="es-ES" dirty="0" err="1" smtClean="0"/>
-              <a:t>gotzeko</a:t>
+              <a:t>igotzeko</a:t>
             </a:r>
             <a:r>
               <a:rPr lang="es-ES" dirty="0" smtClean="0"/>
-              <a:t> </a:t>
-            </a:r>
-            <a:r>
-              <a:rPr lang="es-ES" dirty="0" smtClean="0"/>
-              <a:t>eta </a:t>
+              <a:t> eta </a:t>
             </a:r>
             <a:r>
               <a:rPr lang="es-ES" dirty="0" err="1" smtClean="0"/>
@@ -14550,7 +14539,6 @@
               <a:rPr lang="es-ES" dirty="0" smtClean="0"/>
               <a:t>.</a:t>
             </a:r>
-            <a:endParaRPr lang="es-ES" dirty="0" smtClean="0"/>
           </a:p>
           <a:p>
             <a:pPr marL="285750" indent="-285750">
@@ -14588,7 +14576,6 @@
               <a:rPr lang="es-ES" dirty="0" smtClean="0"/>
               <a:t>.</a:t>
             </a:r>
-            <a:endParaRPr lang="es-ES" dirty="0" smtClean="0"/>
           </a:p>
           <a:p>
             <a:pPr marL="285750" indent="-285750">
@@ -15037,12 +15024,8 @@
               <a:t> </a:t>
             </a:r>
             <a:r>
-              <a:rPr lang="es-ES" dirty="0" err="1" smtClean="0"/>
-              <a:t>transizioa</a:t>
-            </a:r>
-            <a:r>
-              <a:rPr lang="es-ES" dirty="0" smtClean="0"/>
-              <a:t> </a:t>
+              <a:rPr lang="es-ES" smtClean="0"/>
+              <a:t>eboluzioa </a:t>
             </a:r>
             <a:r>
               <a:rPr lang="es-ES" dirty="0" err="1" smtClean="0"/>
@@ -15297,6 +15280,380 @@
             <a:pPr algn="ctr"/>
             <a:r>
               <a:rPr lang="es-ES" dirty="0" err="1" smtClean="0"/>
+              <a:t>Puntuen</a:t>
+            </a:r>
+            <a:r>
+              <a:rPr lang="es-ES" dirty="0" smtClean="0"/>
+              <a:t> </a:t>
+            </a:r>
+            <a:r>
+              <a:rPr lang="es-ES" dirty="0" err="1"/>
+              <a:t>Ikonoa</a:t>
+            </a:r>
+            <a:endParaRPr lang="es-ES" dirty="0"/>
+          </a:p>
+        </p:txBody>
+      </p:sp>
+      <p:sp>
+        <p:nvSpPr>
+          <p:cNvPr id="6" name="TestuKoadroa 5"/>
+          <p:cNvSpPr txBox="1"/>
+          <p:nvPr/>
+        </p:nvSpPr>
+        <p:spPr>
+          <a:xfrm>
+            <a:off x="3021279" y="5007145"/>
+            <a:ext cx="6165273" cy="369332"/>
+          </a:xfrm>
+          <a:prstGeom prst="rect">
+            <a:avLst/>
+          </a:prstGeom>
+          <a:noFill/>
+        </p:spPr>
+        <p:txBody>
+          <a:bodyPr wrap="square" rtlCol="0">
+            <a:spAutoFit/>
+          </a:bodyPr>
+          <a:lstStyle/>
+          <a:p>
+            <a:r>
+              <a:rPr lang="es-ES" dirty="0" err="1" smtClean="0"/>
+              <a:t>Hemen</a:t>
+            </a:r>
+            <a:r>
+              <a:rPr lang="es-ES" dirty="0" smtClean="0"/>
+              <a:t> </a:t>
+            </a:r>
+            <a:r>
+              <a:rPr lang="es-ES" dirty="0" err="1" smtClean="0"/>
+              <a:t>puntuen</a:t>
+            </a:r>
+            <a:r>
+              <a:rPr lang="es-ES" dirty="0" smtClean="0"/>
+              <a:t> </a:t>
+            </a:r>
+            <a:r>
+              <a:rPr lang="es-ES" dirty="0" err="1" smtClean="0"/>
+              <a:t>ikonoaren</a:t>
+            </a:r>
+            <a:r>
+              <a:rPr lang="es-ES" dirty="0" smtClean="0"/>
+              <a:t> </a:t>
+            </a:r>
+            <a:r>
+              <a:rPr lang="es-ES" dirty="0" err="1" smtClean="0"/>
+              <a:t>eboluzioa</a:t>
+            </a:r>
+            <a:r>
+              <a:rPr lang="es-ES" dirty="0" smtClean="0"/>
+              <a:t> </a:t>
+            </a:r>
+            <a:r>
+              <a:rPr lang="es-ES" dirty="0" err="1" smtClean="0"/>
+              <a:t>daukagu</a:t>
+            </a:r>
+            <a:r>
+              <a:rPr lang="es-ES" dirty="0" smtClean="0"/>
+              <a:t>.</a:t>
+            </a:r>
+            <a:endParaRPr lang="es-ES" dirty="0" smtClean="0"/>
+          </a:p>
+        </p:txBody>
+      </p:sp>
+      <p:sp>
+        <p:nvSpPr>
+          <p:cNvPr id="7" name="TestuKoadroa 6"/>
+          <p:cNvSpPr txBox="1"/>
+          <p:nvPr/>
+        </p:nvSpPr>
+        <p:spPr>
+          <a:xfrm>
+            <a:off x="3021278" y="5664875"/>
+            <a:ext cx="6165273" cy="646331"/>
+          </a:xfrm>
+          <a:prstGeom prst="rect">
+            <a:avLst/>
+          </a:prstGeom>
+          <a:noFill/>
+        </p:spPr>
+        <p:txBody>
+          <a:bodyPr wrap="square" rtlCol="0">
+            <a:spAutoFit/>
+          </a:bodyPr>
+          <a:lstStyle/>
+          <a:p>
+            <a:r>
+              <a:rPr lang="es-ES" dirty="0" err="1" smtClean="0"/>
+              <a:t>Ikonoa</a:t>
+            </a:r>
+            <a:r>
+              <a:rPr lang="es-ES" dirty="0" smtClean="0"/>
+              <a:t> </a:t>
+            </a:r>
+            <a:r>
+              <a:rPr lang="es-ES" dirty="0" err="1" smtClean="0"/>
+              <a:t>ezberdintzeko</a:t>
+            </a:r>
+            <a:r>
+              <a:rPr lang="es-ES" dirty="0" smtClean="0"/>
+              <a:t> </a:t>
+            </a:r>
+            <a:r>
+              <a:rPr lang="es-ES" dirty="0" err="1" smtClean="0"/>
+              <a:t>errazagoa</a:t>
+            </a:r>
+            <a:r>
+              <a:rPr lang="es-ES" dirty="0" smtClean="0"/>
+              <a:t> </a:t>
+            </a:r>
+            <a:r>
+              <a:rPr lang="es-ES" dirty="0" err="1" smtClean="0"/>
+              <a:t>delako</a:t>
+            </a:r>
+            <a:r>
+              <a:rPr lang="es-ES" dirty="0" smtClean="0"/>
+              <a:t> </a:t>
+            </a:r>
+            <a:r>
+              <a:rPr lang="es-ES" dirty="0" err="1" smtClean="0"/>
+              <a:t>jarri</a:t>
+            </a:r>
+            <a:r>
+              <a:rPr lang="es-ES" dirty="0" smtClean="0"/>
+              <a:t> </a:t>
+            </a:r>
+            <a:r>
+              <a:rPr lang="es-ES" dirty="0" err="1" smtClean="0"/>
+              <a:t>dugu</a:t>
+            </a:r>
+            <a:r>
+              <a:rPr lang="es-ES" dirty="0" smtClean="0"/>
+              <a:t> </a:t>
+            </a:r>
+            <a:r>
+              <a:rPr lang="es-ES" dirty="0" err="1" smtClean="0"/>
+              <a:t>azkenengo</a:t>
+            </a:r>
+            <a:r>
+              <a:rPr lang="es-ES" dirty="0" smtClean="0"/>
+              <a:t> </a:t>
+            </a:r>
+            <a:r>
+              <a:rPr lang="es-ES" dirty="0" err="1" smtClean="0"/>
+              <a:t>diseinua</a:t>
+            </a:r>
+            <a:r>
+              <a:rPr lang="es-ES" dirty="0" smtClean="0"/>
+              <a:t>.</a:t>
+            </a:r>
+            <a:endParaRPr lang="es-ES" dirty="0" smtClean="0"/>
+          </a:p>
+        </p:txBody>
+      </p:sp>
+      <p:cxnSp>
+        <p:nvCxnSpPr>
+          <p:cNvPr id="8" name="Gezidun lotura-marra zuzena 7"/>
+          <p:cNvCxnSpPr/>
+          <p:nvPr/>
+        </p:nvCxnSpPr>
+        <p:spPr>
+          <a:xfrm>
+            <a:off x="3588327" y="3851564"/>
+            <a:ext cx="942109" cy="0"/>
+          </a:xfrm>
+          <a:prstGeom prst="straightConnector1">
+            <a:avLst/>
+          </a:prstGeom>
+          <a:ln>
+            <a:tailEnd type="triangle"/>
+          </a:ln>
+        </p:spPr>
+        <p:style>
+          <a:lnRef idx="3">
+            <a:schemeClr val="dk1"/>
+          </a:lnRef>
+          <a:fillRef idx="0">
+            <a:schemeClr val="dk1"/>
+          </a:fillRef>
+          <a:effectRef idx="2">
+            <a:schemeClr val="dk1"/>
+          </a:effectRef>
+          <a:fontRef idx="minor">
+            <a:schemeClr val="tx1"/>
+          </a:fontRef>
+        </p:style>
+      </p:cxnSp>
+      <p:cxnSp>
+        <p:nvCxnSpPr>
+          <p:cNvPr id="9" name="Gezidun lotura-marra zuzena 8"/>
+          <p:cNvCxnSpPr/>
+          <p:nvPr/>
+        </p:nvCxnSpPr>
+        <p:spPr>
+          <a:xfrm>
+            <a:off x="6941127" y="3851564"/>
+            <a:ext cx="942109" cy="0"/>
+          </a:xfrm>
+          <a:prstGeom prst="straightConnector1">
+            <a:avLst/>
+          </a:prstGeom>
+          <a:ln>
+            <a:tailEnd type="triangle"/>
+          </a:ln>
+        </p:spPr>
+        <p:style>
+          <a:lnRef idx="3">
+            <a:schemeClr val="dk1"/>
+          </a:lnRef>
+          <a:fillRef idx="0">
+            <a:schemeClr val="dk1"/>
+          </a:fillRef>
+          <a:effectRef idx="2">
+            <a:schemeClr val="dk1"/>
+          </a:effectRef>
+          <a:fontRef idx="minor">
+            <a:schemeClr val="tx1"/>
+          </a:fontRef>
+        </p:style>
+      </p:cxnSp>
+      <p:pic>
+        <p:nvPicPr>
+          <p:cNvPr id="10" name="Irudia 9"/>
+          <p:cNvPicPr>
+            <a:picLocks noChangeAspect="1"/>
+          </p:cNvPicPr>
+          <p:nvPr/>
+        </p:nvPicPr>
+        <p:blipFill>
+          <a:blip r:embed="rId2">
+            <a:extLst>
+              <a:ext uri="{28A0092B-C50C-407E-A947-70E740481C1C}">
+                <a14:useLocalDpi xmlns:a14="http://schemas.microsoft.com/office/drawing/2010/main" val="0"/>
+              </a:ext>
+            </a:extLst>
+          </a:blip>
+          <a:stretch>
+            <a:fillRect/>
+          </a:stretch>
+        </p:blipFill>
+        <p:spPr>
+          <a:xfrm>
+            <a:off x="1307695" y="2782570"/>
+            <a:ext cx="1822284" cy="1807347"/>
+          </a:xfrm>
+          <a:prstGeom prst="rect">
+            <a:avLst/>
+          </a:prstGeom>
+        </p:spPr>
+      </p:pic>
+      <p:pic>
+        <p:nvPicPr>
+          <p:cNvPr id="11" name="Irudia 10"/>
+          <p:cNvPicPr>
+            <a:picLocks noChangeAspect="1"/>
+          </p:cNvPicPr>
+          <p:nvPr/>
+        </p:nvPicPr>
+        <p:blipFill>
+          <a:blip r:embed="rId3">
+            <a:extLst>
+              <a:ext uri="{28A0092B-C50C-407E-A947-70E740481C1C}">
+                <a14:useLocalDpi xmlns:a14="http://schemas.microsoft.com/office/drawing/2010/main" val="0"/>
+              </a:ext>
+            </a:extLst>
+          </a:blip>
+          <a:stretch>
+            <a:fillRect/>
+          </a:stretch>
+        </p:blipFill>
+        <p:spPr>
+          <a:xfrm>
+            <a:off x="4797825" y="2782570"/>
+            <a:ext cx="1861262" cy="1846006"/>
+          </a:xfrm>
+          <a:prstGeom prst="rect">
+            <a:avLst/>
+          </a:prstGeom>
+        </p:spPr>
+      </p:pic>
+      <p:pic>
+        <p:nvPicPr>
+          <p:cNvPr id="12" name="Irudia 11"/>
+          <p:cNvPicPr>
+            <a:picLocks noChangeAspect="1"/>
+          </p:cNvPicPr>
+          <p:nvPr/>
+        </p:nvPicPr>
+        <p:blipFill>
+          <a:blip r:embed="rId4">
+            <a:extLst>
+              <a:ext uri="{28A0092B-C50C-407E-A947-70E740481C1C}">
+                <a14:useLocalDpi xmlns:a14="http://schemas.microsoft.com/office/drawing/2010/main" val="0"/>
+              </a:ext>
+            </a:extLst>
+          </a:blip>
+          <a:stretch>
+            <a:fillRect/>
+          </a:stretch>
+        </p:blipFill>
+        <p:spPr>
+          <a:xfrm>
+            <a:off x="8326933" y="2756219"/>
+            <a:ext cx="2022412" cy="1954431"/>
+          </a:xfrm>
+          <a:prstGeom prst="rect">
+            <a:avLst/>
+          </a:prstGeom>
+        </p:spPr>
+      </p:pic>
+    </p:spTree>
+    <p:extLst>
+      <p:ext uri="{BB962C8B-B14F-4D97-AF65-F5344CB8AC3E}">
+        <p14:creationId xmlns:p14="http://schemas.microsoft.com/office/powerpoint/2010/main" val="739767404"/>
+      </p:ext>
+    </p:extLst>
+  </p:cSld>
+  <p:clrMapOvr>
+    <a:masterClrMapping/>
+  </p:clrMapOvr>
+</p:sld>
+</file>
+
+<file path=ppt/slides/slide16.xml><?xml version="1.0" encoding="utf-8"?>
+<p:sld xmlns:a="http://schemas.openxmlformats.org/drawingml/2006/main" xmlns:r="http://schemas.openxmlformats.org/officeDocument/2006/relationships" xmlns:p="http://schemas.openxmlformats.org/presentationml/2006/main">
+  <p:cSld>
+    <p:spTree>
+      <p:nvGrpSpPr>
+        <p:cNvPr id="1" name=""/>
+        <p:cNvGrpSpPr/>
+        <p:nvPr/>
+      </p:nvGrpSpPr>
+      <p:grpSpPr>
+        <a:xfrm>
+          <a:off x="0" y="0"/>
+          <a:ext cx="0" cy="0"/>
+          <a:chOff x="0" y="0"/>
+          <a:chExt cx="0" cy="0"/>
+        </a:xfrm>
+      </p:grpSpPr>
+      <p:sp>
+        <p:nvSpPr>
+          <p:cNvPr id="2" name="Titulua 1"/>
+          <p:cNvSpPr>
+            <a:spLocks noGrp="1"/>
+          </p:cNvSpPr>
+          <p:nvPr>
+            <p:ph type="title"/>
+          </p:nvPr>
+        </p:nvSpPr>
+        <p:spPr/>
+        <p:txBody>
+          <a:bodyPr/>
+          <a:lstStyle/>
+          <a:p>
+            <a:pPr algn="ctr"/>
+            <a:r>
+              <a:rPr lang="es-ES" dirty="0" err="1" smtClean="0"/>
               <a:t>Erabilgarritasuna</a:t>
             </a:r>
             <a:endParaRPr lang="es-ES" dirty="0"/>
@@ -15418,7 +15775,6 @@
               <a:rPr lang="es-ES" dirty="0" smtClean="0"/>
               <a:t>.</a:t>
             </a:r>
-            <a:endParaRPr lang="es-ES" dirty="0" smtClean="0"/>
           </a:p>
           <a:p>
             <a:endParaRPr lang="es-ES" dirty="0" smtClean="0"/>
@@ -15528,7 +15884,7 @@
 </p:sld>
 </file>
 
-<file path=ppt/slides/slide16.xml><?xml version="1.0" encoding="utf-8"?>
+<file path=ppt/slides/slide17.xml><?xml version="1.0" encoding="utf-8"?>
 <p:sld xmlns:a="http://schemas.openxmlformats.org/drawingml/2006/main" xmlns:r="http://schemas.openxmlformats.org/officeDocument/2006/relationships" xmlns:p="http://schemas.openxmlformats.org/presentationml/2006/main">
   <p:cSld>
     <p:spTree>
@@ -15902,7 +16258,7 @@
 </p:sld>
 </file>
 
-<file path=ppt/slides/slide17.xml><?xml version="1.0" encoding="utf-8"?>
+<file path=ppt/slides/slide18.xml><?xml version="1.0" encoding="utf-8"?>
 <p:sld xmlns:a="http://schemas.openxmlformats.org/drawingml/2006/main" xmlns:r="http://schemas.openxmlformats.org/officeDocument/2006/relationships" xmlns:p="http://schemas.openxmlformats.org/presentationml/2006/main">
   <p:cSld>
     <p:spTree>
@@ -17376,11 +17732,7 @@
             </a:r>
             <a:r>
               <a:rPr lang="es-ES" dirty="0" smtClean="0"/>
-              <a:t> </a:t>
-            </a:r>
-            <a:r>
-              <a:rPr lang="es-ES" dirty="0" smtClean="0"/>
-              <a:t>‘</a:t>
+              <a:t> ‘</a:t>
             </a:r>
             <a:r>
               <a:rPr lang="es-ES" dirty="0" err="1" smtClean="0"/>

--- a/Brain Pain powerpoint.pptx
+++ b/Brain Pain powerpoint.pptx
@@ -15356,7 +15356,6 @@
               <a:rPr lang="es-ES" dirty="0" smtClean="0"/>
               <a:t>.</a:t>
             </a:r>
-            <a:endParaRPr lang="es-ES" dirty="0" smtClean="0"/>
           </a:p>
         </p:txBody>
       </p:sp>
@@ -15446,7 +15445,6 @@
               <a:rPr lang="es-ES" dirty="0" smtClean="0"/>
               <a:t>.</a:t>
             </a:r>
-            <a:endParaRPr lang="es-ES" dirty="0" smtClean="0"/>
           </a:p>
         </p:txBody>
       </p:sp>
@@ -17439,7 +17437,20 @@
           <a:bodyPr/>
           <a:lstStyle/>
           <a:p>
-            <a:endParaRPr lang="es-ES"/>
+            <a:pPr algn="ctr"/>
+            <a:r>
+              <a:rPr lang="es-ES" dirty="0" err="1" smtClean="0"/>
+              <a:t>Maketazioa</a:t>
+            </a:r>
+            <a:r>
+              <a:rPr lang="es-ES" dirty="0" smtClean="0"/>
+              <a:t>: </a:t>
+            </a:r>
+            <a:r>
+              <a:rPr lang="es-ES" smtClean="0"/>
+              <a:t>Profila</a:t>
+            </a:r>
+            <a:endParaRPr lang="es-ES" dirty="0"/>
           </a:p>
         </p:txBody>
       </p:sp>

--- a/Brain Pain powerpoint.pptx
+++ b/Brain Pain powerpoint.pptx
@@ -18277,7 +18277,7 @@
       </p:sp>
       <p:pic>
         <p:nvPicPr>
-          <p:cNvPr id="4" name="Irudia 3"/>
+          <p:cNvPr id="3" name="Irudia 2"/>
           <p:cNvPicPr>
             <a:picLocks noChangeAspect="1"/>
           </p:cNvPicPr>
@@ -18291,8 +18291,8 @@
         </p:blipFill>
         <p:spPr>
           <a:xfrm>
-            <a:off x="1154953" y="2269547"/>
-            <a:ext cx="2815936" cy="4328753"/>
+            <a:off x="1154953" y="2361316"/>
+            <a:ext cx="2821302" cy="3937913"/>
           </a:xfrm>
           <a:prstGeom prst="rect">
             <a:avLst/>

--- a/Brain Pain powerpoint.pptx
+++ b/Brain Pain powerpoint.pptx
@@ -17447,7 +17447,7 @@
               <a:t>: </a:t>
             </a:r>
             <a:r>
-              <a:rPr lang="es-ES" smtClean="0"/>
+              <a:rPr lang="es-ES" dirty="0" err="1" smtClean="0"/>
               <a:t>Profila</a:t>
             </a:r>
             <a:endParaRPr lang="es-ES" dirty="0"/>
@@ -18275,30 +18275,6 @@
           </a:p>
         </p:txBody>
       </p:sp>
-      <p:pic>
-        <p:nvPicPr>
-          <p:cNvPr id="4" name="Irudia 3"/>
-          <p:cNvPicPr>
-            <a:picLocks noChangeAspect="1"/>
-          </p:cNvPicPr>
-          <p:nvPr/>
-        </p:nvPicPr>
-        <p:blipFill>
-          <a:blip r:embed="rId2"/>
-          <a:stretch>
-            <a:fillRect/>
-          </a:stretch>
-        </p:blipFill>
-        <p:spPr>
-          <a:xfrm>
-            <a:off x="1154953" y="2269547"/>
-            <a:ext cx="2815936" cy="4328753"/>
-          </a:xfrm>
-          <a:prstGeom prst="rect">
-            <a:avLst/>
-          </a:prstGeom>
-        </p:spPr>
-      </p:pic>
     </p:spTree>
     <p:extLst>
       <p:ext uri="{BB962C8B-B14F-4D97-AF65-F5344CB8AC3E}">

--- a/Brain Pain powerpoint.pptx
+++ b/Brain Pain powerpoint.pptx
@@ -23,6 +23,7 @@
     <p:sldId id="272" r:id="rId17"/>
     <p:sldId id="273" r:id="rId18"/>
     <p:sldId id="274" r:id="rId19"/>
+    <p:sldId id="276" r:id="rId20"/>
   </p:sldIdLst>
   <p:sldSz cx="12192000" cy="6858000"/>
   <p:notesSz cx="6858000" cy="9144000"/>
@@ -775,7 +776,7 @@
           <a:p>
             <a:fld id="{762CEC22-7E63-4875-B7E5-EFE6F76FF188}" type="datetimeFigureOut">
               <a:rPr lang="es-ES" smtClean="0"/>
-              <a:t>31/01/2020</a:t>
+              <a:t>06/02/2020</a:t>
             </a:fld>
             <a:endParaRPr lang="es-ES"/>
           </a:p>
@@ -1895,7 +1896,7 @@
           <a:p>
             <a:fld id="{762CEC22-7E63-4875-B7E5-EFE6F76FF188}" type="datetimeFigureOut">
               <a:rPr lang="es-ES" smtClean="0"/>
-              <a:t>31/01/2020</a:t>
+              <a:t>06/02/2020</a:t>
             </a:fld>
             <a:endParaRPr lang="es-ES"/>
           </a:p>
@@ -2906,7 +2907,7 @@
           <a:p>
             <a:fld id="{762CEC22-7E63-4875-B7E5-EFE6F76FF188}" type="datetimeFigureOut">
               <a:rPr lang="es-ES" smtClean="0"/>
-              <a:t>31/01/2020</a:t>
+              <a:t>06/02/2020</a:t>
             </a:fld>
             <a:endParaRPr lang="es-ES"/>
           </a:p>
@@ -4076,7 +4077,7 @@
           <a:p>
             <a:fld id="{762CEC22-7E63-4875-B7E5-EFE6F76FF188}" type="datetimeFigureOut">
               <a:rPr lang="es-ES" smtClean="0"/>
-              <a:t>31/01/2020</a:t>
+              <a:t>06/02/2020</a:t>
             </a:fld>
             <a:endParaRPr lang="es-ES"/>
           </a:p>
@@ -5137,7 +5138,7 @@
           <a:p>
             <a:fld id="{762CEC22-7E63-4875-B7E5-EFE6F76FF188}" type="datetimeFigureOut">
               <a:rPr lang="es-ES" smtClean="0"/>
-              <a:t>31/01/2020</a:t>
+              <a:t>06/02/2020</a:t>
             </a:fld>
             <a:endParaRPr lang="es-ES"/>
           </a:p>
@@ -5783,7 +5784,7 @@
           <a:p>
             <a:fld id="{762CEC22-7E63-4875-B7E5-EFE6F76FF188}" type="datetimeFigureOut">
               <a:rPr lang="es-ES" smtClean="0"/>
-              <a:t>31/01/2020</a:t>
+              <a:t>06/02/2020</a:t>
             </a:fld>
             <a:endParaRPr lang="es-ES"/>
           </a:p>
@@ -6630,7 +6631,7 @@
           <a:p>
             <a:fld id="{762CEC22-7E63-4875-B7E5-EFE6F76FF188}" type="datetimeFigureOut">
               <a:rPr lang="es-ES" smtClean="0"/>
-              <a:t>31/01/2020</a:t>
+              <a:t>06/02/2020</a:t>
             </a:fld>
             <a:endParaRPr lang="es-ES"/>
           </a:p>
@@ -6805,7 +6806,7 @@
           <a:p>
             <a:fld id="{762CEC22-7E63-4875-B7E5-EFE6F76FF188}" type="datetimeFigureOut">
               <a:rPr lang="es-ES" smtClean="0"/>
-              <a:t>31/01/2020</a:t>
+              <a:t>06/02/2020</a:t>
             </a:fld>
             <a:endParaRPr lang="es-ES"/>
           </a:p>
@@ -7803,7 +7804,7 @@
           <a:p>
             <a:fld id="{762CEC22-7E63-4875-B7E5-EFE6F76FF188}" type="datetimeFigureOut">
               <a:rPr lang="es-ES" smtClean="0"/>
-              <a:t>31/01/2020</a:t>
+              <a:t>06/02/2020</a:t>
             </a:fld>
             <a:endParaRPr lang="es-ES"/>
           </a:p>
@@ -8009,7 +8010,7 @@
           <a:p>
             <a:fld id="{762CEC22-7E63-4875-B7E5-EFE6F76FF188}" type="datetimeFigureOut">
               <a:rPr lang="es-ES" smtClean="0"/>
-              <a:t>31/01/2020</a:t>
+              <a:t>06/02/2020</a:t>
             </a:fld>
             <a:endParaRPr lang="es-ES"/>
           </a:p>
@@ -9071,7 +9072,7 @@
           <a:p>
             <a:fld id="{762CEC22-7E63-4875-B7E5-EFE6F76FF188}" type="datetimeFigureOut">
               <a:rPr lang="es-ES" smtClean="0"/>
-              <a:t>31/01/2020</a:t>
+              <a:t>06/02/2020</a:t>
             </a:fld>
             <a:endParaRPr lang="es-ES"/>
           </a:p>
@@ -9343,7 +9344,7 @@
           <a:p>
             <a:fld id="{762CEC22-7E63-4875-B7E5-EFE6F76FF188}" type="datetimeFigureOut">
               <a:rPr lang="es-ES" smtClean="0"/>
-              <a:t>31/01/2020</a:t>
+              <a:t>06/02/2020</a:t>
             </a:fld>
             <a:endParaRPr lang="es-ES"/>
           </a:p>
@@ -9725,7 +9726,7 @@
           <a:p>
             <a:fld id="{762CEC22-7E63-4875-B7E5-EFE6F76FF188}" type="datetimeFigureOut">
               <a:rPr lang="es-ES" smtClean="0"/>
-              <a:t>31/01/2020</a:t>
+              <a:t>06/02/2020</a:t>
             </a:fld>
             <a:endParaRPr lang="es-ES"/>
           </a:p>
@@ -9843,7 +9844,7 @@
           <a:p>
             <a:fld id="{762CEC22-7E63-4875-B7E5-EFE6F76FF188}" type="datetimeFigureOut">
               <a:rPr lang="es-ES" smtClean="0"/>
-              <a:t>31/01/2020</a:t>
+              <a:t>06/02/2020</a:t>
             </a:fld>
             <a:endParaRPr lang="es-ES"/>
           </a:p>
@@ -9938,7 +9939,7 @@
           <a:p>
             <a:fld id="{762CEC22-7E63-4875-B7E5-EFE6F76FF188}" type="datetimeFigureOut">
               <a:rPr lang="es-ES" smtClean="0"/>
-              <a:t>31/01/2020</a:t>
+              <a:t>06/02/2020</a:t>
             </a:fld>
             <a:endParaRPr lang="es-ES"/>
           </a:p>
@@ -11047,7 +11048,7 @@
           <a:p>
             <a:fld id="{762CEC22-7E63-4875-B7E5-EFE6F76FF188}" type="datetimeFigureOut">
               <a:rPr lang="es-ES" smtClean="0"/>
-              <a:t>31/01/2020</a:t>
+              <a:t>06/02/2020</a:t>
             </a:fld>
             <a:endParaRPr lang="es-ES"/>
           </a:p>
@@ -12180,7 +12181,7 @@
           <a:p>
             <a:fld id="{762CEC22-7E63-4875-B7E5-EFE6F76FF188}" type="datetimeFigureOut">
               <a:rPr lang="es-ES" smtClean="0"/>
-              <a:t>31/01/2020</a:t>
+              <a:t>06/02/2020</a:t>
             </a:fld>
             <a:endParaRPr lang="es-ES"/>
           </a:p>
@@ -13208,7 +13209,7 @@
           <a:p>
             <a:fld id="{762CEC22-7E63-4875-B7E5-EFE6F76FF188}" type="datetimeFigureOut">
               <a:rPr lang="es-ES" smtClean="0"/>
-              <a:t>31/01/2020</a:t>
+              <a:t>06/02/2020</a:t>
             </a:fld>
             <a:endParaRPr lang="es-ES"/>
           </a:p>
@@ -16297,204 +16298,6 @@
           </a:p>
         </p:txBody>
       </p:sp>
-      <p:pic>
-        <p:nvPicPr>
-          <p:cNvPr id="5" name="Irudia 4"/>
-          <p:cNvPicPr>
-            <a:picLocks noChangeAspect="1"/>
-          </p:cNvPicPr>
-          <p:nvPr/>
-        </p:nvPicPr>
-        <p:blipFill>
-          <a:blip r:embed="rId2"/>
-          <a:stretch>
-            <a:fillRect/>
-          </a:stretch>
-        </p:blipFill>
-        <p:spPr>
-          <a:xfrm>
-            <a:off x="4388858" y="2618208"/>
-            <a:ext cx="2219759" cy="3972578"/>
-          </a:xfrm>
-          <a:prstGeom prst="rect">
-            <a:avLst/>
-          </a:prstGeom>
-        </p:spPr>
-      </p:pic>
-      <p:sp>
-        <p:nvSpPr>
-          <p:cNvPr id="7" name="TestuKoadroa 6"/>
-          <p:cNvSpPr txBox="1"/>
-          <p:nvPr/>
-        </p:nvSpPr>
-        <p:spPr>
-          <a:xfrm>
-            <a:off x="6608617" y="2773232"/>
-            <a:ext cx="2100255" cy="369332"/>
-          </a:xfrm>
-          <a:prstGeom prst="rect">
-            <a:avLst/>
-          </a:prstGeom>
-          <a:noFill/>
-        </p:spPr>
-        <p:txBody>
-          <a:bodyPr wrap="none" rtlCol="0">
-            <a:spAutoFit/>
-          </a:bodyPr>
-          <a:lstStyle/>
-          <a:p>
-            <a:r>
-              <a:rPr lang="es-ES" dirty="0" smtClean="0"/>
-              <a:t>iPhone 6/7/8 plus</a:t>
-            </a:r>
-            <a:endParaRPr lang="es-ES" dirty="0"/>
-          </a:p>
-        </p:txBody>
-      </p:sp>
-      <p:pic>
-        <p:nvPicPr>
-          <p:cNvPr id="8" name="Irudia 7"/>
-          <p:cNvPicPr>
-            <a:picLocks noChangeAspect="1"/>
-          </p:cNvPicPr>
-          <p:nvPr/>
-        </p:nvPicPr>
-        <p:blipFill>
-          <a:blip r:embed="rId3"/>
-          <a:stretch>
-            <a:fillRect/>
-          </a:stretch>
-        </p:blipFill>
-        <p:spPr>
-          <a:xfrm>
-            <a:off x="8813642" y="2430150"/>
-            <a:ext cx="2314766" cy="4109098"/>
-          </a:xfrm>
-          <a:prstGeom prst="rect">
-            <a:avLst/>
-          </a:prstGeom>
-        </p:spPr>
-      </p:pic>
-      <p:sp>
-        <p:nvSpPr>
-          <p:cNvPr id="9" name="TestuKoadroa 8"/>
-          <p:cNvSpPr txBox="1"/>
-          <p:nvPr/>
-        </p:nvSpPr>
-        <p:spPr>
-          <a:xfrm>
-            <a:off x="7159536" y="4604497"/>
-            <a:ext cx="1601721" cy="369332"/>
-          </a:xfrm>
-          <a:prstGeom prst="rect">
-            <a:avLst/>
-          </a:prstGeom>
-          <a:noFill/>
-        </p:spPr>
-        <p:txBody>
-          <a:bodyPr wrap="none" rtlCol="0">
-            <a:spAutoFit/>
-          </a:bodyPr>
-          <a:lstStyle/>
-          <a:p>
-            <a:r>
-              <a:rPr lang="es-ES" dirty="0" smtClean="0"/>
-              <a:t>iPhone 6/7/8</a:t>
-            </a:r>
-            <a:endParaRPr lang="es-ES" dirty="0"/>
-          </a:p>
-        </p:txBody>
-      </p:sp>
-      <p:cxnSp>
-        <p:nvCxnSpPr>
-          <p:cNvPr id="11" name="Gezidun lotura-marra zuzena 10"/>
-          <p:cNvCxnSpPr/>
-          <p:nvPr/>
-        </p:nvCxnSpPr>
-        <p:spPr>
-          <a:xfrm flipH="1">
-            <a:off x="6816436" y="3311236"/>
-            <a:ext cx="1482437" cy="0"/>
-          </a:xfrm>
-          <a:prstGeom prst="straightConnector1">
-            <a:avLst/>
-          </a:prstGeom>
-          <a:ln>
-            <a:tailEnd type="triangle"/>
-          </a:ln>
-        </p:spPr>
-        <p:style>
-          <a:lnRef idx="3">
-            <a:schemeClr val="dk1"/>
-          </a:lnRef>
-          <a:fillRef idx="0">
-            <a:schemeClr val="dk1"/>
-          </a:fillRef>
-          <a:effectRef idx="2">
-            <a:schemeClr val="dk1"/>
-          </a:effectRef>
-          <a:fontRef idx="minor">
-            <a:schemeClr val="tx1"/>
-          </a:fontRef>
-        </p:style>
-      </p:cxnSp>
-      <p:cxnSp>
-        <p:nvCxnSpPr>
-          <p:cNvPr id="14" name="Gezidun lotura-marra zuzena 13"/>
-          <p:cNvCxnSpPr/>
-          <p:nvPr/>
-        </p:nvCxnSpPr>
-        <p:spPr>
-          <a:xfrm>
-            <a:off x="7329055" y="5084618"/>
-            <a:ext cx="1375264" cy="1"/>
-          </a:xfrm>
-          <a:prstGeom prst="straightConnector1">
-            <a:avLst/>
-          </a:prstGeom>
-          <a:ln>
-            <a:tailEnd type="triangle"/>
-          </a:ln>
-        </p:spPr>
-        <p:style>
-          <a:lnRef idx="3">
-            <a:schemeClr val="dk1"/>
-          </a:lnRef>
-          <a:fillRef idx="0">
-            <a:schemeClr val="dk1"/>
-          </a:fillRef>
-          <a:effectRef idx="2">
-            <a:schemeClr val="dk1"/>
-          </a:effectRef>
-          <a:fontRef idx="minor">
-            <a:schemeClr val="tx1"/>
-          </a:fontRef>
-        </p:style>
-      </p:cxnSp>
-      <p:pic>
-        <p:nvPicPr>
-          <p:cNvPr id="22" name="Irudia 21"/>
-          <p:cNvPicPr>
-            <a:picLocks noChangeAspect="1"/>
-          </p:cNvPicPr>
-          <p:nvPr/>
-        </p:nvPicPr>
-        <p:blipFill>
-          <a:blip r:embed="rId4"/>
-          <a:stretch>
-            <a:fillRect/>
-          </a:stretch>
-        </p:blipFill>
-        <p:spPr>
-          <a:xfrm>
-            <a:off x="615443" y="2430150"/>
-            <a:ext cx="2252448" cy="3727643"/>
-          </a:xfrm>
-          <a:prstGeom prst="rect">
-            <a:avLst/>
-          </a:prstGeom>
-        </p:spPr>
-      </p:pic>
       <p:sp>
         <p:nvSpPr>
           <p:cNvPr id="24" name="TestuKoadroa 23"/>
@@ -16525,6 +16328,84 @@
           </a:p>
         </p:txBody>
       </p:sp>
+      <p:pic>
+        <p:nvPicPr>
+          <p:cNvPr id="3" name="Irudia 2"/>
+          <p:cNvPicPr>
+            <a:picLocks noChangeAspect="1"/>
+          </p:cNvPicPr>
+          <p:nvPr/>
+        </p:nvPicPr>
+        <p:blipFill>
+          <a:blip r:embed="rId2"/>
+          <a:stretch>
+            <a:fillRect/>
+          </a:stretch>
+        </p:blipFill>
+        <p:spPr>
+          <a:xfrm>
+            <a:off x="4350601" y="2299094"/>
+            <a:ext cx="6220418" cy="4107026"/>
+          </a:xfrm>
+          <a:prstGeom prst="rect">
+            <a:avLst/>
+          </a:prstGeom>
+        </p:spPr>
+      </p:pic>
+      <p:sp>
+        <p:nvSpPr>
+          <p:cNvPr id="4" name="TestuKoadroa 3"/>
+          <p:cNvSpPr txBox="1"/>
+          <p:nvPr/>
+        </p:nvSpPr>
+        <p:spPr>
+          <a:xfrm>
+            <a:off x="6571784" y="6488668"/>
+            <a:ext cx="1778051" cy="369332"/>
+          </a:xfrm>
+          <a:prstGeom prst="rect">
+            <a:avLst/>
+          </a:prstGeom>
+          <a:noFill/>
+        </p:spPr>
+        <p:txBody>
+          <a:bodyPr wrap="none" rtlCol="0">
+            <a:spAutoFit/>
+          </a:bodyPr>
+          <a:lstStyle/>
+          <a:p>
+            <a:r>
+              <a:rPr lang="es-ES" dirty="0" smtClean="0"/>
+              <a:t>Tablet batean</a:t>
+            </a:r>
+            <a:endParaRPr lang="es-ES" dirty="0"/>
+          </a:p>
+        </p:txBody>
+      </p:sp>
+      <p:pic>
+        <p:nvPicPr>
+          <p:cNvPr id="6" name="Irudia 5"/>
+          <p:cNvPicPr>
+            <a:picLocks noChangeAspect="1"/>
+          </p:cNvPicPr>
+          <p:nvPr/>
+        </p:nvPicPr>
+        <p:blipFill>
+          <a:blip r:embed="rId3"/>
+          <a:stretch>
+            <a:fillRect/>
+          </a:stretch>
+        </p:blipFill>
+        <p:spPr>
+          <a:xfrm>
+            <a:off x="397726" y="2255243"/>
+            <a:ext cx="2664129" cy="3966211"/>
+          </a:xfrm>
+          <a:prstGeom prst="rect">
+            <a:avLst/>
+          </a:prstGeom>
+        </p:spPr>
+      </p:pic>
     </p:spTree>
     <p:extLst>
       <p:ext uri="{BB962C8B-B14F-4D97-AF65-F5344CB8AC3E}">
@@ -16542,6 +16423,182 @@
       </p:par>
     </p:tnLst>
   </p:timing>
+</p:sld>
+</file>
+
+<file path=ppt/slides/slide19.xml><?xml version="1.0" encoding="utf-8"?>
+<p:sld xmlns:a="http://schemas.openxmlformats.org/drawingml/2006/main" xmlns:r="http://schemas.openxmlformats.org/officeDocument/2006/relationships" xmlns:p="http://schemas.openxmlformats.org/presentationml/2006/main">
+  <p:cSld>
+    <p:spTree>
+      <p:nvGrpSpPr>
+        <p:cNvPr id="1" name=""/>
+        <p:cNvGrpSpPr/>
+        <p:nvPr/>
+      </p:nvGrpSpPr>
+      <p:grpSpPr>
+        <a:xfrm>
+          <a:off x="0" y="0"/>
+          <a:ext cx="0" cy="0"/>
+          <a:chOff x="0" y="0"/>
+          <a:chExt cx="0" cy="0"/>
+        </a:xfrm>
+      </p:grpSpPr>
+      <p:sp>
+        <p:nvSpPr>
+          <p:cNvPr id="2" name="Titulua 1"/>
+          <p:cNvSpPr>
+            <a:spLocks noGrp="1"/>
+          </p:cNvSpPr>
+          <p:nvPr>
+            <p:ph type="title"/>
+          </p:nvPr>
+        </p:nvSpPr>
+        <p:spPr/>
+        <p:txBody>
+          <a:bodyPr/>
+          <a:lstStyle/>
+          <a:p>
+            <a:pPr algn="ctr"/>
+            <a:r>
+              <a:rPr lang="es-ES" dirty="0" err="1" smtClean="0"/>
+              <a:t>Soinua</a:t>
+            </a:r>
+            <a:endParaRPr lang="es-ES" dirty="0"/>
+          </a:p>
+        </p:txBody>
+      </p:sp>
+      <p:pic>
+        <p:nvPicPr>
+          <p:cNvPr id="4" name="Irudia 3"/>
+          <p:cNvPicPr>
+            <a:picLocks noChangeAspect="1"/>
+          </p:cNvPicPr>
+          <p:nvPr/>
+        </p:nvPicPr>
+        <p:blipFill>
+          <a:blip r:embed="rId2"/>
+          <a:stretch>
+            <a:fillRect/>
+          </a:stretch>
+        </p:blipFill>
+        <p:spPr>
+          <a:xfrm>
+            <a:off x="1834862" y="2343360"/>
+            <a:ext cx="2820266" cy="4298266"/>
+          </a:xfrm>
+          <a:prstGeom prst="rect">
+            <a:avLst/>
+          </a:prstGeom>
+        </p:spPr>
+      </p:pic>
+      <p:sp>
+        <p:nvSpPr>
+          <p:cNvPr id="5" name="TestuKoadroa 4"/>
+          <p:cNvSpPr txBox="1"/>
+          <p:nvPr/>
+        </p:nvSpPr>
+        <p:spPr>
+          <a:xfrm>
+            <a:off x="5832762" y="4169328"/>
+            <a:ext cx="4239491" cy="646331"/>
+          </a:xfrm>
+          <a:prstGeom prst="rect">
+            <a:avLst/>
+          </a:prstGeom>
+          <a:noFill/>
+        </p:spPr>
+        <p:txBody>
+          <a:bodyPr wrap="square" rtlCol="0">
+            <a:spAutoFit/>
+          </a:bodyPr>
+          <a:lstStyle/>
+          <a:p>
+            <a:r>
+              <a:rPr lang="es-ES" dirty="0" err="1" smtClean="0"/>
+              <a:t>Jokatze</a:t>
+            </a:r>
+            <a:r>
+              <a:rPr lang="es-ES" dirty="0" smtClean="0"/>
+              <a:t> </a:t>
+            </a:r>
+            <a:r>
+              <a:rPr lang="es-ES" dirty="0" err="1" smtClean="0"/>
+              <a:t>orduak</a:t>
+            </a:r>
+            <a:r>
+              <a:rPr lang="es-ES" dirty="0" smtClean="0"/>
+              <a:t> </a:t>
+            </a:r>
+            <a:r>
+              <a:rPr lang="es-ES" dirty="0" err="1" smtClean="0"/>
+              <a:t>kargatze</a:t>
+            </a:r>
+            <a:r>
+              <a:rPr lang="es-ES" dirty="0" smtClean="0"/>
+              <a:t> </a:t>
+            </a:r>
+            <a:r>
+              <a:rPr lang="es-ES" dirty="0" err="1" smtClean="0"/>
+              <a:t>pantailan</a:t>
+            </a:r>
+            <a:r>
+              <a:rPr lang="es-ES" dirty="0" smtClean="0"/>
+              <a:t> </a:t>
+            </a:r>
+            <a:r>
+              <a:rPr lang="es-ES" dirty="0" err="1" smtClean="0"/>
+              <a:t>hasi</a:t>
+            </a:r>
+            <a:r>
+              <a:rPr lang="es-ES" dirty="0" smtClean="0"/>
+              <a:t> </a:t>
+            </a:r>
+            <a:r>
+              <a:rPr lang="es-ES" dirty="0" err="1" smtClean="0"/>
+              <a:t>baino</a:t>
+            </a:r>
+            <a:r>
+              <a:rPr lang="es-ES" dirty="0" smtClean="0"/>
+              <a:t> </a:t>
+            </a:r>
+            <a:r>
+              <a:rPr lang="es-ES" dirty="0" err="1" smtClean="0"/>
+              <a:t>lehen</a:t>
+            </a:r>
+            <a:r>
+              <a:rPr lang="es-ES" dirty="0" smtClean="0"/>
+              <a:t> </a:t>
+            </a:r>
+            <a:r>
+              <a:rPr lang="es-ES" dirty="0" err="1" smtClean="0"/>
+              <a:t>soinua</a:t>
+            </a:r>
+            <a:r>
+              <a:rPr lang="es-ES" dirty="0" smtClean="0"/>
+              <a:t> </a:t>
+            </a:r>
+            <a:r>
+              <a:rPr lang="es-ES" dirty="0" err="1" smtClean="0"/>
+              <a:t>egiten</a:t>
+            </a:r>
+            <a:r>
+              <a:rPr lang="es-ES" dirty="0" smtClean="0"/>
+              <a:t> du.</a:t>
+            </a:r>
+            <a:endParaRPr lang="es-ES" dirty="0"/>
+          </a:p>
+        </p:txBody>
+      </p:sp>
+    </p:spTree>
+    <p:extLst>
+      <p:ext uri="{BB962C8B-B14F-4D97-AF65-F5344CB8AC3E}">
+        <p14:creationId xmlns:p14="http://schemas.microsoft.com/office/powerpoint/2010/main" val="3428826123"/>
+      </p:ext>
+    </p:extLst>
+  </p:cSld>
+  <p:clrMapOvr>
+    <a:masterClrMapping/>
+  </p:clrMapOvr>
 </p:sld>
 </file>
 
